--- a/Project Final Presentation .pptx
+++ b/Project Final Presentation .pptx
@@ -162,1229 +162,6 @@
 </p1510:revInfo>
 </file>
 
-<file path=ppt/changesInfos/changesInfo1.xml><?xml version="1.0" encoding="utf-8"?>
-<pc:chgInfo xmlns:a="http://schemas.openxmlformats.org/drawingml/2006/main" xmlns:r="http://schemas.openxmlformats.org/officeDocument/2006/relationships" xmlns:ac="http://schemas.microsoft.com/office/drawing/2013/main/command" xmlns:pc="http://schemas.microsoft.com/office/powerpoint/2013/main/command">
-  <pc:docChgLst>
-    <pc:chgData name="Matan Ben-Chorin" userId="78171e99-aa04-4d93-b476-e6a5ed1a9ed0" providerId="ADAL" clId="{DD5287A3-F799-4952-BDD3-843D6A174400}"/>
-    <pc:docChg chg="undo redo custSel addSld delSld modSld sldOrd">
-      <pc:chgData name="Matan Ben-Chorin" userId="78171e99-aa04-4d93-b476-e6a5ed1a9ed0" providerId="ADAL" clId="{DD5287A3-F799-4952-BDD3-843D6A174400}" dt="2022-03-15T08:09:25.218" v="2100"/>
-      <pc:docMkLst>
-        <pc:docMk/>
-      </pc:docMkLst>
-      <pc:sldChg chg="addSp delSp modSp mod">
-        <pc:chgData name="Matan Ben-Chorin" userId="78171e99-aa04-4d93-b476-e6a5ed1a9ed0" providerId="ADAL" clId="{DD5287A3-F799-4952-BDD3-843D6A174400}" dt="2022-03-14T23:54:04.344" v="2096"/>
-        <pc:sldMkLst>
-          <pc:docMk/>
-          <pc:sldMk cId="3209503173" sldId="256"/>
-        </pc:sldMkLst>
-        <pc:spChg chg="mod">
-          <ac:chgData name="Matan Ben-Chorin" userId="78171e99-aa04-4d93-b476-e6a5ed1a9ed0" providerId="ADAL" clId="{DD5287A3-F799-4952-BDD3-843D6A174400}" dt="2022-03-14T22:21:12.138" v="1004" actId="20577"/>
-          <ac:spMkLst>
-            <pc:docMk/>
-            <pc:sldMk cId="3209503173" sldId="256"/>
-            <ac:spMk id="2" creationId="{52D10A70-511C-4211-A46B-A9C360B8BF70}"/>
-          </ac:spMkLst>
-        </pc:spChg>
-        <pc:spChg chg="mod">
-          <ac:chgData name="Matan Ben-Chorin" userId="78171e99-aa04-4d93-b476-e6a5ed1a9ed0" providerId="ADAL" clId="{DD5287A3-F799-4952-BDD3-843D6A174400}" dt="2022-03-14T22:21:18.081" v="1005" actId="1076"/>
-          <ac:spMkLst>
-            <pc:docMk/>
-            <pc:sldMk cId="3209503173" sldId="256"/>
-            <ac:spMk id="3" creationId="{84D5BCBE-0DB4-46F6-8F25-1F12B3381ABE}"/>
-          </ac:spMkLst>
-        </pc:spChg>
-        <pc:spChg chg="add del mod">
-          <ac:chgData name="Matan Ben-Chorin" userId="78171e99-aa04-4d93-b476-e6a5ed1a9ed0" providerId="ADAL" clId="{DD5287A3-F799-4952-BDD3-843D6A174400}" dt="2022-03-14T22:21:08.919" v="1001"/>
-          <ac:spMkLst>
-            <pc:docMk/>
-            <pc:sldMk cId="3209503173" sldId="256"/>
-            <ac:spMk id="9" creationId="{139B00CE-DBF7-4199-962A-34141CC49268}"/>
-          </ac:spMkLst>
-        </pc:spChg>
-        <pc:picChg chg="mod">
-          <ac:chgData name="Matan Ben-Chorin" userId="78171e99-aa04-4d93-b476-e6a5ed1a9ed0" providerId="ADAL" clId="{DD5287A3-F799-4952-BDD3-843D6A174400}" dt="2022-03-14T23:53:58.393" v="2094"/>
-          <ac:picMkLst>
-            <pc:docMk/>
-            <pc:sldMk cId="3209503173" sldId="256"/>
-            <ac:picMk id="4" creationId="{CE8CA073-5B98-460E-A4BA-433E09AC1226}"/>
-          </ac:picMkLst>
-        </pc:picChg>
-        <pc:picChg chg="mod">
-          <ac:chgData name="Matan Ben-Chorin" userId="78171e99-aa04-4d93-b476-e6a5ed1a9ed0" providerId="ADAL" clId="{DD5287A3-F799-4952-BDD3-843D6A174400}" dt="2022-03-14T23:54:04.344" v="2096"/>
-          <ac:picMkLst>
-            <pc:docMk/>
-            <pc:sldMk cId="3209503173" sldId="256"/>
-            <ac:picMk id="5" creationId="{704C81B3-9BEC-4585-85F5-0314EBF3B147}"/>
-          </ac:picMkLst>
-        </pc:picChg>
-        <pc:picChg chg="mod">
-          <ac:chgData name="Matan Ben-Chorin" userId="78171e99-aa04-4d93-b476-e6a5ed1a9ed0" providerId="ADAL" clId="{DD5287A3-F799-4952-BDD3-843D6A174400}" dt="2022-03-14T23:54:02.080" v="2095"/>
-          <ac:picMkLst>
-            <pc:docMk/>
-            <pc:sldMk cId="3209503173" sldId="256"/>
-            <ac:picMk id="1030" creationId="{9D68C75F-9C1C-4FC3-9C01-DD050C686F4B}"/>
-          </ac:picMkLst>
-        </pc:picChg>
-      </pc:sldChg>
-      <pc:sldChg chg="modSp mod modNotesTx">
-        <pc:chgData name="Matan Ben-Chorin" userId="78171e99-aa04-4d93-b476-e6a5ed1a9ed0" providerId="ADAL" clId="{DD5287A3-F799-4952-BDD3-843D6A174400}" dt="2022-03-14T23:13:59.059" v="1622" actId="20577"/>
-        <pc:sldMkLst>
-          <pc:docMk/>
-          <pc:sldMk cId="1278065165" sldId="258"/>
-        </pc:sldMkLst>
-        <pc:spChg chg="mod">
-          <ac:chgData name="Matan Ben-Chorin" userId="78171e99-aa04-4d93-b476-e6a5ed1a9ed0" providerId="ADAL" clId="{DD5287A3-F799-4952-BDD3-843D6A174400}" dt="2022-03-14T23:13:58.631" v="1620" actId="1076"/>
-          <ac:spMkLst>
-            <pc:docMk/>
-            <pc:sldMk cId="1278065165" sldId="258"/>
-            <ac:spMk id="2" creationId="{2DA06E11-D7BF-444A-A4E9-A62E2C2CEB7E}"/>
-          </ac:spMkLst>
-        </pc:spChg>
-        <pc:spChg chg="mod">
-          <ac:chgData name="Matan Ben-Chorin" userId="78171e99-aa04-4d93-b476-e6a5ed1a9ed0" providerId="ADAL" clId="{DD5287A3-F799-4952-BDD3-843D6A174400}" dt="2022-03-14T23:13:59.059" v="1622" actId="20577"/>
-          <ac:spMkLst>
-            <pc:docMk/>
-            <pc:sldMk cId="1278065165" sldId="258"/>
-            <ac:spMk id="3" creationId="{BBD3EAFA-53FA-4C51-8A7F-A2682699EA2B}"/>
-          </ac:spMkLst>
-        </pc:spChg>
-      </pc:sldChg>
-      <pc:sldChg chg="del">
-        <pc:chgData name="Matan Ben-Chorin" userId="78171e99-aa04-4d93-b476-e6a5ed1a9ed0" providerId="ADAL" clId="{DD5287A3-F799-4952-BDD3-843D6A174400}" dt="2022-03-14T22:53:23.739" v="1361" actId="47"/>
-        <pc:sldMkLst>
-          <pc:docMk/>
-          <pc:sldMk cId="363873967" sldId="260"/>
-        </pc:sldMkLst>
-      </pc:sldChg>
-      <pc:sldChg chg="modSp mod modNotesTx">
-        <pc:chgData name="Matan Ben-Chorin" userId="78171e99-aa04-4d93-b476-e6a5ed1a9ed0" providerId="ADAL" clId="{DD5287A3-F799-4952-BDD3-843D6A174400}" dt="2022-03-14T23:00:11.919" v="1560" actId="14100"/>
-        <pc:sldMkLst>
-          <pc:docMk/>
-          <pc:sldMk cId="3503797914" sldId="265"/>
-        </pc:sldMkLst>
-        <pc:spChg chg="mod">
-          <ac:chgData name="Matan Ben-Chorin" userId="78171e99-aa04-4d93-b476-e6a5ed1a9ed0" providerId="ADAL" clId="{DD5287A3-F799-4952-BDD3-843D6A174400}" dt="2022-03-14T22:52:15.384" v="1360" actId="1076"/>
-          <ac:spMkLst>
-            <pc:docMk/>
-            <pc:sldMk cId="3503797914" sldId="265"/>
-            <ac:spMk id="2" creationId="{87189A70-F14C-477C-8118-800EBEBD6429}"/>
-          </ac:spMkLst>
-        </pc:spChg>
-        <pc:spChg chg="mod">
-          <ac:chgData name="Matan Ben-Chorin" userId="78171e99-aa04-4d93-b476-e6a5ed1a9ed0" providerId="ADAL" clId="{DD5287A3-F799-4952-BDD3-843D6A174400}" dt="2022-03-14T23:00:11.919" v="1560" actId="14100"/>
-          <ac:spMkLst>
-            <pc:docMk/>
-            <pc:sldMk cId="3503797914" sldId="265"/>
-            <ac:spMk id="5" creationId="{6A8B3CA4-4E39-4553-B807-EA701B158AB0}"/>
-          </ac:spMkLst>
-        </pc:spChg>
-      </pc:sldChg>
-      <pc:sldChg chg="addSp delSp modSp mod modNotesTx">
-        <pc:chgData name="Matan Ben-Chorin" userId="78171e99-aa04-4d93-b476-e6a5ed1a9ed0" providerId="ADAL" clId="{DD5287A3-F799-4952-BDD3-843D6A174400}" dt="2022-03-14T22:18:20.479" v="959" actId="20577"/>
-        <pc:sldMkLst>
-          <pc:docMk/>
-          <pc:sldMk cId="3210714874" sldId="270"/>
-        </pc:sldMkLst>
-        <pc:spChg chg="del mod">
-          <ac:chgData name="Matan Ben-Chorin" userId="78171e99-aa04-4d93-b476-e6a5ed1a9ed0" providerId="ADAL" clId="{DD5287A3-F799-4952-BDD3-843D6A174400}" dt="2022-03-14T22:10:48.030" v="786" actId="478"/>
-          <ac:spMkLst>
-            <pc:docMk/>
-            <pc:sldMk cId="3210714874" sldId="270"/>
-            <ac:spMk id="2" creationId="{8A32BD41-D7BC-4C6A-B6D6-977180A4E99F}"/>
-          </ac:spMkLst>
-        </pc:spChg>
-        <pc:spChg chg="mod">
-          <ac:chgData name="Matan Ben-Chorin" userId="78171e99-aa04-4d93-b476-e6a5ed1a9ed0" providerId="ADAL" clId="{DD5287A3-F799-4952-BDD3-843D6A174400}" dt="2022-03-14T22:17:48.537" v="930" actId="1076"/>
-          <ac:spMkLst>
-            <pc:docMk/>
-            <pc:sldMk cId="3210714874" sldId="270"/>
-            <ac:spMk id="3" creationId="{4FDAC980-E58B-4A19-9315-79E7B7D014FC}"/>
-          </ac:spMkLst>
-        </pc:spChg>
-        <pc:spChg chg="add del mod">
-          <ac:chgData name="Matan Ben-Chorin" userId="78171e99-aa04-4d93-b476-e6a5ed1a9ed0" providerId="ADAL" clId="{DD5287A3-F799-4952-BDD3-843D6A174400}" dt="2022-03-14T22:10:53.814" v="787" actId="478"/>
-          <ac:spMkLst>
-            <pc:docMk/>
-            <pc:sldMk cId="3210714874" sldId="270"/>
-            <ac:spMk id="6" creationId="{211FDD28-41BF-417F-961A-A7ED9C01F8E4}"/>
-          </ac:spMkLst>
-        </pc:spChg>
-        <pc:spChg chg="add mod">
-          <ac:chgData name="Matan Ben-Chorin" userId="78171e99-aa04-4d93-b476-e6a5ed1a9ed0" providerId="ADAL" clId="{DD5287A3-F799-4952-BDD3-843D6A174400}" dt="2022-03-14T22:10:54.603" v="788"/>
-          <ac:spMkLst>
-            <pc:docMk/>
-            <pc:sldMk cId="3210714874" sldId="270"/>
-            <ac:spMk id="7" creationId="{BD460FE4-1165-47A2-882C-39FA8C48A8E5}"/>
-          </ac:spMkLst>
-        </pc:spChg>
-        <pc:spChg chg="add mod">
-          <ac:chgData name="Matan Ben-Chorin" userId="78171e99-aa04-4d93-b476-e6a5ed1a9ed0" providerId="ADAL" clId="{DD5287A3-F799-4952-BDD3-843D6A174400}" dt="2022-03-14T22:17:46.039" v="929" actId="1076"/>
-          <ac:spMkLst>
-            <pc:docMk/>
-            <pc:sldMk cId="3210714874" sldId="270"/>
-            <ac:spMk id="9" creationId="{E4E215CD-1503-4577-B94A-2470E265E079}"/>
-          </ac:spMkLst>
-        </pc:spChg>
-        <pc:spChg chg="add mod">
-          <ac:chgData name="Matan Ben-Chorin" userId="78171e99-aa04-4d93-b476-e6a5ed1a9ed0" providerId="ADAL" clId="{DD5287A3-F799-4952-BDD3-843D6A174400}" dt="2022-03-14T22:18:10.205" v="955" actId="1076"/>
-          <ac:spMkLst>
-            <pc:docMk/>
-            <pc:sldMk cId="3210714874" sldId="270"/>
-            <ac:spMk id="10" creationId="{13FD100F-D9A1-4F7B-881B-D5918ADE6522}"/>
-          </ac:spMkLst>
-        </pc:spChg>
-        <pc:spChg chg="add mod">
-          <ac:chgData name="Matan Ben-Chorin" userId="78171e99-aa04-4d93-b476-e6a5ed1a9ed0" providerId="ADAL" clId="{DD5287A3-F799-4952-BDD3-843D6A174400}" dt="2022-03-14T22:18:20.479" v="959" actId="20577"/>
-          <ac:spMkLst>
-            <pc:docMk/>
-            <pc:sldMk cId="3210714874" sldId="270"/>
-            <ac:spMk id="11" creationId="{663BD0AA-612E-4EFD-B31D-9F9F3DA04784}"/>
-          </ac:spMkLst>
-        </pc:spChg>
-        <pc:graphicFrameChg chg="mod modGraphic">
-          <ac:chgData name="Matan Ben-Chorin" userId="78171e99-aa04-4d93-b476-e6a5ed1a9ed0" providerId="ADAL" clId="{DD5287A3-F799-4952-BDD3-843D6A174400}" dt="2022-03-14T22:17:55.295" v="952" actId="1037"/>
-          <ac:graphicFrameMkLst>
-            <pc:docMk/>
-            <pc:sldMk cId="3210714874" sldId="270"/>
-            <ac:graphicFrameMk id="4" creationId="{F3DF2D21-659B-42F3-BFE6-2070CC520153}"/>
-          </ac:graphicFrameMkLst>
-        </pc:graphicFrameChg>
-        <pc:graphicFrameChg chg="add mod">
-          <ac:chgData name="Matan Ben-Chorin" userId="78171e99-aa04-4d93-b476-e6a5ed1a9ed0" providerId="ADAL" clId="{DD5287A3-F799-4952-BDD3-843D6A174400}" dt="2022-03-14T22:17:55.295" v="952" actId="1037"/>
-          <ac:graphicFrameMkLst>
-            <pc:docMk/>
-            <pc:sldMk cId="3210714874" sldId="270"/>
-            <ac:graphicFrameMk id="8" creationId="{7170A78C-6AEF-44FE-AE2F-5C0DD31EFDF2}"/>
-          </ac:graphicFrameMkLst>
-        </pc:graphicFrameChg>
-      </pc:sldChg>
-      <pc:sldChg chg="del">
-        <pc:chgData name="Matan Ben-Chorin" userId="78171e99-aa04-4d93-b476-e6a5ed1a9ed0" providerId="ADAL" clId="{DD5287A3-F799-4952-BDD3-843D6A174400}" dt="2022-03-14T22:53:23.739" v="1361" actId="47"/>
-        <pc:sldMkLst>
-          <pc:docMk/>
-          <pc:sldMk cId="1279631384" sldId="274"/>
-        </pc:sldMkLst>
-      </pc:sldChg>
-      <pc:sldChg chg="del">
-        <pc:chgData name="Matan Ben-Chorin" userId="78171e99-aa04-4d93-b476-e6a5ed1a9ed0" providerId="ADAL" clId="{DD5287A3-F799-4952-BDD3-843D6A174400}" dt="2022-03-14T22:53:23.739" v="1361" actId="47"/>
-        <pc:sldMkLst>
-          <pc:docMk/>
-          <pc:sldMk cId="2523543484" sldId="279"/>
-        </pc:sldMkLst>
-      </pc:sldChg>
-      <pc:sldChg chg="del">
-        <pc:chgData name="Matan Ben-Chorin" userId="78171e99-aa04-4d93-b476-e6a5ed1a9ed0" providerId="ADAL" clId="{DD5287A3-F799-4952-BDD3-843D6A174400}" dt="2022-03-14T22:53:23.739" v="1361" actId="47"/>
-        <pc:sldMkLst>
-          <pc:docMk/>
-          <pc:sldMk cId="3856458895" sldId="281"/>
-        </pc:sldMkLst>
-      </pc:sldChg>
-      <pc:sldChg chg="del">
-        <pc:chgData name="Matan Ben-Chorin" userId="78171e99-aa04-4d93-b476-e6a5ed1a9ed0" providerId="ADAL" clId="{DD5287A3-F799-4952-BDD3-843D6A174400}" dt="2022-03-14T22:53:23.739" v="1361" actId="47"/>
-        <pc:sldMkLst>
-          <pc:docMk/>
-          <pc:sldMk cId="2728484633" sldId="283"/>
-        </pc:sldMkLst>
-      </pc:sldChg>
-      <pc:sldChg chg="addSp delSp modSp del mod modNotesTx">
-        <pc:chgData name="Matan Ben-Chorin" userId="78171e99-aa04-4d93-b476-e6a5ed1a9ed0" providerId="ADAL" clId="{DD5287A3-F799-4952-BDD3-843D6A174400}" dt="2022-03-14T21:29:45.299" v="343" actId="47"/>
-        <pc:sldMkLst>
-          <pc:docMk/>
-          <pc:sldMk cId="2106607413" sldId="284"/>
-        </pc:sldMkLst>
-        <pc:spChg chg="mod">
-          <ac:chgData name="Matan Ben-Chorin" userId="78171e99-aa04-4d93-b476-e6a5ed1a9ed0" providerId="ADAL" clId="{DD5287A3-F799-4952-BDD3-843D6A174400}" dt="2022-03-14T21:29:22.490" v="338"/>
-          <ac:spMkLst>
-            <pc:docMk/>
-            <pc:sldMk cId="2106607413" sldId="284"/>
-            <ac:spMk id="2" creationId="{5D8EEE8B-A7A3-4F5D-8605-387D75C277A8}"/>
-          </ac:spMkLst>
-        </pc:spChg>
-        <pc:spChg chg="add mod">
-          <ac:chgData name="Matan Ben-Chorin" userId="78171e99-aa04-4d93-b476-e6a5ed1a9ed0" providerId="ADAL" clId="{DD5287A3-F799-4952-BDD3-843D6A174400}" dt="2022-03-14T21:29:30.815" v="341" actId="478"/>
-          <ac:spMkLst>
-            <pc:docMk/>
-            <pc:sldMk cId="2106607413" sldId="284"/>
-            <ac:spMk id="4" creationId="{51791D9F-6B2D-4891-B9CB-115DD9561DE1}"/>
-          </ac:spMkLst>
-        </pc:spChg>
-        <pc:spChg chg="del">
-          <ac:chgData name="Matan Ben-Chorin" userId="78171e99-aa04-4d93-b476-e6a5ed1a9ed0" providerId="ADAL" clId="{DD5287A3-F799-4952-BDD3-843D6A174400}" dt="2022-03-14T21:29:30.815" v="341" actId="478"/>
-          <ac:spMkLst>
-            <pc:docMk/>
-            <pc:sldMk cId="2106607413" sldId="284"/>
-            <ac:spMk id="8" creationId="{380FCF01-2C6C-4785-8314-4C055AC12B77}"/>
-          </ac:spMkLst>
-        </pc:spChg>
-        <pc:spChg chg="del">
-          <ac:chgData name="Matan Ben-Chorin" userId="78171e99-aa04-4d93-b476-e6a5ed1a9ed0" providerId="ADAL" clId="{DD5287A3-F799-4952-BDD3-843D6A174400}" dt="2022-03-14T21:29:29.144" v="340" actId="478"/>
-          <ac:spMkLst>
-            <pc:docMk/>
-            <pc:sldMk cId="2106607413" sldId="284"/>
-            <ac:spMk id="11" creationId="{051ADF8A-EBC6-45E9-BAB7-A037AFECD0AF}"/>
-          </ac:spMkLst>
-        </pc:spChg>
-        <pc:picChg chg="del">
-          <ac:chgData name="Matan Ben-Chorin" userId="78171e99-aa04-4d93-b476-e6a5ed1a9ed0" providerId="ADAL" clId="{DD5287A3-F799-4952-BDD3-843D6A174400}" dt="2022-03-14T21:29:27.721" v="339" actId="478"/>
-          <ac:picMkLst>
-            <pc:docMk/>
-            <pc:sldMk cId="2106607413" sldId="284"/>
-            <ac:picMk id="10" creationId="{E62C3178-19D2-4B38-A55B-48CDE7514B4A}"/>
-          </ac:picMkLst>
-        </pc:picChg>
-      </pc:sldChg>
-      <pc:sldChg chg="del">
-        <pc:chgData name="Matan Ben-Chorin" userId="78171e99-aa04-4d93-b476-e6a5ed1a9ed0" providerId="ADAL" clId="{DD5287A3-F799-4952-BDD3-843D6A174400}" dt="2022-03-14T22:53:23.739" v="1361" actId="47"/>
-        <pc:sldMkLst>
-          <pc:docMk/>
-          <pc:sldMk cId="1558714496" sldId="285"/>
-        </pc:sldMkLst>
-      </pc:sldChg>
-      <pc:sldChg chg="del">
-        <pc:chgData name="Matan Ben-Chorin" userId="78171e99-aa04-4d93-b476-e6a5ed1a9ed0" providerId="ADAL" clId="{DD5287A3-F799-4952-BDD3-843D6A174400}" dt="2022-03-14T22:53:23.739" v="1361" actId="47"/>
-        <pc:sldMkLst>
-          <pc:docMk/>
-          <pc:sldMk cId="3090693650" sldId="286"/>
-        </pc:sldMkLst>
-      </pc:sldChg>
-      <pc:sldChg chg="del">
-        <pc:chgData name="Matan Ben-Chorin" userId="78171e99-aa04-4d93-b476-e6a5ed1a9ed0" providerId="ADAL" clId="{DD5287A3-F799-4952-BDD3-843D6A174400}" dt="2022-03-14T22:53:23.739" v="1361" actId="47"/>
-        <pc:sldMkLst>
-          <pc:docMk/>
-          <pc:sldMk cId="2783901478" sldId="287"/>
-        </pc:sldMkLst>
-      </pc:sldChg>
-      <pc:sldChg chg="delSp modSp mod modNotesTx">
-        <pc:chgData name="Matan Ben-Chorin" userId="78171e99-aa04-4d93-b476-e6a5ed1a9ed0" providerId="ADAL" clId="{DD5287A3-F799-4952-BDD3-843D6A174400}" dt="2022-03-14T21:24:18.844" v="247"/>
-        <pc:sldMkLst>
-          <pc:docMk/>
-          <pc:sldMk cId="3120796684" sldId="288"/>
-        </pc:sldMkLst>
-        <pc:spChg chg="mod">
-          <ac:chgData name="Matan Ben-Chorin" userId="78171e99-aa04-4d93-b476-e6a5ed1a9ed0" providerId="ADAL" clId="{DD5287A3-F799-4952-BDD3-843D6A174400}" dt="2022-03-14T21:23:58.833" v="245" actId="20577"/>
-          <ac:spMkLst>
-            <pc:docMk/>
-            <pc:sldMk cId="3120796684" sldId="288"/>
-            <ac:spMk id="2" creationId="{5D8EEE8B-A7A3-4F5D-8605-387D75C277A8}"/>
-          </ac:spMkLst>
-        </pc:spChg>
-        <pc:spChg chg="mod">
-          <ac:chgData name="Matan Ben-Chorin" userId="78171e99-aa04-4d93-b476-e6a5ed1a9ed0" providerId="ADAL" clId="{DD5287A3-F799-4952-BDD3-843D6A174400}" dt="2022-03-14T21:24:18.844" v="247"/>
-          <ac:spMkLst>
-            <pc:docMk/>
-            <pc:sldMk cId="3120796684" sldId="288"/>
-            <ac:spMk id="8" creationId="{380FCF01-2C6C-4785-8314-4C055AC12B77}"/>
-          </ac:spMkLst>
-        </pc:spChg>
-        <pc:spChg chg="del">
-          <ac:chgData name="Matan Ben-Chorin" userId="78171e99-aa04-4d93-b476-e6a5ed1a9ed0" providerId="ADAL" clId="{DD5287A3-F799-4952-BDD3-843D6A174400}" dt="2022-03-14T21:15:16.510" v="54" actId="478"/>
-          <ac:spMkLst>
-            <pc:docMk/>
-            <pc:sldMk cId="3120796684" sldId="288"/>
-            <ac:spMk id="9" creationId="{A5911B71-C7FE-475C-ADE4-AD3C2244CB50}"/>
-          </ac:spMkLst>
-        </pc:spChg>
-        <pc:picChg chg="del">
-          <ac:chgData name="Matan Ben-Chorin" userId="78171e99-aa04-4d93-b476-e6a5ed1a9ed0" providerId="ADAL" clId="{DD5287A3-F799-4952-BDD3-843D6A174400}" dt="2022-03-14T21:15:14.056" v="53" actId="478"/>
-          <ac:picMkLst>
-            <pc:docMk/>
-            <pc:sldMk cId="3120796684" sldId="288"/>
-            <ac:picMk id="6" creationId="{BE815623-D6A9-454F-88F2-9A7970E27987}"/>
-          </ac:picMkLst>
-        </pc:picChg>
-      </pc:sldChg>
-      <pc:sldChg chg="del">
-        <pc:chgData name="Matan Ben-Chorin" userId="78171e99-aa04-4d93-b476-e6a5ed1a9ed0" providerId="ADAL" clId="{DD5287A3-F799-4952-BDD3-843D6A174400}" dt="2022-03-14T22:53:23.739" v="1361" actId="47"/>
-        <pc:sldMkLst>
-          <pc:docMk/>
-          <pc:sldMk cId="677955986" sldId="289"/>
-        </pc:sldMkLst>
-      </pc:sldChg>
-      <pc:sldChg chg="del">
-        <pc:chgData name="Matan Ben-Chorin" userId="78171e99-aa04-4d93-b476-e6a5ed1a9ed0" providerId="ADAL" clId="{DD5287A3-F799-4952-BDD3-843D6A174400}" dt="2022-03-14T22:53:23.739" v="1361" actId="47"/>
-        <pc:sldMkLst>
-          <pc:docMk/>
-          <pc:sldMk cId="392728045" sldId="290"/>
-        </pc:sldMkLst>
-      </pc:sldChg>
-      <pc:sldChg chg="del">
-        <pc:chgData name="Matan Ben-Chorin" userId="78171e99-aa04-4d93-b476-e6a5ed1a9ed0" providerId="ADAL" clId="{DD5287A3-F799-4952-BDD3-843D6A174400}" dt="2022-03-14T22:53:23.739" v="1361" actId="47"/>
-        <pc:sldMkLst>
-          <pc:docMk/>
-          <pc:sldMk cId="2263177985" sldId="291"/>
-        </pc:sldMkLst>
-      </pc:sldChg>
-      <pc:sldChg chg="del">
-        <pc:chgData name="Matan Ben-Chorin" userId="78171e99-aa04-4d93-b476-e6a5ed1a9ed0" providerId="ADAL" clId="{DD5287A3-F799-4952-BDD3-843D6A174400}" dt="2022-03-14T22:53:23.739" v="1361" actId="47"/>
-        <pc:sldMkLst>
-          <pc:docMk/>
-          <pc:sldMk cId="3477057259" sldId="298"/>
-        </pc:sldMkLst>
-      </pc:sldChg>
-      <pc:sldChg chg="modSp mod">
-        <pc:chgData name="Matan Ben-Chorin" userId="78171e99-aa04-4d93-b476-e6a5ed1a9ed0" providerId="ADAL" clId="{DD5287A3-F799-4952-BDD3-843D6A174400}" dt="2022-03-14T23:52:27.241" v="2093" actId="6549"/>
-        <pc:sldMkLst>
-          <pc:docMk/>
-          <pc:sldMk cId="357147333" sldId="306"/>
-        </pc:sldMkLst>
-        <pc:spChg chg="mod">
-          <ac:chgData name="Matan Ben-Chorin" userId="78171e99-aa04-4d93-b476-e6a5ed1a9ed0" providerId="ADAL" clId="{DD5287A3-F799-4952-BDD3-843D6A174400}" dt="2022-03-14T23:52:27.241" v="2093" actId="6549"/>
-          <ac:spMkLst>
-            <pc:docMk/>
-            <pc:sldMk cId="357147333" sldId="306"/>
-            <ac:spMk id="5" creationId="{6A8B3CA4-4E39-4553-B807-EA701B158AB0}"/>
-          </ac:spMkLst>
-        </pc:spChg>
-      </pc:sldChg>
-      <pc:sldChg chg="addSp delSp modSp mod">
-        <pc:chgData name="Matan Ben-Chorin" userId="78171e99-aa04-4d93-b476-e6a5ed1a9ed0" providerId="ADAL" clId="{DD5287A3-F799-4952-BDD3-843D6A174400}" dt="2022-03-14T23:14:31.178" v="1633" actId="478"/>
-        <pc:sldMkLst>
-          <pc:docMk/>
-          <pc:sldMk cId="3708108423" sldId="308"/>
-        </pc:sldMkLst>
-        <pc:spChg chg="add del mod">
-          <ac:chgData name="Matan Ben-Chorin" userId="78171e99-aa04-4d93-b476-e6a5ed1a9ed0" providerId="ADAL" clId="{DD5287A3-F799-4952-BDD3-843D6A174400}" dt="2022-03-14T23:14:31.178" v="1633" actId="478"/>
-          <ac:spMkLst>
-            <pc:docMk/>
-            <pc:sldMk cId="3708108423" sldId="308"/>
-            <ac:spMk id="6" creationId="{0C9B218B-7DAE-4B76-B9C1-7FF8E173EB82}"/>
-          </ac:spMkLst>
-        </pc:spChg>
-        <pc:spChg chg="add del">
-          <ac:chgData name="Matan Ben-Chorin" userId="78171e99-aa04-4d93-b476-e6a5ed1a9ed0" providerId="ADAL" clId="{DD5287A3-F799-4952-BDD3-843D6A174400}" dt="2022-03-14T23:08:06.679" v="1567" actId="22"/>
-          <ac:spMkLst>
-            <pc:docMk/>
-            <pc:sldMk cId="3708108423" sldId="308"/>
-            <ac:spMk id="7" creationId="{C450029A-5DFB-4B10-A977-323FFC9BB22B}"/>
-          </ac:spMkLst>
-        </pc:spChg>
-        <pc:picChg chg="mod">
-          <ac:chgData name="Matan Ben-Chorin" userId="78171e99-aa04-4d93-b476-e6a5ed1a9ed0" providerId="ADAL" clId="{DD5287A3-F799-4952-BDD3-843D6A174400}" dt="2022-03-14T23:02:14.724" v="1562" actId="1076"/>
-          <ac:picMkLst>
-            <pc:docMk/>
-            <pc:sldMk cId="3708108423" sldId="308"/>
-            <ac:picMk id="1028" creationId="{CF601237-AC30-4D2F-A739-89C7204163F0}"/>
-          </ac:picMkLst>
-        </pc:picChg>
-      </pc:sldChg>
-      <pc:sldChg chg="del">
-        <pc:chgData name="Matan Ben-Chorin" userId="78171e99-aa04-4d93-b476-e6a5ed1a9ed0" providerId="ADAL" clId="{DD5287A3-F799-4952-BDD3-843D6A174400}" dt="2022-03-14T22:53:23.739" v="1361" actId="47"/>
-        <pc:sldMkLst>
-          <pc:docMk/>
-          <pc:sldMk cId="1572865274" sldId="312"/>
-        </pc:sldMkLst>
-      </pc:sldChg>
-      <pc:sldChg chg="del">
-        <pc:chgData name="Matan Ben-Chorin" userId="78171e99-aa04-4d93-b476-e6a5ed1a9ed0" providerId="ADAL" clId="{DD5287A3-F799-4952-BDD3-843D6A174400}" dt="2022-03-14T22:53:23.739" v="1361" actId="47"/>
-        <pc:sldMkLst>
-          <pc:docMk/>
-          <pc:sldMk cId="337720976" sldId="315"/>
-        </pc:sldMkLst>
-      </pc:sldChg>
-      <pc:sldChg chg="del">
-        <pc:chgData name="Matan Ben-Chorin" userId="78171e99-aa04-4d93-b476-e6a5ed1a9ed0" providerId="ADAL" clId="{DD5287A3-F799-4952-BDD3-843D6A174400}" dt="2022-03-14T22:53:23.739" v="1361" actId="47"/>
-        <pc:sldMkLst>
-          <pc:docMk/>
-          <pc:sldMk cId="99991049" sldId="316"/>
-        </pc:sldMkLst>
-      </pc:sldChg>
-      <pc:sldChg chg="del">
-        <pc:chgData name="Matan Ben-Chorin" userId="78171e99-aa04-4d93-b476-e6a5ed1a9ed0" providerId="ADAL" clId="{DD5287A3-F799-4952-BDD3-843D6A174400}" dt="2022-03-14T22:53:23.739" v="1361" actId="47"/>
-        <pc:sldMkLst>
-          <pc:docMk/>
-          <pc:sldMk cId="1567288038" sldId="317"/>
-        </pc:sldMkLst>
-      </pc:sldChg>
-      <pc:sldChg chg="del">
-        <pc:chgData name="Matan Ben-Chorin" userId="78171e99-aa04-4d93-b476-e6a5ed1a9ed0" providerId="ADAL" clId="{DD5287A3-F799-4952-BDD3-843D6A174400}" dt="2022-03-14T22:53:23.739" v="1361" actId="47"/>
-        <pc:sldMkLst>
-          <pc:docMk/>
-          <pc:sldMk cId="1166344669" sldId="318"/>
-        </pc:sldMkLst>
-      </pc:sldChg>
-      <pc:sldChg chg="del">
-        <pc:chgData name="Matan Ben-Chorin" userId="78171e99-aa04-4d93-b476-e6a5ed1a9ed0" providerId="ADAL" clId="{DD5287A3-F799-4952-BDD3-843D6A174400}" dt="2022-03-14T22:53:23.739" v="1361" actId="47"/>
-        <pc:sldMkLst>
-          <pc:docMk/>
-          <pc:sldMk cId="222255727" sldId="319"/>
-        </pc:sldMkLst>
-      </pc:sldChg>
-      <pc:sldChg chg="del">
-        <pc:chgData name="Matan Ben-Chorin" userId="78171e99-aa04-4d93-b476-e6a5ed1a9ed0" providerId="ADAL" clId="{DD5287A3-F799-4952-BDD3-843D6A174400}" dt="2022-03-14T22:53:23.739" v="1361" actId="47"/>
-        <pc:sldMkLst>
-          <pc:docMk/>
-          <pc:sldMk cId="417638705" sldId="320"/>
-        </pc:sldMkLst>
-      </pc:sldChg>
-      <pc:sldChg chg="del">
-        <pc:chgData name="Matan Ben-Chorin" userId="78171e99-aa04-4d93-b476-e6a5ed1a9ed0" providerId="ADAL" clId="{DD5287A3-F799-4952-BDD3-843D6A174400}" dt="2022-03-14T22:53:23.739" v="1361" actId="47"/>
-        <pc:sldMkLst>
-          <pc:docMk/>
-          <pc:sldMk cId="817220700" sldId="321"/>
-        </pc:sldMkLst>
-      </pc:sldChg>
-      <pc:sldChg chg="del">
-        <pc:chgData name="Matan Ben-Chorin" userId="78171e99-aa04-4d93-b476-e6a5ed1a9ed0" providerId="ADAL" clId="{DD5287A3-F799-4952-BDD3-843D6A174400}" dt="2022-03-14T22:53:23.739" v="1361" actId="47"/>
-        <pc:sldMkLst>
-          <pc:docMk/>
-          <pc:sldMk cId="3586442917" sldId="322"/>
-        </pc:sldMkLst>
-      </pc:sldChg>
-      <pc:sldChg chg="del">
-        <pc:chgData name="Matan Ben-Chorin" userId="78171e99-aa04-4d93-b476-e6a5ed1a9ed0" providerId="ADAL" clId="{DD5287A3-F799-4952-BDD3-843D6A174400}" dt="2022-03-14T22:53:23.739" v="1361" actId="47"/>
-        <pc:sldMkLst>
-          <pc:docMk/>
-          <pc:sldMk cId="1216671752" sldId="323"/>
-        </pc:sldMkLst>
-      </pc:sldChg>
-      <pc:sldChg chg="del">
-        <pc:chgData name="Matan Ben-Chorin" userId="78171e99-aa04-4d93-b476-e6a5ed1a9ed0" providerId="ADAL" clId="{DD5287A3-F799-4952-BDD3-843D6A174400}" dt="2022-03-14T22:53:23.739" v="1361" actId="47"/>
-        <pc:sldMkLst>
-          <pc:docMk/>
-          <pc:sldMk cId="2940247428" sldId="324"/>
-        </pc:sldMkLst>
-      </pc:sldChg>
-      <pc:sldChg chg="del">
-        <pc:chgData name="Matan Ben-Chorin" userId="78171e99-aa04-4d93-b476-e6a5ed1a9ed0" providerId="ADAL" clId="{DD5287A3-F799-4952-BDD3-843D6A174400}" dt="2022-03-14T22:53:23.739" v="1361" actId="47"/>
-        <pc:sldMkLst>
-          <pc:docMk/>
-          <pc:sldMk cId="10005671" sldId="325"/>
-        </pc:sldMkLst>
-      </pc:sldChg>
-      <pc:sldChg chg="del">
-        <pc:chgData name="Matan Ben-Chorin" userId="78171e99-aa04-4d93-b476-e6a5ed1a9ed0" providerId="ADAL" clId="{DD5287A3-F799-4952-BDD3-843D6A174400}" dt="2022-03-14T22:53:23.739" v="1361" actId="47"/>
-        <pc:sldMkLst>
-          <pc:docMk/>
-          <pc:sldMk cId="4137144713" sldId="327"/>
-        </pc:sldMkLst>
-      </pc:sldChg>
-      <pc:sldChg chg="del">
-        <pc:chgData name="Matan Ben-Chorin" userId="78171e99-aa04-4d93-b476-e6a5ed1a9ed0" providerId="ADAL" clId="{DD5287A3-F799-4952-BDD3-843D6A174400}" dt="2022-03-14T22:53:23.739" v="1361" actId="47"/>
-        <pc:sldMkLst>
-          <pc:docMk/>
-          <pc:sldMk cId="2220029861" sldId="328"/>
-        </pc:sldMkLst>
-      </pc:sldChg>
-      <pc:sldChg chg="addSp delSp modSp new mod">
-        <pc:chgData name="Matan Ben-Chorin" userId="78171e99-aa04-4d93-b476-e6a5ed1a9ed0" providerId="ADAL" clId="{DD5287A3-F799-4952-BDD3-843D6A174400}" dt="2022-03-14T21:28:49.610" v="336" actId="20577"/>
-        <pc:sldMkLst>
-          <pc:docMk/>
-          <pc:sldMk cId="204929761" sldId="329"/>
-        </pc:sldMkLst>
-        <pc:spChg chg="mod">
-          <ac:chgData name="Matan Ben-Chorin" userId="78171e99-aa04-4d93-b476-e6a5ed1a9ed0" providerId="ADAL" clId="{DD5287A3-F799-4952-BDD3-843D6A174400}" dt="2022-03-14T21:25:24.690" v="268" actId="255"/>
-          <ac:spMkLst>
-            <pc:docMk/>
-            <pc:sldMk cId="204929761" sldId="329"/>
-            <ac:spMk id="2" creationId="{5AF65BF0-4731-48AD-991F-EF4576B0C65F}"/>
-          </ac:spMkLst>
-        </pc:spChg>
-        <pc:spChg chg="mod">
-          <ac:chgData name="Matan Ben-Chorin" userId="78171e99-aa04-4d93-b476-e6a5ed1a9ed0" providerId="ADAL" clId="{DD5287A3-F799-4952-BDD3-843D6A174400}" dt="2022-03-14T21:28:49.610" v="336" actId="20577"/>
-          <ac:spMkLst>
-            <pc:docMk/>
-            <pc:sldMk cId="204929761" sldId="329"/>
-            <ac:spMk id="3" creationId="{E8EBFDBB-7724-40B1-9B49-4DD0323A3F1A}"/>
-          </ac:spMkLst>
-        </pc:spChg>
-        <pc:spChg chg="add mod">
-          <ac:chgData name="Matan Ben-Chorin" userId="78171e99-aa04-4d93-b476-e6a5ed1a9ed0" providerId="ADAL" clId="{DD5287A3-F799-4952-BDD3-843D6A174400}" dt="2022-03-14T21:25:36.742" v="271" actId="20577"/>
-          <ac:spMkLst>
-            <pc:docMk/>
-            <pc:sldMk cId="204929761" sldId="329"/>
-            <ac:spMk id="4" creationId="{C0ECC607-DD14-4B80-8AD6-94DA55DCB868}"/>
-          </ac:spMkLst>
-        </pc:spChg>
-        <pc:spChg chg="add del mod">
-          <ac:chgData name="Matan Ben-Chorin" userId="78171e99-aa04-4d93-b476-e6a5ed1a9ed0" providerId="ADAL" clId="{DD5287A3-F799-4952-BDD3-843D6A174400}" dt="2022-03-14T21:25:27.833" v="269" actId="478"/>
-          <ac:spMkLst>
-            <pc:docMk/>
-            <pc:sldMk cId="204929761" sldId="329"/>
-            <ac:spMk id="6" creationId="{3FC07648-E711-46B5-9361-4AB5D3EE8884}"/>
-          </ac:spMkLst>
-        </pc:spChg>
-      </pc:sldChg>
-      <pc:sldChg chg="modSp add mod">
-        <pc:chgData name="Matan Ben-Chorin" userId="78171e99-aa04-4d93-b476-e6a5ed1a9ed0" providerId="ADAL" clId="{DD5287A3-F799-4952-BDD3-843D6A174400}" dt="2022-03-14T21:24:33.602" v="250" actId="20577"/>
-        <pc:sldMkLst>
-          <pc:docMk/>
-          <pc:sldMk cId="2406974288" sldId="330"/>
-        </pc:sldMkLst>
-        <pc:spChg chg="mod">
-          <ac:chgData name="Matan Ben-Chorin" userId="78171e99-aa04-4d93-b476-e6a5ed1a9ed0" providerId="ADAL" clId="{DD5287A3-F799-4952-BDD3-843D6A174400}" dt="2022-03-14T21:24:28.106" v="248" actId="20577"/>
-          <ac:spMkLst>
-            <pc:docMk/>
-            <pc:sldMk cId="2406974288" sldId="330"/>
-            <ac:spMk id="2" creationId="{5D8EEE8B-A7A3-4F5D-8605-387D75C277A8}"/>
-          </ac:spMkLst>
-        </pc:spChg>
-        <pc:spChg chg="mod">
-          <ac:chgData name="Matan Ben-Chorin" userId="78171e99-aa04-4d93-b476-e6a5ed1a9ed0" providerId="ADAL" clId="{DD5287A3-F799-4952-BDD3-843D6A174400}" dt="2022-03-14T21:24:33.602" v="250" actId="20577"/>
-          <ac:spMkLst>
-            <pc:docMk/>
-            <pc:sldMk cId="2406974288" sldId="330"/>
-            <ac:spMk id="8" creationId="{380FCF01-2C6C-4785-8314-4C055AC12B77}"/>
-          </ac:spMkLst>
-        </pc:spChg>
-      </pc:sldChg>
-      <pc:sldChg chg="addSp delSp modSp add mod ord">
-        <pc:chgData name="Matan Ben-Chorin" userId="78171e99-aa04-4d93-b476-e6a5ed1a9ed0" providerId="ADAL" clId="{DD5287A3-F799-4952-BDD3-843D6A174400}" dt="2022-03-14T22:50:38.533" v="1344" actId="20577"/>
-        <pc:sldMkLst>
-          <pc:docMk/>
-          <pc:sldMk cId="2017518568" sldId="331"/>
-        </pc:sldMkLst>
-        <pc:spChg chg="del">
-          <ac:chgData name="Matan Ben-Chorin" userId="78171e99-aa04-4d93-b476-e6a5ed1a9ed0" providerId="ADAL" clId="{DD5287A3-F799-4952-BDD3-843D6A174400}" dt="2022-03-14T22:26:45.121" v="1071" actId="478"/>
-          <ac:spMkLst>
-            <pc:docMk/>
-            <pc:sldMk cId="2017518568" sldId="331"/>
-            <ac:spMk id="3" creationId="{E8EBFDBB-7724-40B1-9B49-4DD0323A3F1A}"/>
-          </ac:spMkLst>
-        </pc:spChg>
-        <pc:spChg chg="mod">
-          <ac:chgData name="Matan Ben-Chorin" userId="78171e99-aa04-4d93-b476-e6a5ed1a9ed0" providerId="ADAL" clId="{DD5287A3-F799-4952-BDD3-843D6A174400}" dt="2022-03-14T22:50:38.533" v="1344" actId="20577"/>
-          <ac:spMkLst>
-            <pc:docMk/>
-            <pc:sldMk cId="2017518568" sldId="331"/>
-            <ac:spMk id="4" creationId="{C0ECC607-DD14-4B80-8AD6-94DA55DCB868}"/>
-          </ac:spMkLst>
-        </pc:spChg>
-        <pc:spChg chg="add del mod">
-          <ac:chgData name="Matan Ben-Chorin" userId="78171e99-aa04-4d93-b476-e6a5ed1a9ed0" providerId="ADAL" clId="{DD5287A3-F799-4952-BDD3-843D6A174400}" dt="2022-03-14T22:26:47.141" v="1072" actId="478"/>
-          <ac:spMkLst>
-            <pc:docMk/>
-            <pc:sldMk cId="2017518568" sldId="331"/>
-            <ac:spMk id="6" creationId="{327FD2ED-104E-4159-879F-10AD748C63FD}"/>
-          </ac:spMkLst>
-        </pc:spChg>
-      </pc:sldChg>
-      <pc:sldChg chg="modSp add del mod ord">
-        <pc:chgData name="Matan Ben-Chorin" userId="78171e99-aa04-4d93-b476-e6a5ed1a9ed0" providerId="ADAL" clId="{DD5287A3-F799-4952-BDD3-843D6A174400}" dt="2022-03-14T22:25:57.784" v="1058" actId="2696"/>
-        <pc:sldMkLst>
-          <pc:docMk/>
-          <pc:sldMk cId="4044461498" sldId="331"/>
-        </pc:sldMkLst>
-        <pc:spChg chg="mod">
-          <ac:chgData name="Matan Ben-Chorin" userId="78171e99-aa04-4d93-b476-e6a5ed1a9ed0" providerId="ADAL" clId="{DD5287A3-F799-4952-BDD3-843D6A174400}" dt="2022-03-14T22:25:33.692" v="1053" actId="27636"/>
-          <ac:spMkLst>
-            <pc:docMk/>
-            <pc:sldMk cId="4044461498" sldId="331"/>
-            <ac:spMk id="2" creationId="{5AF65BF0-4731-48AD-991F-EF4576B0C65F}"/>
-          </ac:spMkLst>
-        </pc:spChg>
-        <pc:spChg chg="mod">
-          <ac:chgData name="Matan Ben-Chorin" userId="78171e99-aa04-4d93-b476-e6a5ed1a9ed0" providerId="ADAL" clId="{DD5287A3-F799-4952-BDD3-843D6A174400}" dt="2022-03-14T22:25:43.133" v="1054" actId="6549"/>
-          <ac:spMkLst>
-            <pc:docMk/>
-            <pc:sldMk cId="4044461498" sldId="331"/>
-            <ac:spMk id="3" creationId="{E8EBFDBB-7724-40B1-9B49-4DD0323A3F1A}"/>
-          </ac:spMkLst>
-        </pc:spChg>
-        <pc:spChg chg="mod">
-          <ac:chgData name="Matan Ben-Chorin" userId="78171e99-aa04-4d93-b476-e6a5ed1a9ed0" providerId="ADAL" clId="{DD5287A3-F799-4952-BDD3-843D6A174400}" dt="2022-03-14T22:25:44.469" v="1055" actId="6549"/>
-          <ac:spMkLst>
-            <pc:docMk/>
-            <pc:sldMk cId="4044461498" sldId="331"/>
-            <ac:spMk id="4" creationId="{C0ECC607-DD14-4B80-8AD6-94DA55DCB868}"/>
-          </ac:spMkLst>
-        </pc:spChg>
-      </pc:sldChg>
-      <pc:sldChg chg="addSp delSp modSp add mod">
-        <pc:chgData name="Matan Ben-Chorin" userId="78171e99-aa04-4d93-b476-e6a5ed1a9ed0" providerId="ADAL" clId="{DD5287A3-F799-4952-BDD3-843D6A174400}" dt="2022-03-14T22:23:06.526" v="1028" actId="5793"/>
-        <pc:sldMkLst>
-          <pc:docMk/>
-          <pc:sldMk cId="1808191184" sldId="332"/>
-        </pc:sldMkLst>
-        <pc:spChg chg="del">
-          <ac:chgData name="Matan Ben-Chorin" userId="78171e99-aa04-4d93-b476-e6a5ed1a9ed0" providerId="ADAL" clId="{DD5287A3-F799-4952-BDD3-843D6A174400}" dt="2022-03-14T21:32:55.427" v="399" actId="478"/>
-          <ac:spMkLst>
-            <pc:docMk/>
-            <pc:sldMk cId="1808191184" sldId="332"/>
-            <ac:spMk id="3" creationId="{E8EBFDBB-7724-40B1-9B49-4DD0323A3F1A}"/>
-          </ac:spMkLst>
-        </pc:spChg>
-        <pc:spChg chg="mod">
-          <ac:chgData name="Matan Ben-Chorin" userId="78171e99-aa04-4d93-b476-e6a5ed1a9ed0" providerId="ADAL" clId="{DD5287A3-F799-4952-BDD3-843D6A174400}" dt="2022-03-14T22:23:06.526" v="1028" actId="5793"/>
-          <ac:spMkLst>
-            <pc:docMk/>
-            <pc:sldMk cId="1808191184" sldId="332"/>
-            <ac:spMk id="4" creationId="{C0ECC607-DD14-4B80-8AD6-94DA55DCB868}"/>
-          </ac:spMkLst>
-        </pc:spChg>
-        <pc:spChg chg="add del mod">
-          <ac:chgData name="Matan Ben-Chorin" userId="78171e99-aa04-4d93-b476-e6a5ed1a9ed0" providerId="ADAL" clId="{DD5287A3-F799-4952-BDD3-843D6A174400}" dt="2022-03-14T21:32:58.113" v="400" actId="478"/>
-          <ac:spMkLst>
-            <pc:docMk/>
-            <pc:sldMk cId="1808191184" sldId="332"/>
-            <ac:spMk id="6" creationId="{07C20B1F-4366-49BF-A260-86516A700CB1}"/>
-          </ac:spMkLst>
-        </pc:spChg>
-      </pc:sldChg>
-      <pc:sldChg chg="add del">
-        <pc:chgData name="Matan Ben-Chorin" userId="78171e99-aa04-4d93-b476-e6a5ed1a9ed0" providerId="ADAL" clId="{DD5287A3-F799-4952-BDD3-843D6A174400}" dt="2022-03-14T21:31:39.310" v="368" actId="2890"/>
-        <pc:sldMkLst>
-          <pc:docMk/>
-          <pc:sldMk cId="2450909046" sldId="332"/>
-        </pc:sldMkLst>
-      </pc:sldChg>
-      <pc:sldChg chg="modSp add mod">
-        <pc:chgData name="Matan Ben-Chorin" userId="78171e99-aa04-4d93-b476-e6a5ed1a9ed0" providerId="ADAL" clId="{DD5287A3-F799-4952-BDD3-843D6A174400}" dt="2022-03-14T22:23:17.638" v="1032" actId="20577"/>
-        <pc:sldMkLst>
-          <pc:docMk/>
-          <pc:sldMk cId="4148277621" sldId="333"/>
-        </pc:sldMkLst>
-        <pc:spChg chg="mod">
-          <ac:chgData name="Matan Ben-Chorin" userId="78171e99-aa04-4d93-b476-e6a5ed1a9ed0" providerId="ADAL" clId="{DD5287A3-F799-4952-BDD3-843D6A174400}" dt="2022-03-14T22:23:17.638" v="1032" actId="20577"/>
-          <ac:spMkLst>
-            <pc:docMk/>
-            <pc:sldMk cId="4148277621" sldId="333"/>
-            <ac:spMk id="4" creationId="{C0ECC607-DD14-4B80-8AD6-94DA55DCB868}"/>
-          </ac:spMkLst>
-        </pc:spChg>
-      </pc:sldChg>
-      <pc:sldChg chg="addSp delSp modSp add mod">
-        <pc:chgData name="Matan Ben-Chorin" userId="78171e99-aa04-4d93-b476-e6a5ed1a9ed0" providerId="ADAL" clId="{DD5287A3-F799-4952-BDD3-843D6A174400}" dt="2022-03-14T22:23:46.054" v="1040" actId="5793"/>
-        <pc:sldMkLst>
-          <pc:docMk/>
-          <pc:sldMk cId="1085546348" sldId="334"/>
-        </pc:sldMkLst>
-        <pc:spChg chg="mod">
-          <ac:chgData name="Matan Ben-Chorin" userId="78171e99-aa04-4d93-b476-e6a5ed1a9ed0" providerId="ADAL" clId="{DD5287A3-F799-4952-BDD3-843D6A174400}" dt="2022-03-14T22:23:46.054" v="1040" actId="5793"/>
-          <ac:spMkLst>
-            <pc:docMk/>
-            <pc:sldMk cId="1085546348" sldId="334"/>
-            <ac:spMk id="4" creationId="{C0ECC607-DD14-4B80-8AD6-94DA55DCB868}"/>
-          </ac:spMkLst>
-        </pc:spChg>
-        <pc:picChg chg="add mod modCrop">
-          <ac:chgData name="Matan Ben-Chorin" userId="78171e99-aa04-4d93-b476-e6a5ed1a9ed0" providerId="ADAL" clId="{DD5287A3-F799-4952-BDD3-843D6A174400}" dt="2022-03-14T21:54:41.465" v="635" actId="1076"/>
-          <ac:picMkLst>
-            <pc:docMk/>
-            <pc:sldMk cId="1085546348" sldId="334"/>
-            <ac:picMk id="5" creationId="{8F823C03-3983-4F89-AFB8-649032314A61}"/>
-          </ac:picMkLst>
-        </pc:picChg>
-        <pc:picChg chg="add del mod modCrop">
-          <ac:chgData name="Matan Ben-Chorin" userId="78171e99-aa04-4d93-b476-e6a5ed1a9ed0" providerId="ADAL" clId="{DD5287A3-F799-4952-BDD3-843D6A174400}" dt="2022-03-14T21:55:11.454" v="644" actId="478"/>
-          <ac:picMkLst>
-            <pc:docMk/>
-            <pc:sldMk cId="1085546348" sldId="334"/>
-            <ac:picMk id="7" creationId="{8A94F3C5-3926-49DB-BBD9-B49CC608D557}"/>
-          </ac:picMkLst>
-        </pc:picChg>
-        <pc:picChg chg="add mod">
-          <ac:chgData name="Matan Ben-Chorin" userId="78171e99-aa04-4d93-b476-e6a5ed1a9ed0" providerId="ADAL" clId="{DD5287A3-F799-4952-BDD3-843D6A174400}" dt="2022-03-14T21:55:56.967" v="652" actId="1440"/>
-          <ac:picMkLst>
-            <pc:docMk/>
-            <pc:sldMk cId="1085546348" sldId="334"/>
-            <ac:picMk id="9" creationId="{499BF83F-F7DA-48FD-88C0-399764784A01}"/>
-          </ac:picMkLst>
-        </pc:picChg>
-      </pc:sldChg>
-      <pc:sldChg chg="addSp delSp modSp add mod">
-        <pc:chgData name="Matan Ben-Chorin" userId="78171e99-aa04-4d93-b476-e6a5ed1a9ed0" providerId="ADAL" clId="{DD5287A3-F799-4952-BDD3-843D6A174400}" dt="2022-03-14T22:23:43.479" v="1039" actId="5793"/>
-        <pc:sldMkLst>
-          <pc:docMk/>
-          <pc:sldMk cId="3010324051" sldId="335"/>
-        </pc:sldMkLst>
-        <pc:spChg chg="mod">
-          <ac:chgData name="Matan Ben-Chorin" userId="78171e99-aa04-4d93-b476-e6a5ed1a9ed0" providerId="ADAL" clId="{DD5287A3-F799-4952-BDD3-843D6A174400}" dt="2022-03-14T22:23:43.479" v="1039" actId="5793"/>
-          <ac:spMkLst>
-            <pc:docMk/>
-            <pc:sldMk cId="3010324051" sldId="335"/>
-            <ac:spMk id="4" creationId="{C0ECC607-DD14-4B80-8AD6-94DA55DCB868}"/>
-          </ac:spMkLst>
-        </pc:spChg>
-        <pc:spChg chg="add mod">
-          <ac:chgData name="Matan Ben-Chorin" userId="78171e99-aa04-4d93-b476-e6a5ed1a9ed0" providerId="ADAL" clId="{DD5287A3-F799-4952-BDD3-843D6A174400}" dt="2022-03-14T22:02:31.956" v="700" actId="208"/>
-          <ac:spMkLst>
-            <pc:docMk/>
-            <pc:sldMk cId="3010324051" sldId="335"/>
-            <ac:spMk id="7" creationId="{249978B1-9EF2-4410-9B18-FF13B3229C30}"/>
-          </ac:spMkLst>
-        </pc:spChg>
-        <pc:spChg chg="add mod">
-          <ac:chgData name="Matan Ben-Chorin" userId="78171e99-aa04-4d93-b476-e6a5ed1a9ed0" providerId="ADAL" clId="{DD5287A3-F799-4952-BDD3-843D6A174400}" dt="2022-03-14T22:02:23.894" v="697" actId="208"/>
-          <ac:spMkLst>
-            <pc:docMk/>
-            <pc:sldMk cId="3010324051" sldId="335"/>
-            <ac:spMk id="10" creationId="{92BCD9A8-EFAA-4F50-BBCE-75114B4A864B}"/>
-          </ac:spMkLst>
-        </pc:spChg>
-        <pc:spChg chg="add mod">
-          <ac:chgData name="Matan Ben-Chorin" userId="78171e99-aa04-4d93-b476-e6a5ed1a9ed0" providerId="ADAL" clId="{DD5287A3-F799-4952-BDD3-843D6A174400}" dt="2022-03-14T22:02:18.401" v="696" actId="208"/>
-          <ac:spMkLst>
-            <pc:docMk/>
-            <pc:sldMk cId="3010324051" sldId="335"/>
-            <ac:spMk id="11" creationId="{C122B03D-D3AB-4987-8ECE-7DB1B68651EC}"/>
-          </ac:spMkLst>
-        </pc:spChg>
-        <pc:spChg chg="add mod">
-          <ac:chgData name="Matan Ben-Chorin" userId="78171e99-aa04-4d93-b476-e6a5ed1a9ed0" providerId="ADAL" clId="{DD5287A3-F799-4952-BDD3-843D6A174400}" dt="2022-03-14T22:02:04.530" v="693" actId="1076"/>
-          <ac:spMkLst>
-            <pc:docMk/>
-            <pc:sldMk cId="3010324051" sldId="335"/>
-            <ac:spMk id="12" creationId="{78FAC1D8-ECAC-43E9-B375-AF337C0E8A99}"/>
-          </ac:spMkLst>
-        </pc:spChg>
-        <pc:spChg chg="add mod">
-          <ac:chgData name="Matan Ben-Chorin" userId="78171e99-aa04-4d93-b476-e6a5ed1a9ed0" providerId="ADAL" clId="{DD5287A3-F799-4952-BDD3-843D6A174400}" dt="2022-03-14T22:01:57.489" v="691" actId="571"/>
-          <ac:spMkLst>
-            <pc:docMk/>
-            <pc:sldMk cId="3010324051" sldId="335"/>
-            <ac:spMk id="13" creationId="{223AAADB-0DEA-4E84-B376-E4AE8EDD8523}"/>
-          </ac:spMkLst>
-        </pc:spChg>
-        <pc:spChg chg="add mod">
-          <ac:chgData name="Matan Ben-Chorin" userId="78171e99-aa04-4d93-b476-e6a5ed1a9ed0" providerId="ADAL" clId="{DD5287A3-F799-4952-BDD3-843D6A174400}" dt="2022-03-14T22:01:59.255" v="692" actId="571"/>
-          <ac:spMkLst>
-            <pc:docMk/>
-            <pc:sldMk cId="3010324051" sldId="335"/>
-            <ac:spMk id="14" creationId="{E0A92724-BEDC-4864-9225-6B5CA57AE13B}"/>
-          </ac:spMkLst>
-        </pc:spChg>
-        <pc:spChg chg="add mod">
-          <ac:chgData name="Matan Ben-Chorin" userId="78171e99-aa04-4d93-b476-e6a5ed1a9ed0" providerId="ADAL" clId="{DD5287A3-F799-4952-BDD3-843D6A174400}" dt="2022-03-14T22:02:42.499" v="702" actId="14100"/>
-          <ac:spMkLst>
-            <pc:docMk/>
-            <pc:sldMk cId="3010324051" sldId="335"/>
-            <ac:spMk id="15" creationId="{C4C93205-3A40-4FD6-BE56-829B7BBD95E8}"/>
-          </ac:spMkLst>
-        </pc:spChg>
-        <pc:spChg chg="add mod">
-          <ac:chgData name="Matan Ben-Chorin" userId="78171e99-aa04-4d93-b476-e6a5ed1a9ed0" providerId="ADAL" clId="{DD5287A3-F799-4952-BDD3-843D6A174400}" dt="2022-03-14T22:03:41.362" v="715" actId="368"/>
-          <ac:spMkLst>
-            <pc:docMk/>
-            <pc:sldMk cId="3010324051" sldId="335"/>
-            <ac:spMk id="16" creationId="{FD555DA4-409B-4F1E-9C58-B9D49094362E}"/>
-          </ac:spMkLst>
-        </pc:spChg>
-        <pc:picChg chg="del">
-          <ac:chgData name="Matan Ben-Chorin" userId="78171e99-aa04-4d93-b476-e6a5ed1a9ed0" providerId="ADAL" clId="{DD5287A3-F799-4952-BDD3-843D6A174400}" dt="2022-03-14T21:56:13.390" v="654" actId="478"/>
-          <ac:picMkLst>
-            <pc:docMk/>
-            <pc:sldMk cId="3010324051" sldId="335"/>
-            <ac:picMk id="5" creationId="{8F823C03-3983-4F89-AFB8-649032314A61}"/>
-          </ac:picMkLst>
-        </pc:picChg>
-        <pc:picChg chg="add mod">
-          <ac:chgData name="Matan Ben-Chorin" userId="78171e99-aa04-4d93-b476-e6a5ed1a9ed0" providerId="ADAL" clId="{DD5287A3-F799-4952-BDD3-843D6A174400}" dt="2022-03-14T22:02:27.777" v="699" actId="1076"/>
-          <ac:picMkLst>
-            <pc:docMk/>
-            <pc:sldMk cId="3010324051" sldId="335"/>
-            <ac:picMk id="6" creationId="{7946D01B-5C1D-4D24-936E-FFF048FC426C}"/>
-          </ac:picMkLst>
-        </pc:picChg>
-        <pc:picChg chg="mod">
-          <ac:chgData name="Matan Ben-Chorin" userId="78171e99-aa04-4d93-b476-e6a5ed1a9ed0" providerId="ADAL" clId="{DD5287A3-F799-4952-BDD3-843D6A174400}" dt="2022-03-14T21:56:16.463" v="656" actId="1076"/>
-          <ac:picMkLst>
-            <pc:docMk/>
-            <pc:sldMk cId="3010324051" sldId="335"/>
-            <ac:picMk id="9" creationId="{499BF83F-F7DA-48FD-88C0-399764784A01}"/>
-          </ac:picMkLst>
-        </pc:picChg>
-      </pc:sldChg>
-      <pc:sldChg chg="addSp delSp modSp add mod">
-        <pc:chgData name="Matan Ben-Chorin" userId="78171e99-aa04-4d93-b476-e6a5ed1a9ed0" providerId="ADAL" clId="{DD5287A3-F799-4952-BDD3-843D6A174400}" dt="2022-03-14T22:23:51.119" v="1044" actId="20577"/>
-        <pc:sldMkLst>
-          <pc:docMk/>
-          <pc:sldMk cId="3665471513" sldId="336"/>
-        </pc:sldMkLst>
-        <pc:spChg chg="mod">
-          <ac:chgData name="Matan Ben-Chorin" userId="78171e99-aa04-4d93-b476-e6a5ed1a9ed0" providerId="ADAL" clId="{DD5287A3-F799-4952-BDD3-843D6A174400}" dt="2022-03-14T22:23:51.119" v="1044" actId="20577"/>
-          <ac:spMkLst>
-            <pc:docMk/>
-            <pc:sldMk cId="3665471513" sldId="336"/>
-            <ac:spMk id="4" creationId="{C0ECC607-DD14-4B80-8AD6-94DA55DCB868}"/>
-          </ac:spMkLst>
-        </pc:spChg>
-        <pc:spChg chg="add mod">
-          <ac:chgData name="Matan Ben-Chorin" userId="78171e99-aa04-4d93-b476-e6a5ed1a9ed0" providerId="ADAL" clId="{DD5287A3-F799-4952-BDD3-843D6A174400}" dt="2022-03-14T22:05:22.372" v="754" actId="1076"/>
-          <ac:spMkLst>
-            <pc:docMk/>
-            <pc:sldMk cId="3665471513" sldId="336"/>
-            <ac:spMk id="10" creationId="{E42B4714-1690-4CB2-9E63-C5706C20F01C}"/>
-          </ac:spMkLst>
-        </pc:spChg>
-        <pc:picChg chg="add mod">
-          <ac:chgData name="Matan Ben-Chorin" userId="78171e99-aa04-4d93-b476-e6a5ed1a9ed0" providerId="ADAL" clId="{DD5287A3-F799-4952-BDD3-843D6A174400}" dt="2022-03-14T22:05:00.081" v="750" actId="1440"/>
-          <ac:picMkLst>
-            <pc:docMk/>
-            <pc:sldMk cId="3665471513" sldId="336"/>
-            <ac:picMk id="5" creationId="{0106DD6D-1DCA-4E6C-97DC-5ADE1FDA8717}"/>
-          </ac:picMkLst>
-        </pc:picChg>
-        <pc:picChg chg="mod">
-          <ac:chgData name="Matan Ben-Chorin" userId="78171e99-aa04-4d93-b476-e6a5ed1a9ed0" providerId="ADAL" clId="{DD5287A3-F799-4952-BDD3-843D6A174400}" dt="2022-03-14T22:03:56.227" v="717" actId="1076"/>
-          <ac:picMkLst>
-            <pc:docMk/>
-            <pc:sldMk cId="3665471513" sldId="336"/>
-            <ac:picMk id="6" creationId="{7946D01B-5C1D-4D24-936E-FFF048FC426C}"/>
-          </ac:picMkLst>
-        </pc:picChg>
-        <pc:picChg chg="add del">
-          <ac:chgData name="Matan Ben-Chorin" userId="78171e99-aa04-4d93-b476-e6a5ed1a9ed0" providerId="ADAL" clId="{DD5287A3-F799-4952-BDD3-843D6A174400}" dt="2022-03-14T22:05:14.951" v="752" actId="22"/>
-          <ac:picMkLst>
-            <pc:docMk/>
-            <pc:sldMk cId="3665471513" sldId="336"/>
-            <ac:picMk id="8" creationId="{6D0FC15F-BD0B-4BEB-88E0-3C9FCC288A61}"/>
-          </ac:picMkLst>
-        </pc:picChg>
-        <pc:picChg chg="del">
-          <ac:chgData name="Matan Ben-Chorin" userId="78171e99-aa04-4d93-b476-e6a5ed1a9ed0" providerId="ADAL" clId="{DD5287A3-F799-4952-BDD3-843D6A174400}" dt="2022-03-14T22:03:53.591" v="716" actId="478"/>
-          <ac:picMkLst>
-            <pc:docMk/>
-            <pc:sldMk cId="3665471513" sldId="336"/>
-            <ac:picMk id="9" creationId="{499BF83F-F7DA-48FD-88C0-399764784A01}"/>
-          </ac:picMkLst>
-        </pc:picChg>
-      </pc:sldChg>
-      <pc:sldChg chg="addSp delSp modSp add mod">
-        <pc:chgData name="Matan Ben-Chorin" userId="78171e99-aa04-4d93-b476-e6a5ed1a9ed0" providerId="ADAL" clId="{DD5287A3-F799-4952-BDD3-843D6A174400}" dt="2022-03-14T22:23:54.798" v="1048" actId="20577"/>
-        <pc:sldMkLst>
-          <pc:docMk/>
-          <pc:sldMk cId="1314939523" sldId="337"/>
-        </pc:sldMkLst>
-        <pc:spChg chg="mod">
-          <ac:chgData name="Matan Ben-Chorin" userId="78171e99-aa04-4d93-b476-e6a5ed1a9ed0" providerId="ADAL" clId="{DD5287A3-F799-4952-BDD3-843D6A174400}" dt="2022-03-14T22:10:41.682" v="784" actId="21"/>
-          <ac:spMkLst>
-            <pc:docMk/>
-            <pc:sldMk cId="1314939523" sldId="337"/>
-            <ac:spMk id="2" creationId="{5AF65BF0-4731-48AD-991F-EF4576B0C65F}"/>
-          </ac:spMkLst>
-        </pc:spChg>
-        <pc:spChg chg="mod">
-          <ac:chgData name="Matan Ben-Chorin" userId="78171e99-aa04-4d93-b476-e6a5ed1a9ed0" providerId="ADAL" clId="{DD5287A3-F799-4952-BDD3-843D6A174400}" dt="2022-03-14T22:23:54.798" v="1048" actId="20577"/>
-          <ac:spMkLst>
-            <pc:docMk/>
-            <pc:sldMk cId="1314939523" sldId="337"/>
-            <ac:spMk id="4" creationId="{C0ECC607-DD14-4B80-8AD6-94DA55DCB868}"/>
-          </ac:spMkLst>
-        </pc:spChg>
-        <pc:spChg chg="del">
-          <ac:chgData name="Matan Ben-Chorin" userId="78171e99-aa04-4d93-b476-e6a5ed1a9ed0" providerId="ADAL" clId="{DD5287A3-F799-4952-BDD3-843D6A174400}" dt="2022-03-14T22:06:49.262" v="759" actId="478"/>
-          <ac:spMkLst>
-            <pc:docMk/>
-            <pc:sldMk cId="1314939523" sldId="337"/>
-            <ac:spMk id="10" creationId="{E42B4714-1690-4CB2-9E63-C5706C20F01C}"/>
-          </ac:spMkLst>
-        </pc:spChg>
-        <pc:picChg chg="del mod">
-          <ac:chgData name="Matan Ben-Chorin" userId="78171e99-aa04-4d93-b476-e6a5ed1a9ed0" providerId="ADAL" clId="{DD5287A3-F799-4952-BDD3-843D6A174400}" dt="2022-03-14T22:09:39.071" v="773" actId="478"/>
-          <ac:picMkLst>
-            <pc:docMk/>
-            <pc:sldMk cId="1314939523" sldId="337"/>
-            <ac:picMk id="5" creationId="{0106DD6D-1DCA-4E6C-97DC-5ADE1FDA8717}"/>
-          </ac:picMkLst>
-        </pc:picChg>
-        <pc:picChg chg="del">
-          <ac:chgData name="Matan Ben-Chorin" userId="78171e99-aa04-4d93-b476-e6a5ed1a9ed0" providerId="ADAL" clId="{DD5287A3-F799-4952-BDD3-843D6A174400}" dt="2022-03-14T22:06:46.110" v="757" actId="478"/>
-          <ac:picMkLst>
-            <pc:docMk/>
-            <pc:sldMk cId="1314939523" sldId="337"/>
-            <ac:picMk id="6" creationId="{7946D01B-5C1D-4D24-936E-FFF048FC426C}"/>
-          </ac:picMkLst>
-        </pc:picChg>
-        <pc:picChg chg="add del mod">
-          <ac:chgData name="Matan Ben-Chorin" userId="78171e99-aa04-4d93-b476-e6a5ed1a9ed0" providerId="ADAL" clId="{DD5287A3-F799-4952-BDD3-843D6A174400}" dt="2022-03-14T22:09:02.413" v="768" actId="478"/>
-          <ac:picMkLst>
-            <pc:docMk/>
-            <pc:sldMk cId="1314939523" sldId="337"/>
-            <ac:picMk id="7" creationId="{59ADF591-8B25-41CE-9A53-1B6427B32291}"/>
-          </ac:picMkLst>
-        </pc:picChg>
-        <pc:picChg chg="add mod">
-          <ac:chgData name="Matan Ben-Chorin" userId="78171e99-aa04-4d93-b476-e6a5ed1a9ed0" providerId="ADAL" clId="{DD5287A3-F799-4952-BDD3-843D6A174400}" dt="2022-03-14T22:09:44.601" v="775" actId="1076"/>
-          <ac:picMkLst>
-            <pc:docMk/>
-            <pc:sldMk cId="1314939523" sldId="337"/>
-            <ac:picMk id="9" creationId="{F14DE895-CFB8-4109-A6FB-EC9116D383A3}"/>
-          </ac:picMkLst>
-        </pc:picChg>
-        <pc:picChg chg="add mod">
-          <ac:chgData name="Matan Ben-Chorin" userId="78171e99-aa04-4d93-b476-e6a5ed1a9ed0" providerId="ADAL" clId="{DD5287A3-F799-4952-BDD3-843D6A174400}" dt="2022-03-14T22:10:05.380" v="781" actId="1440"/>
-          <ac:picMkLst>
-            <pc:docMk/>
-            <pc:sldMk cId="1314939523" sldId="337"/>
-            <ac:picMk id="12" creationId="{942FA563-1965-46B1-848F-E6E606693E05}"/>
-          </ac:picMkLst>
-        </pc:picChg>
-      </pc:sldChg>
-      <pc:sldChg chg="add">
-        <pc:chgData name="Matan Ben-Chorin" userId="78171e99-aa04-4d93-b476-e6a5ed1a9ed0" providerId="ADAL" clId="{DD5287A3-F799-4952-BDD3-843D6A174400}" dt="2022-03-14T22:25:22.007" v="1049"/>
-        <pc:sldMkLst>
-          <pc:docMk/>
-          <pc:sldMk cId="1398813457" sldId="338"/>
-        </pc:sldMkLst>
-      </pc:sldChg>
-      <pc:sldChg chg="new del">
-        <pc:chgData name="Matan Ben-Chorin" userId="78171e99-aa04-4d93-b476-e6a5ed1a9ed0" providerId="ADAL" clId="{DD5287A3-F799-4952-BDD3-843D6A174400}" dt="2022-03-14T22:28:50.807" v="1100" actId="47"/>
-        <pc:sldMkLst>
-          <pc:docMk/>
-          <pc:sldMk cId="29254122" sldId="339"/>
-        </pc:sldMkLst>
-      </pc:sldChg>
-      <pc:sldChg chg="addSp delSp modSp add mod">
-        <pc:chgData name="Matan Ben-Chorin" userId="78171e99-aa04-4d93-b476-e6a5ed1a9ed0" providerId="ADAL" clId="{DD5287A3-F799-4952-BDD3-843D6A174400}" dt="2022-03-14T22:34:44.437" v="1225" actId="948"/>
-        <pc:sldMkLst>
-          <pc:docMk/>
-          <pc:sldMk cId="2539565044" sldId="340"/>
-        </pc:sldMkLst>
-        <pc:spChg chg="mod">
-          <ac:chgData name="Matan Ben-Chorin" userId="78171e99-aa04-4d93-b476-e6a5ed1a9ed0" providerId="ADAL" clId="{DD5287A3-F799-4952-BDD3-843D6A174400}" dt="2022-03-14T22:34:25.100" v="1224" actId="27636"/>
-          <ac:spMkLst>
-            <pc:docMk/>
-            <pc:sldMk cId="2539565044" sldId="340"/>
-            <ac:spMk id="2" creationId="{5AF65BF0-4731-48AD-991F-EF4576B0C65F}"/>
-          </ac:spMkLst>
-        </pc:spChg>
-        <pc:spChg chg="mod">
-          <ac:chgData name="Matan Ben-Chorin" userId="78171e99-aa04-4d93-b476-e6a5ed1a9ed0" providerId="ADAL" clId="{DD5287A3-F799-4952-BDD3-843D6A174400}" dt="2022-03-14T22:34:44.437" v="1225" actId="948"/>
-          <ac:spMkLst>
-            <pc:docMk/>
-            <pc:sldMk cId="2539565044" sldId="340"/>
-            <ac:spMk id="4" creationId="{C0ECC607-DD14-4B80-8AD6-94DA55DCB868}"/>
-          </ac:spMkLst>
-        </pc:spChg>
-        <pc:spChg chg="add del">
-          <ac:chgData name="Matan Ben-Chorin" userId="78171e99-aa04-4d93-b476-e6a5ed1a9ed0" providerId="ADAL" clId="{DD5287A3-F799-4952-BDD3-843D6A174400}" dt="2022-03-14T22:29:39.080" v="1161" actId="22"/>
-          <ac:spMkLst>
-            <pc:docMk/>
-            <pc:sldMk cId="2539565044" sldId="340"/>
-            <ac:spMk id="5" creationId="{3E1C099E-77AA-4AFE-95DD-9FE0F413EA2E}"/>
-          </ac:spMkLst>
-        </pc:spChg>
-      </pc:sldChg>
-      <pc:sldChg chg="new del">
-        <pc:chgData name="Matan Ben-Chorin" userId="78171e99-aa04-4d93-b476-e6a5ed1a9ed0" providerId="ADAL" clId="{DD5287A3-F799-4952-BDD3-843D6A174400}" dt="2022-03-14T22:53:23.739" v="1361" actId="47"/>
-        <pc:sldMkLst>
-          <pc:docMk/>
-          <pc:sldMk cId="1796750709" sldId="341"/>
-        </pc:sldMkLst>
-      </pc:sldChg>
-      <pc:sldChg chg="modSp add del mod ord">
-        <pc:chgData name="Matan Ben-Chorin" userId="78171e99-aa04-4d93-b476-e6a5ed1a9ed0" providerId="ADAL" clId="{DD5287A3-F799-4952-BDD3-843D6A174400}" dt="2022-03-14T23:14:19.143" v="1632" actId="47"/>
-        <pc:sldMkLst>
-          <pc:docMk/>
-          <pc:sldMk cId="466384523" sldId="342"/>
-        </pc:sldMkLst>
-        <pc:spChg chg="mod">
-          <ac:chgData name="Matan Ben-Chorin" userId="78171e99-aa04-4d93-b476-e6a5ed1a9ed0" providerId="ADAL" clId="{DD5287A3-F799-4952-BDD3-843D6A174400}" dt="2022-03-14T23:14:08.608" v="1629"/>
-          <ac:spMkLst>
-            <pc:docMk/>
-            <pc:sldMk cId="466384523" sldId="342"/>
-            <ac:spMk id="2" creationId="{5AF65BF0-4731-48AD-991F-EF4576B0C65F}"/>
-          </ac:spMkLst>
-        </pc:spChg>
-        <pc:spChg chg="mod">
-          <ac:chgData name="Matan Ben-Chorin" userId="78171e99-aa04-4d93-b476-e6a5ed1a9ed0" providerId="ADAL" clId="{DD5287A3-F799-4952-BDD3-843D6A174400}" dt="2022-03-14T22:31:29.131" v="1177" actId="21"/>
-          <ac:spMkLst>
-            <pc:docMk/>
-            <pc:sldMk cId="466384523" sldId="342"/>
-            <ac:spMk id="4" creationId="{C0ECC607-DD14-4B80-8AD6-94DA55DCB868}"/>
-          </ac:spMkLst>
-        </pc:spChg>
-      </pc:sldChg>
-      <pc:sldChg chg="addSp delSp modSp add mod">
-        <pc:chgData name="Matan Ben-Chorin" userId="78171e99-aa04-4d93-b476-e6a5ed1a9ed0" providerId="ADAL" clId="{DD5287A3-F799-4952-BDD3-843D6A174400}" dt="2022-03-14T22:50:27.246" v="1341" actId="1076"/>
-        <pc:sldMkLst>
-          <pc:docMk/>
-          <pc:sldMk cId="3772305355" sldId="343"/>
-        </pc:sldMkLst>
-        <pc:spChg chg="add del">
-          <ac:chgData name="Matan Ben-Chorin" userId="78171e99-aa04-4d93-b476-e6a5ed1a9ed0" providerId="ADAL" clId="{DD5287A3-F799-4952-BDD3-843D6A174400}" dt="2022-03-14T22:42:27.561" v="1237"/>
-          <ac:spMkLst>
-            <pc:docMk/>
-            <pc:sldMk cId="3772305355" sldId="343"/>
-            <ac:spMk id="3" creationId="{B90D55B9-C2AD-46D5-B6D4-B0E42CFAA425}"/>
-          </ac:spMkLst>
-        </pc:spChg>
-        <pc:spChg chg="mod">
-          <ac:chgData name="Matan Ben-Chorin" userId="78171e99-aa04-4d93-b476-e6a5ed1a9ed0" providerId="ADAL" clId="{DD5287A3-F799-4952-BDD3-843D6A174400}" dt="2022-03-14T22:50:18.932" v="1339" actId="1076"/>
-          <ac:spMkLst>
-            <pc:docMk/>
-            <pc:sldMk cId="3772305355" sldId="343"/>
-            <ac:spMk id="4" creationId="{C0ECC607-DD14-4B80-8AD6-94DA55DCB868}"/>
-          </ac:spMkLst>
-        </pc:spChg>
-        <pc:spChg chg="add del">
-          <ac:chgData name="Matan Ben-Chorin" userId="78171e99-aa04-4d93-b476-e6a5ed1a9ed0" providerId="ADAL" clId="{DD5287A3-F799-4952-BDD3-843D6A174400}" dt="2022-03-14T22:42:50.567" v="1245"/>
-          <ac:spMkLst>
-            <pc:docMk/>
-            <pc:sldMk cId="3772305355" sldId="343"/>
-            <ac:spMk id="5" creationId="{CA58BEC3-25A3-47B4-9700-6229DE502F71}"/>
-          </ac:spMkLst>
-        </pc:spChg>
-        <pc:spChg chg="add del mod">
-          <ac:chgData name="Matan Ben-Chorin" userId="78171e99-aa04-4d93-b476-e6a5ed1a9ed0" providerId="ADAL" clId="{DD5287A3-F799-4952-BDD3-843D6A174400}" dt="2022-03-14T22:42:59.198" v="1251"/>
-          <ac:spMkLst>
-            <pc:docMk/>
-            <pc:sldMk cId="3772305355" sldId="343"/>
-            <ac:spMk id="6" creationId="{83DC5386-2305-4076-B52C-E2AA1B55164F}"/>
-          </ac:spMkLst>
-        </pc:spChg>
-        <pc:spChg chg="add del">
-          <ac:chgData name="Matan Ben-Chorin" userId="78171e99-aa04-4d93-b476-e6a5ed1a9ed0" providerId="ADAL" clId="{DD5287A3-F799-4952-BDD3-843D6A174400}" dt="2022-03-14T22:43:07.375" v="1254"/>
-          <ac:spMkLst>
-            <pc:docMk/>
-            <pc:sldMk cId="3772305355" sldId="343"/>
-            <ac:spMk id="7" creationId="{EDD584BF-7671-4C3D-BB71-4BE5F9C07DF5}"/>
-          </ac:spMkLst>
-        </pc:spChg>
-        <pc:spChg chg="add del">
-          <ac:chgData name="Matan Ben-Chorin" userId="78171e99-aa04-4d93-b476-e6a5ed1a9ed0" providerId="ADAL" clId="{DD5287A3-F799-4952-BDD3-843D6A174400}" dt="2022-03-14T22:45:18.974" v="1285"/>
-          <ac:spMkLst>
-            <pc:docMk/>
-            <pc:sldMk cId="3772305355" sldId="343"/>
-            <ac:spMk id="8" creationId="{1ADE77C9-587B-41AD-BA68-71C0496AA7B0}"/>
-          </ac:spMkLst>
-        </pc:spChg>
-        <pc:spChg chg="add mod">
-          <ac:chgData name="Matan Ben-Chorin" userId="78171e99-aa04-4d93-b476-e6a5ed1a9ed0" providerId="ADAL" clId="{DD5287A3-F799-4952-BDD3-843D6A174400}" dt="2022-03-14T22:50:27.246" v="1341" actId="1076"/>
-          <ac:spMkLst>
-            <pc:docMk/>
-            <pc:sldMk cId="3772305355" sldId="343"/>
-            <ac:spMk id="11" creationId="{A1C43528-0B18-4650-A63F-9660F5D2D99E}"/>
-          </ac:spMkLst>
-        </pc:spChg>
-        <pc:picChg chg="add mod modCrop">
-          <ac:chgData name="Matan Ben-Chorin" userId="78171e99-aa04-4d93-b476-e6a5ed1a9ed0" providerId="ADAL" clId="{DD5287A3-F799-4952-BDD3-843D6A174400}" dt="2022-03-14T22:50:21.130" v="1340" actId="1076"/>
-          <ac:picMkLst>
-            <pc:docMk/>
-            <pc:sldMk cId="3772305355" sldId="343"/>
-            <ac:picMk id="10" creationId="{8A18614A-C136-4412-872D-92E1F669DB5B}"/>
-          </ac:picMkLst>
-        </pc:picChg>
-      </pc:sldChg>
-      <pc:sldChg chg="addSp delSp modSp add mod ord">
-        <pc:chgData name="Matan Ben-Chorin" userId="78171e99-aa04-4d93-b476-e6a5ed1a9ed0" providerId="ADAL" clId="{DD5287A3-F799-4952-BDD3-843D6A174400}" dt="2022-03-15T08:09:25.218" v="2100"/>
-        <pc:sldMkLst>
-          <pc:docMk/>
-          <pc:sldMk cId="3526531708" sldId="344"/>
-        </pc:sldMkLst>
-        <pc:spChg chg="del mod">
-          <ac:chgData name="Matan Ben-Chorin" userId="78171e99-aa04-4d93-b476-e6a5ed1a9ed0" providerId="ADAL" clId="{DD5287A3-F799-4952-BDD3-843D6A174400}" dt="2022-03-14T23:30:43.112" v="2015" actId="478"/>
-          <ac:spMkLst>
-            <pc:docMk/>
-            <pc:sldMk cId="3526531708" sldId="344"/>
-            <ac:spMk id="2" creationId="{5AF65BF0-4731-48AD-991F-EF4576B0C65F}"/>
-          </ac:spMkLst>
-        </pc:spChg>
-        <pc:spChg chg="del mod">
-          <ac:chgData name="Matan Ben-Chorin" userId="78171e99-aa04-4d93-b476-e6a5ed1a9ed0" providerId="ADAL" clId="{DD5287A3-F799-4952-BDD3-843D6A174400}" dt="2022-03-14T22:48:44.080" v="1314" actId="21"/>
-          <ac:spMkLst>
-            <pc:docMk/>
-            <pc:sldMk cId="3526531708" sldId="344"/>
-            <ac:spMk id="4" creationId="{C0ECC607-DD14-4B80-8AD6-94DA55DCB868}"/>
-          </ac:spMkLst>
-        </pc:spChg>
-        <pc:spChg chg="add del mod">
-          <ac:chgData name="Matan Ben-Chorin" userId="78171e99-aa04-4d93-b476-e6a5ed1a9ed0" providerId="ADAL" clId="{DD5287A3-F799-4952-BDD3-843D6A174400}" dt="2022-03-14T23:24:29.556" v="1892" actId="478"/>
-          <ac:spMkLst>
-            <pc:docMk/>
-            <pc:sldMk cId="3526531708" sldId="344"/>
-            <ac:spMk id="5" creationId="{F8AA7FB8-77C8-417F-B098-7B2797860280}"/>
-          </ac:spMkLst>
-        </pc:spChg>
-        <pc:spChg chg="add del mod">
-          <ac:chgData name="Matan Ben-Chorin" userId="78171e99-aa04-4d93-b476-e6a5ed1a9ed0" providerId="ADAL" clId="{DD5287A3-F799-4952-BDD3-843D6A174400}" dt="2022-03-14T23:21:37.397" v="1752"/>
-          <ac:spMkLst>
-            <pc:docMk/>
-            <pc:sldMk cId="3526531708" sldId="344"/>
-            <ac:spMk id="6" creationId="{CE5FC4DA-2A74-4D38-8AA4-26227759A7AA}"/>
-          </ac:spMkLst>
-        </pc:spChg>
-        <pc:spChg chg="add del mod">
-          <ac:chgData name="Matan Ben-Chorin" userId="78171e99-aa04-4d93-b476-e6a5ed1a9ed0" providerId="ADAL" clId="{DD5287A3-F799-4952-BDD3-843D6A174400}" dt="2022-03-14T23:30:45.926" v="2017" actId="478"/>
-          <ac:spMkLst>
-            <pc:docMk/>
-            <pc:sldMk cId="3526531708" sldId="344"/>
-            <ac:spMk id="7" creationId="{85DF76E6-8662-4646-8A23-C9F6B0FCA4CD}"/>
-          </ac:spMkLst>
-        </pc:spChg>
-        <pc:spChg chg="add del mod">
-          <ac:chgData name="Matan Ben-Chorin" userId="78171e99-aa04-4d93-b476-e6a5ed1a9ed0" providerId="ADAL" clId="{DD5287A3-F799-4952-BDD3-843D6A174400}" dt="2022-03-14T23:25:28.074" v="1902" actId="478"/>
-          <ac:spMkLst>
-            <pc:docMk/>
-            <pc:sldMk cId="3526531708" sldId="344"/>
-            <ac:spMk id="8" creationId="{2E1F6DF1-C30A-4879-8559-6388A14A94D3}"/>
-          </ac:spMkLst>
-        </pc:spChg>
-        <pc:spChg chg="add del mod">
-          <ac:chgData name="Matan Ben-Chorin" userId="78171e99-aa04-4d93-b476-e6a5ed1a9ed0" providerId="ADAL" clId="{DD5287A3-F799-4952-BDD3-843D6A174400}" dt="2022-03-14T23:30:44.588" v="2016" actId="478"/>
-          <ac:spMkLst>
-            <pc:docMk/>
-            <pc:sldMk cId="3526531708" sldId="344"/>
-            <ac:spMk id="11" creationId="{F73D9274-E0E2-444B-B04C-EB6B1A258F74}"/>
-          </ac:spMkLst>
-        </pc:spChg>
-        <pc:spChg chg="add del mod">
-          <ac:chgData name="Matan Ben-Chorin" userId="78171e99-aa04-4d93-b476-e6a5ed1a9ed0" providerId="ADAL" clId="{DD5287A3-F799-4952-BDD3-843D6A174400}" dt="2022-03-14T23:30:51.137" v="2020" actId="478"/>
-          <ac:spMkLst>
-            <pc:docMk/>
-            <pc:sldMk cId="3526531708" sldId="344"/>
-            <ac:spMk id="13" creationId="{317B7E6C-3D8F-416A-A36D-A43D87CA467A}"/>
-          </ac:spMkLst>
-        </pc:spChg>
-        <pc:picChg chg="del">
-          <ac:chgData name="Matan Ben-Chorin" userId="78171e99-aa04-4d93-b476-e6a5ed1a9ed0" providerId="ADAL" clId="{DD5287A3-F799-4952-BDD3-843D6A174400}" dt="2022-03-14T22:46:51.068" v="1302" actId="478"/>
-          <ac:picMkLst>
-            <pc:docMk/>
-            <pc:sldMk cId="3526531708" sldId="344"/>
-            <ac:picMk id="10" creationId="{8A18614A-C136-4412-872D-92E1F669DB5B}"/>
-          </ac:picMkLst>
-        </pc:picChg>
-      </pc:sldChg>
-      <pc:sldChg chg="delSp modSp add mod">
-        <pc:chgData name="Matan Ben-Chorin" userId="78171e99-aa04-4d93-b476-e6a5ed1a9ed0" providerId="ADAL" clId="{DD5287A3-F799-4952-BDD3-843D6A174400}" dt="2022-03-14T23:29:29.365" v="2013"/>
-        <pc:sldMkLst>
-          <pc:docMk/>
-          <pc:sldMk cId="1350942322" sldId="345"/>
-        </pc:sldMkLst>
-        <pc:spChg chg="mod">
-          <ac:chgData name="Matan Ben-Chorin" userId="78171e99-aa04-4d93-b476-e6a5ed1a9ed0" providerId="ADAL" clId="{DD5287A3-F799-4952-BDD3-843D6A174400}" dt="2022-03-14T23:29:29.365" v="2013"/>
-          <ac:spMkLst>
-            <pc:docMk/>
-            <pc:sldMk cId="1350942322" sldId="345"/>
-            <ac:spMk id="7" creationId="{85DF76E6-8662-4646-8A23-C9F6B0FCA4CD}"/>
-          </ac:spMkLst>
-        </pc:spChg>
-        <pc:spChg chg="del">
-          <ac:chgData name="Matan Ben-Chorin" userId="78171e99-aa04-4d93-b476-e6a5ed1a9ed0" providerId="ADAL" clId="{DD5287A3-F799-4952-BDD3-843D6A174400}" dt="2022-03-14T23:25:36.449" v="1903" actId="478"/>
-          <ac:spMkLst>
-            <pc:docMk/>
-            <pc:sldMk cId="1350942322" sldId="345"/>
-            <ac:spMk id="8" creationId="{2E1F6DF1-C30A-4879-8559-6388A14A94D3}"/>
-          </ac:spMkLst>
-        </pc:spChg>
-      </pc:sldChg>
-      <pc:sldChg chg="modSp add mod">
-        <pc:chgData name="Matan Ben-Chorin" userId="78171e99-aa04-4d93-b476-e6a5ed1a9ed0" providerId="ADAL" clId="{DD5287A3-F799-4952-BDD3-843D6A174400}" dt="2022-03-15T08:09:10.102" v="2098"/>
-        <pc:sldMkLst>
-          <pc:docMk/>
-          <pc:sldMk cId="768504045" sldId="346"/>
-        </pc:sldMkLst>
-        <pc:spChg chg="mod">
-          <ac:chgData name="Matan Ben-Chorin" userId="78171e99-aa04-4d93-b476-e6a5ed1a9ed0" providerId="ADAL" clId="{DD5287A3-F799-4952-BDD3-843D6A174400}" dt="2022-03-15T08:09:10.102" v="2098"/>
-          <ac:spMkLst>
-            <pc:docMk/>
-            <pc:sldMk cId="768504045" sldId="346"/>
-            <ac:spMk id="7" creationId="{85DF76E6-8662-4646-8A23-C9F6B0FCA4CD}"/>
-          </ac:spMkLst>
-        </pc:spChg>
-      </pc:sldChg>
-      <pc:sldChg chg="add">
-        <pc:chgData name="Matan Ben-Chorin" userId="78171e99-aa04-4d93-b476-e6a5ed1a9ed0" providerId="ADAL" clId="{DD5287A3-F799-4952-BDD3-843D6A174400}" dt="2022-03-14T23:30:55.532" v="2021"/>
-        <pc:sldMkLst>
-          <pc:docMk/>
-          <pc:sldMk cId="944400554" sldId="347"/>
-        </pc:sldMkLst>
-      </pc:sldChg>
-    </pc:docChg>
-  </pc:docChgLst>
-</pc:chgInfo>
-</file>
-
 <file path=ppt/comments/comment1.xml><?xml version="1.0" encoding="utf-8"?>
 <p:cmLst xmlns:a="http://schemas.openxmlformats.org/drawingml/2006/main" xmlns:r="http://schemas.openxmlformats.org/officeDocument/2006/relationships" xmlns:p="http://schemas.openxmlformats.org/presentationml/2006/main">
   <p:cm authorId="1" dt="2021-05-02T00:55:47.073" idx="1">
@@ -1481,7 +258,7 @@
           <a:p>
             <a:fld id="{CDB54FA3-7910-481A-A1B9-179C05557E77}" type="datetimeFigureOut">
               <a:rPr lang="en-US" smtClean="0"/>
-              <a:t>3/16/2022</a:t>
+              <a:t>3/19/2022</a:t>
             </a:fld>
             <a:endParaRPr lang="en-US"/>
           </a:p>
@@ -3301,7 +2078,7 @@
           <a:p>
             <a:fld id="{AAACCC80-DF8C-490D-A13B-AACE7168B10B}" type="datetime1">
               <a:rPr lang="en-US" smtClean="0"/>
-              <a:t>3/16/2022</a:t>
+              <a:t>3/19/2022</a:t>
             </a:fld>
             <a:endParaRPr lang="en-US" dirty="0"/>
           </a:p>
@@ -3635,7 +2412,7 @@
           <a:p>
             <a:fld id="{CE91A2D5-EE52-45A4-9F93-829F22AF2C11}" type="datetime1">
               <a:rPr lang="en-US" smtClean="0"/>
-              <a:t>3/16/2022</a:t>
+              <a:t>3/19/2022</a:t>
             </a:fld>
             <a:endParaRPr lang="en-US" dirty="0"/>
           </a:p>
@@ -4032,7 +2809,7 @@
           <a:p>
             <a:fld id="{94106230-D532-4250-A91C-D97007123698}" type="datetime1">
               <a:rPr lang="en-US" smtClean="0"/>
-              <a:t>3/16/2022</a:t>
+              <a:t>3/19/2022</a:t>
             </a:fld>
             <a:endParaRPr lang="en-US" dirty="0"/>
           </a:p>
@@ -4363,7 +3140,7 @@
           <a:p>
             <a:fld id="{478DB539-5271-4024-9F9D-DD05B63F78F9}" type="datetime1">
               <a:rPr lang="en-US" smtClean="0"/>
-              <a:t>3/16/2022</a:t>
+              <a:t>3/19/2022</a:t>
             </a:fld>
             <a:endParaRPr lang="en-US" dirty="0"/>
           </a:p>
@@ -4679,7 +3456,7 @@
           <a:p>
             <a:fld id="{8A08FA68-4719-47F4-BCEF-827E61489CA0}" type="datetime1">
               <a:rPr lang="en-US" smtClean="0"/>
-              <a:t>3/16/2022</a:t>
+              <a:t>3/19/2022</a:t>
             </a:fld>
             <a:endParaRPr lang="en-US" dirty="0"/>
           </a:p>
@@ -5071,7 +3848,7 @@
           <a:p>
             <a:fld id="{5DF68AC2-6EF7-43BC-AD03-190FB7AEEF83}" type="datetime1">
               <a:rPr lang="en-US" smtClean="0"/>
-              <a:t>3/16/2022</a:t>
+              <a:t>3/19/2022</a:t>
             </a:fld>
             <a:endParaRPr lang="en-US" dirty="0"/>
           </a:p>
@@ -5324,7 +4101,7 @@
           <a:p>
             <a:fld id="{CD28E16A-C827-4957-B281-CDA1F791A057}" type="datetime1">
               <a:rPr lang="en-US" smtClean="0"/>
-              <a:t>3/16/2022</a:t>
+              <a:t>3/19/2022</a:t>
             </a:fld>
             <a:endParaRPr lang="en-US" dirty="0"/>
           </a:p>
@@ -5582,7 +4359,7 @@
           <a:p>
             <a:fld id="{2032C01B-E48B-492B-AE44-0B3E5EE8BCD9}" type="datetime1">
               <a:rPr lang="en-US" smtClean="0"/>
-              <a:t>3/16/2022</a:t>
+              <a:t>3/19/2022</a:t>
             </a:fld>
             <a:endParaRPr lang="en-US" dirty="0"/>
           </a:p>
@@ -5840,7 +4617,7 @@
           <a:p>
             <a:fld id="{25F4B3C0-7005-48B4-B0FF-EE9483C34D19}" type="datetime1">
               <a:rPr lang="en-US" smtClean="0"/>
-              <a:t>3/16/2022</a:t>
+              <a:t>3/19/2022</a:t>
             </a:fld>
             <a:endParaRPr lang="en-US" dirty="0"/>
           </a:p>
@@ -6165,7 +4942,7 @@
           <a:p>
             <a:fld id="{DF1F1728-A19D-4441-8705-955351F5018F}" type="datetime1">
               <a:rPr lang="en-US" smtClean="0"/>
-              <a:t>3/16/2022</a:t>
+              <a:t>3/19/2022</a:t>
             </a:fld>
             <a:endParaRPr lang="en-US" dirty="0"/>
           </a:p>
@@ -6484,7 +5261,7 @@
           <a:p>
             <a:fld id="{19CCC66E-5725-49F2-8E4E-A1309B9AF108}" type="datetime1">
               <a:rPr lang="en-US" smtClean="0"/>
-              <a:t>3/16/2022</a:t>
+              <a:t>3/19/2022</a:t>
             </a:fld>
             <a:endParaRPr lang="en-US" dirty="0"/>
           </a:p>
@@ -6937,7 +5714,7 @@
           <a:p>
             <a:fld id="{1BA0B93E-F5C4-487D-A5E9-2A44BA03A9C3}" type="datetime1">
               <a:rPr lang="en-US" smtClean="0"/>
-              <a:t>3/16/2022</a:t>
+              <a:t>3/19/2022</a:t>
             </a:fld>
             <a:endParaRPr lang="en-US" dirty="0"/>
           </a:p>
@@ -7138,7 +5915,7 @@
           <a:p>
             <a:fld id="{F0B4B268-7CCC-4E83-BA29-241837CE802E}" type="datetime1">
               <a:rPr lang="en-US" smtClean="0"/>
-              <a:t>3/16/2022</a:t>
+              <a:t>3/19/2022</a:t>
             </a:fld>
             <a:endParaRPr lang="en-US" dirty="0"/>
           </a:p>
@@ -7311,7 +6088,7 @@
           <a:p>
             <a:fld id="{FA386076-4E3C-401D-BCCD-B89BB1B3E61B}" type="datetime1">
               <a:rPr lang="en-US" smtClean="0"/>
-              <a:t>3/16/2022</a:t>
+              <a:t>3/19/2022</a:t>
             </a:fld>
             <a:endParaRPr lang="en-US" dirty="0"/>
           </a:p>
@@ -7640,7 +6417,7 @@
           <a:p>
             <a:fld id="{E9A44FC6-DFCF-4838-9DD7-014472C6A685}" type="datetime1">
               <a:rPr lang="en-US" smtClean="0"/>
-              <a:t>3/16/2022</a:t>
+              <a:t>3/19/2022</a:t>
             </a:fld>
             <a:endParaRPr lang="en-US" dirty="0"/>
           </a:p>
@@ -7981,7 +6758,7 @@
           <a:p>
             <a:fld id="{8F2F87F2-763B-46F7-AB62-EC6B8367DF97}" type="datetime1">
               <a:rPr lang="en-US" smtClean="0"/>
-              <a:t>3/16/2022</a:t>
+              <a:t>3/19/2022</a:t>
             </a:fld>
             <a:endParaRPr lang="en-US" dirty="0"/>
           </a:p>
@@ -10094,7 +8871,7 @@
           <a:p>
             <a:fld id="{AC504DFB-74C6-48D5-B2E3-2F1329743A10}" type="datetime1">
               <a:rPr lang="en-US" smtClean="0"/>
-              <a:t>3/16/2022</a:t>
+              <a:t>3/19/2022</a:t>
             </a:fld>
             <a:endParaRPr lang="en-US" dirty="0"/>
           </a:p>
@@ -15045,7 +13822,7 @@
         </p:nvSpPr>
         <p:spPr>
           <a:xfrm>
-            <a:off x="2169549" y="1643837"/>
+            <a:off x="1986669" y="1678127"/>
             <a:ext cx="10965321" cy="4589195"/>
           </a:xfrm>
           <a:prstGeom prst="rect">
@@ -15277,6 +14054,31 @@
           <a:p>
             <a:pPr algn="l" rtl="0"/>
             <a:r>
+              <a:rPr lang="en-US" sz="2800" dirty="0"/>
+              <a:t>Our work based on Hugging Face course – </a:t>
+            </a:r>
+            <a:r>
+              <a:rPr lang="en-US" sz="2800" dirty="0" err="1"/>
+              <a:t>Qusetion</a:t>
+            </a:r>
+            <a:r>
+              <a:rPr lang="en-US" sz="2800" dirty="0"/>
+              <a:t>- answering tutorial – </a:t>
+            </a:r>
+            <a:r>
+              <a:rPr lang="en-US" sz="2800" dirty="0">
+                <a:hlinkClick r:id="rId2"/>
+              </a:rPr>
+              <a:t>link</a:t>
+            </a:r>
+            <a:r>
+              <a:rPr lang="en-US" sz="2800" dirty="0"/>
+              <a:t>   </a:t>
+            </a:r>
+          </a:p>
+          <a:p>
+            <a:pPr algn="l" rtl="0"/>
+            <a:r>
               <a:rPr lang="en-US" sz="3600" dirty="0"/>
               <a:t>Steps</a:t>
             </a:r>
@@ -15383,6 +14185,36 @@
           </a:p>
         </p:txBody>
       </p:sp>
+      <p:pic>
+        <p:nvPicPr>
+          <p:cNvPr id="5" name="תמונה 4">
+            <a:extLst>
+              <a:ext uri="{FF2B5EF4-FFF2-40B4-BE49-F238E27FC236}">
+                <a16:creationId xmlns:a16="http://schemas.microsoft.com/office/drawing/2014/main" id="{38731A4B-4EC7-4198-82B7-21022DDA5A38}"/>
+              </a:ext>
+            </a:extLst>
+          </p:cNvPr>
+          <p:cNvPicPr>
+            <a:picLocks noChangeAspect="1"/>
+          </p:cNvPicPr>
+          <p:nvPr/>
+        </p:nvPicPr>
+        <p:blipFill>
+          <a:blip r:embed="rId3"/>
+          <a:stretch>
+            <a:fillRect/>
+          </a:stretch>
+        </p:blipFill>
+        <p:spPr>
+          <a:xfrm>
+            <a:off x="8119356" y="2776926"/>
+            <a:ext cx="2085975" cy="2314575"/>
+          </a:xfrm>
+          <a:prstGeom prst="rect">
+            <a:avLst/>
+          </a:prstGeom>
+        </p:spPr>
+      </p:pic>
     </p:spTree>
     <p:extLst>
       <p:ext uri="{BB962C8B-B14F-4D97-AF65-F5344CB8AC3E}">
@@ -15742,15 +14574,7 @@
             </a:pPr>
             <a:r>
               <a:rPr lang="en-US" sz="3400" dirty="0"/>
-              <a:t>Load a pre-trained model from </a:t>
-            </a:r>
-            <a:r>
-              <a:rPr lang="en-US" sz="3400" dirty="0" err="1"/>
-              <a:t>Huggingface</a:t>
-            </a:r>
-            <a:r>
-              <a:rPr lang="en-US" sz="3400" dirty="0"/>
-              <a:t> hub. We chose </a:t>
+              <a:t>Load a pre-trained model from Hugging face hub. We chose </a:t>
             </a:r>
             <a:r>
               <a:rPr lang="en-US" sz="3400" dirty="0" err="1"/>
@@ -17858,7 +16682,7 @@
               <a:rPr lang="en-US" dirty="0">
                 <a:hlinkClick r:id="rId2"/>
               </a:rPr>
-              <a:t>https://github.com/TechnionTDK/hebwiki-qa-old/blob/master/finetuning_hebert/example.py</a:t>
+              <a:t>https://github.com/TechnionTDK/hebwiki-qa/blob/master/finetuning_hebert/example.py</a:t>
             </a:r>
             <a:endParaRPr lang="en-US" dirty="0"/>
           </a:p>
@@ -17964,15 +16788,7 @@
             </a:br>
             <a:r>
               <a:rPr lang="en-US" dirty="0"/>
-              <a:t>Our Model on </a:t>
-            </a:r>
-            <a:r>
-              <a:rPr lang="en-US" dirty="0" err="1"/>
-              <a:t>Huggingface</a:t>
-            </a:r>
-            <a:r>
-              <a:rPr lang="en-US" dirty="0"/>
-              <a:t> Hub</a:t>
+              <a:t>Our Model on Hugging face Hub</a:t>
             </a:r>
             <a:endParaRPr lang="en-IL" dirty="0"/>
           </a:p>
@@ -18081,6 +16897,47 @@
           <a:xfrm>
             <a:off x="3657602" y="2911693"/>
             <a:ext cx="5298832" cy="3793717"/>
+          </a:xfrm>
+          <a:prstGeom prst="rect">
+            <a:avLst/>
+          </a:prstGeom>
+        </p:spPr>
+      </p:pic>
+      <p:pic>
+        <p:nvPicPr>
+          <p:cNvPr id="5" name="תמונה 4">
+            <a:extLst>
+              <a:ext uri="{FF2B5EF4-FFF2-40B4-BE49-F238E27FC236}">
+                <a16:creationId xmlns:a16="http://schemas.microsoft.com/office/drawing/2014/main" id="{DC180556-CCEF-422F-B59C-39721B5E96E5}"/>
+              </a:ext>
+            </a:extLst>
+          </p:cNvPr>
+          <p:cNvPicPr>
+            <a:picLocks noChangeAspect="1"/>
+          </p:cNvPicPr>
+          <p:nvPr/>
+        </p:nvPicPr>
+        <p:blipFill>
+          <a:blip r:embed="rId4">
+            <a:clrChange>
+              <a:clrFrom>
+                <a:srgbClr val="FFFFFF"/>
+              </a:clrFrom>
+              <a:clrTo>
+                <a:srgbClr val="FFFFFF">
+                  <a:alpha val="0"/>
+                </a:srgbClr>
+              </a:clrTo>
+            </a:clrChange>
+          </a:blip>
+          <a:stretch>
+            <a:fillRect/>
+          </a:stretch>
+        </p:blipFill>
+        <p:spPr>
+          <a:xfrm>
+            <a:off x="9599075" y="431117"/>
+            <a:ext cx="1666875" cy="1666875"/>
           </a:xfrm>
           <a:prstGeom prst="rect">
             <a:avLst/>
@@ -18150,15 +17007,7 @@
             </a:r>
             <a:r>
               <a:rPr lang="en-US" dirty="0"/>
-              <a:t> on </a:t>
-            </a:r>
-            <a:r>
-              <a:rPr lang="en-US" dirty="0" err="1"/>
-              <a:t>Hugginface</a:t>
-            </a:r>
-            <a:r>
-              <a:rPr lang="en-US" dirty="0"/>
-              <a:t> Hub</a:t>
+              <a:t> on Hugging face Hub</a:t>
             </a:r>
             <a:endParaRPr lang="en-IL" dirty="0"/>
           </a:p>
@@ -18523,15 +17372,7 @@
             </a:r>
             <a:r>
               <a:rPr lang="en-US" sz="3200" dirty="0"/>
-              <a:t>, the </a:t>
-            </a:r>
-            <a:r>
-              <a:rPr lang="en-US" sz="3200" dirty="0" err="1"/>
-              <a:t>Huggingface</a:t>
-            </a:r>
-            <a:r>
-              <a:rPr lang="en-US" sz="3200" dirty="0"/>
-              <a:t> platform, transformers, and etc.</a:t>
+              <a:t>, the Hugging face platform, transformers, and etc.</a:t>
             </a:r>
           </a:p>
           <a:p>

--- a/Project Final Presentation .pptx
+++ b/Project Final Presentation .pptx
@@ -5,7 +5,7 @@
     <p:sldMasterId id="2147483648" r:id="rId1"/>
   </p:sldMasterIdLst>
   <p:notesMasterIdLst>
-    <p:notesMasterId r:id="rId30"/>
+    <p:notesMasterId r:id="rId29"/>
   </p:notesMasterIdLst>
   <p:sldIdLst>
     <p:sldId id="256" r:id="rId2"/>
@@ -30,12 +30,11 @@
     <p:sldId id="351" r:id="rId21"/>
     <p:sldId id="350" r:id="rId22"/>
     <p:sldId id="348" r:id="rId23"/>
-    <p:sldId id="349" r:id="rId24"/>
-    <p:sldId id="265" r:id="rId25"/>
-    <p:sldId id="306" r:id="rId26"/>
-    <p:sldId id="352" r:id="rId27"/>
-    <p:sldId id="282" r:id="rId28"/>
-    <p:sldId id="308" r:id="rId29"/>
+    <p:sldId id="265" r:id="rId24"/>
+    <p:sldId id="306" r:id="rId25"/>
+    <p:sldId id="352" r:id="rId26"/>
+    <p:sldId id="282" r:id="rId27"/>
+    <p:sldId id="308" r:id="rId28"/>
   </p:sldIdLst>
   <p:sldSz cx="12192000" cy="6858000"/>
   <p:notesSz cx="6858000" cy="9144000"/>
@@ -162,6 +161,1229 @@
 </p1510:revInfo>
 </file>
 
+<file path=ppt/changesInfos/changesInfo1.xml><?xml version="1.0" encoding="utf-8"?>
+<pc:chgInfo xmlns:a="http://schemas.openxmlformats.org/drawingml/2006/main" xmlns:r="http://schemas.openxmlformats.org/officeDocument/2006/relationships" xmlns:ac="http://schemas.microsoft.com/office/drawing/2013/main/command" xmlns:pc="http://schemas.microsoft.com/office/powerpoint/2013/main/command">
+  <pc:docChgLst>
+    <pc:chgData name="Matan Ben-Chorin" userId="78171e99-aa04-4d93-b476-e6a5ed1a9ed0" providerId="ADAL" clId="{DD5287A3-F799-4952-BDD3-843D6A174400}"/>
+    <pc:docChg chg="undo redo custSel addSld delSld modSld sldOrd">
+      <pc:chgData name="Matan Ben-Chorin" userId="78171e99-aa04-4d93-b476-e6a5ed1a9ed0" providerId="ADAL" clId="{DD5287A3-F799-4952-BDD3-843D6A174400}" dt="2022-03-15T08:09:25.218" v="2100"/>
+      <pc:docMkLst>
+        <pc:docMk/>
+      </pc:docMkLst>
+      <pc:sldChg chg="addSp delSp modSp mod">
+        <pc:chgData name="Matan Ben-Chorin" userId="78171e99-aa04-4d93-b476-e6a5ed1a9ed0" providerId="ADAL" clId="{DD5287A3-F799-4952-BDD3-843D6A174400}" dt="2022-03-14T23:54:04.344" v="2096"/>
+        <pc:sldMkLst>
+          <pc:docMk/>
+          <pc:sldMk cId="3209503173" sldId="256"/>
+        </pc:sldMkLst>
+        <pc:spChg chg="mod">
+          <ac:chgData name="Matan Ben-Chorin" userId="78171e99-aa04-4d93-b476-e6a5ed1a9ed0" providerId="ADAL" clId="{DD5287A3-F799-4952-BDD3-843D6A174400}" dt="2022-03-14T22:21:12.138" v="1004" actId="20577"/>
+          <ac:spMkLst>
+            <pc:docMk/>
+            <pc:sldMk cId="3209503173" sldId="256"/>
+            <ac:spMk id="2" creationId="{52D10A70-511C-4211-A46B-A9C360B8BF70}"/>
+          </ac:spMkLst>
+        </pc:spChg>
+        <pc:spChg chg="mod">
+          <ac:chgData name="Matan Ben-Chorin" userId="78171e99-aa04-4d93-b476-e6a5ed1a9ed0" providerId="ADAL" clId="{DD5287A3-F799-4952-BDD3-843D6A174400}" dt="2022-03-14T22:21:18.081" v="1005" actId="1076"/>
+          <ac:spMkLst>
+            <pc:docMk/>
+            <pc:sldMk cId="3209503173" sldId="256"/>
+            <ac:spMk id="3" creationId="{84D5BCBE-0DB4-46F6-8F25-1F12B3381ABE}"/>
+          </ac:spMkLst>
+        </pc:spChg>
+        <pc:spChg chg="add del mod">
+          <ac:chgData name="Matan Ben-Chorin" userId="78171e99-aa04-4d93-b476-e6a5ed1a9ed0" providerId="ADAL" clId="{DD5287A3-F799-4952-BDD3-843D6A174400}" dt="2022-03-14T22:21:08.919" v="1001"/>
+          <ac:spMkLst>
+            <pc:docMk/>
+            <pc:sldMk cId="3209503173" sldId="256"/>
+            <ac:spMk id="9" creationId="{139B00CE-DBF7-4199-962A-34141CC49268}"/>
+          </ac:spMkLst>
+        </pc:spChg>
+        <pc:picChg chg="mod">
+          <ac:chgData name="Matan Ben-Chorin" userId="78171e99-aa04-4d93-b476-e6a5ed1a9ed0" providerId="ADAL" clId="{DD5287A3-F799-4952-BDD3-843D6A174400}" dt="2022-03-14T23:53:58.393" v="2094"/>
+          <ac:picMkLst>
+            <pc:docMk/>
+            <pc:sldMk cId="3209503173" sldId="256"/>
+            <ac:picMk id="4" creationId="{CE8CA073-5B98-460E-A4BA-433E09AC1226}"/>
+          </ac:picMkLst>
+        </pc:picChg>
+        <pc:picChg chg="mod">
+          <ac:chgData name="Matan Ben-Chorin" userId="78171e99-aa04-4d93-b476-e6a5ed1a9ed0" providerId="ADAL" clId="{DD5287A3-F799-4952-BDD3-843D6A174400}" dt="2022-03-14T23:54:04.344" v="2096"/>
+          <ac:picMkLst>
+            <pc:docMk/>
+            <pc:sldMk cId="3209503173" sldId="256"/>
+            <ac:picMk id="5" creationId="{704C81B3-9BEC-4585-85F5-0314EBF3B147}"/>
+          </ac:picMkLst>
+        </pc:picChg>
+        <pc:picChg chg="mod">
+          <ac:chgData name="Matan Ben-Chorin" userId="78171e99-aa04-4d93-b476-e6a5ed1a9ed0" providerId="ADAL" clId="{DD5287A3-F799-4952-BDD3-843D6A174400}" dt="2022-03-14T23:54:02.080" v="2095"/>
+          <ac:picMkLst>
+            <pc:docMk/>
+            <pc:sldMk cId="3209503173" sldId="256"/>
+            <ac:picMk id="1030" creationId="{9D68C75F-9C1C-4FC3-9C01-DD050C686F4B}"/>
+          </ac:picMkLst>
+        </pc:picChg>
+      </pc:sldChg>
+      <pc:sldChg chg="modSp mod modNotesTx">
+        <pc:chgData name="Matan Ben-Chorin" userId="78171e99-aa04-4d93-b476-e6a5ed1a9ed0" providerId="ADAL" clId="{DD5287A3-F799-4952-BDD3-843D6A174400}" dt="2022-03-14T23:13:59.059" v="1622" actId="20577"/>
+        <pc:sldMkLst>
+          <pc:docMk/>
+          <pc:sldMk cId="1278065165" sldId="258"/>
+        </pc:sldMkLst>
+        <pc:spChg chg="mod">
+          <ac:chgData name="Matan Ben-Chorin" userId="78171e99-aa04-4d93-b476-e6a5ed1a9ed0" providerId="ADAL" clId="{DD5287A3-F799-4952-BDD3-843D6A174400}" dt="2022-03-14T23:13:58.631" v="1620" actId="1076"/>
+          <ac:spMkLst>
+            <pc:docMk/>
+            <pc:sldMk cId="1278065165" sldId="258"/>
+            <ac:spMk id="2" creationId="{2DA06E11-D7BF-444A-A4E9-A62E2C2CEB7E}"/>
+          </ac:spMkLst>
+        </pc:spChg>
+        <pc:spChg chg="mod">
+          <ac:chgData name="Matan Ben-Chorin" userId="78171e99-aa04-4d93-b476-e6a5ed1a9ed0" providerId="ADAL" clId="{DD5287A3-F799-4952-BDD3-843D6A174400}" dt="2022-03-14T23:13:59.059" v="1622" actId="20577"/>
+          <ac:spMkLst>
+            <pc:docMk/>
+            <pc:sldMk cId="1278065165" sldId="258"/>
+            <ac:spMk id="3" creationId="{BBD3EAFA-53FA-4C51-8A7F-A2682699EA2B}"/>
+          </ac:spMkLst>
+        </pc:spChg>
+      </pc:sldChg>
+      <pc:sldChg chg="del">
+        <pc:chgData name="Matan Ben-Chorin" userId="78171e99-aa04-4d93-b476-e6a5ed1a9ed0" providerId="ADAL" clId="{DD5287A3-F799-4952-BDD3-843D6A174400}" dt="2022-03-14T22:53:23.739" v="1361" actId="47"/>
+        <pc:sldMkLst>
+          <pc:docMk/>
+          <pc:sldMk cId="363873967" sldId="260"/>
+        </pc:sldMkLst>
+      </pc:sldChg>
+      <pc:sldChg chg="modSp mod modNotesTx">
+        <pc:chgData name="Matan Ben-Chorin" userId="78171e99-aa04-4d93-b476-e6a5ed1a9ed0" providerId="ADAL" clId="{DD5287A3-F799-4952-BDD3-843D6A174400}" dt="2022-03-14T23:00:11.919" v="1560" actId="14100"/>
+        <pc:sldMkLst>
+          <pc:docMk/>
+          <pc:sldMk cId="3503797914" sldId="265"/>
+        </pc:sldMkLst>
+        <pc:spChg chg="mod">
+          <ac:chgData name="Matan Ben-Chorin" userId="78171e99-aa04-4d93-b476-e6a5ed1a9ed0" providerId="ADAL" clId="{DD5287A3-F799-4952-BDD3-843D6A174400}" dt="2022-03-14T22:52:15.384" v="1360" actId="1076"/>
+          <ac:spMkLst>
+            <pc:docMk/>
+            <pc:sldMk cId="3503797914" sldId="265"/>
+            <ac:spMk id="2" creationId="{87189A70-F14C-477C-8118-800EBEBD6429}"/>
+          </ac:spMkLst>
+        </pc:spChg>
+        <pc:spChg chg="mod">
+          <ac:chgData name="Matan Ben-Chorin" userId="78171e99-aa04-4d93-b476-e6a5ed1a9ed0" providerId="ADAL" clId="{DD5287A3-F799-4952-BDD3-843D6A174400}" dt="2022-03-14T23:00:11.919" v="1560" actId="14100"/>
+          <ac:spMkLst>
+            <pc:docMk/>
+            <pc:sldMk cId="3503797914" sldId="265"/>
+            <ac:spMk id="5" creationId="{6A8B3CA4-4E39-4553-B807-EA701B158AB0}"/>
+          </ac:spMkLst>
+        </pc:spChg>
+      </pc:sldChg>
+      <pc:sldChg chg="addSp delSp modSp mod modNotesTx">
+        <pc:chgData name="Matan Ben-Chorin" userId="78171e99-aa04-4d93-b476-e6a5ed1a9ed0" providerId="ADAL" clId="{DD5287A3-F799-4952-BDD3-843D6A174400}" dt="2022-03-14T22:18:20.479" v="959" actId="20577"/>
+        <pc:sldMkLst>
+          <pc:docMk/>
+          <pc:sldMk cId="3210714874" sldId="270"/>
+        </pc:sldMkLst>
+        <pc:spChg chg="del mod">
+          <ac:chgData name="Matan Ben-Chorin" userId="78171e99-aa04-4d93-b476-e6a5ed1a9ed0" providerId="ADAL" clId="{DD5287A3-F799-4952-BDD3-843D6A174400}" dt="2022-03-14T22:10:48.030" v="786" actId="478"/>
+          <ac:spMkLst>
+            <pc:docMk/>
+            <pc:sldMk cId="3210714874" sldId="270"/>
+            <ac:spMk id="2" creationId="{8A32BD41-D7BC-4C6A-B6D6-977180A4E99F}"/>
+          </ac:spMkLst>
+        </pc:spChg>
+        <pc:spChg chg="mod">
+          <ac:chgData name="Matan Ben-Chorin" userId="78171e99-aa04-4d93-b476-e6a5ed1a9ed0" providerId="ADAL" clId="{DD5287A3-F799-4952-BDD3-843D6A174400}" dt="2022-03-14T22:17:48.537" v="930" actId="1076"/>
+          <ac:spMkLst>
+            <pc:docMk/>
+            <pc:sldMk cId="3210714874" sldId="270"/>
+            <ac:spMk id="3" creationId="{4FDAC980-E58B-4A19-9315-79E7B7D014FC}"/>
+          </ac:spMkLst>
+        </pc:spChg>
+        <pc:spChg chg="add del mod">
+          <ac:chgData name="Matan Ben-Chorin" userId="78171e99-aa04-4d93-b476-e6a5ed1a9ed0" providerId="ADAL" clId="{DD5287A3-F799-4952-BDD3-843D6A174400}" dt="2022-03-14T22:10:53.814" v="787" actId="478"/>
+          <ac:spMkLst>
+            <pc:docMk/>
+            <pc:sldMk cId="3210714874" sldId="270"/>
+            <ac:spMk id="6" creationId="{211FDD28-41BF-417F-961A-A7ED9C01F8E4}"/>
+          </ac:spMkLst>
+        </pc:spChg>
+        <pc:spChg chg="add mod">
+          <ac:chgData name="Matan Ben-Chorin" userId="78171e99-aa04-4d93-b476-e6a5ed1a9ed0" providerId="ADAL" clId="{DD5287A3-F799-4952-BDD3-843D6A174400}" dt="2022-03-14T22:10:54.603" v="788"/>
+          <ac:spMkLst>
+            <pc:docMk/>
+            <pc:sldMk cId="3210714874" sldId="270"/>
+            <ac:spMk id="7" creationId="{BD460FE4-1165-47A2-882C-39FA8C48A8E5}"/>
+          </ac:spMkLst>
+        </pc:spChg>
+        <pc:spChg chg="add mod">
+          <ac:chgData name="Matan Ben-Chorin" userId="78171e99-aa04-4d93-b476-e6a5ed1a9ed0" providerId="ADAL" clId="{DD5287A3-F799-4952-BDD3-843D6A174400}" dt="2022-03-14T22:17:46.039" v="929" actId="1076"/>
+          <ac:spMkLst>
+            <pc:docMk/>
+            <pc:sldMk cId="3210714874" sldId="270"/>
+            <ac:spMk id="9" creationId="{E4E215CD-1503-4577-B94A-2470E265E079}"/>
+          </ac:spMkLst>
+        </pc:spChg>
+        <pc:spChg chg="add mod">
+          <ac:chgData name="Matan Ben-Chorin" userId="78171e99-aa04-4d93-b476-e6a5ed1a9ed0" providerId="ADAL" clId="{DD5287A3-F799-4952-BDD3-843D6A174400}" dt="2022-03-14T22:18:10.205" v="955" actId="1076"/>
+          <ac:spMkLst>
+            <pc:docMk/>
+            <pc:sldMk cId="3210714874" sldId="270"/>
+            <ac:spMk id="10" creationId="{13FD100F-D9A1-4F7B-881B-D5918ADE6522}"/>
+          </ac:spMkLst>
+        </pc:spChg>
+        <pc:spChg chg="add mod">
+          <ac:chgData name="Matan Ben-Chorin" userId="78171e99-aa04-4d93-b476-e6a5ed1a9ed0" providerId="ADAL" clId="{DD5287A3-F799-4952-BDD3-843D6A174400}" dt="2022-03-14T22:18:20.479" v="959" actId="20577"/>
+          <ac:spMkLst>
+            <pc:docMk/>
+            <pc:sldMk cId="3210714874" sldId="270"/>
+            <ac:spMk id="11" creationId="{663BD0AA-612E-4EFD-B31D-9F9F3DA04784}"/>
+          </ac:spMkLst>
+        </pc:spChg>
+        <pc:graphicFrameChg chg="mod modGraphic">
+          <ac:chgData name="Matan Ben-Chorin" userId="78171e99-aa04-4d93-b476-e6a5ed1a9ed0" providerId="ADAL" clId="{DD5287A3-F799-4952-BDD3-843D6A174400}" dt="2022-03-14T22:17:55.295" v="952" actId="1037"/>
+          <ac:graphicFrameMkLst>
+            <pc:docMk/>
+            <pc:sldMk cId="3210714874" sldId="270"/>
+            <ac:graphicFrameMk id="4" creationId="{F3DF2D21-659B-42F3-BFE6-2070CC520153}"/>
+          </ac:graphicFrameMkLst>
+        </pc:graphicFrameChg>
+        <pc:graphicFrameChg chg="add mod">
+          <ac:chgData name="Matan Ben-Chorin" userId="78171e99-aa04-4d93-b476-e6a5ed1a9ed0" providerId="ADAL" clId="{DD5287A3-F799-4952-BDD3-843D6A174400}" dt="2022-03-14T22:17:55.295" v="952" actId="1037"/>
+          <ac:graphicFrameMkLst>
+            <pc:docMk/>
+            <pc:sldMk cId="3210714874" sldId="270"/>
+            <ac:graphicFrameMk id="8" creationId="{7170A78C-6AEF-44FE-AE2F-5C0DD31EFDF2}"/>
+          </ac:graphicFrameMkLst>
+        </pc:graphicFrameChg>
+      </pc:sldChg>
+      <pc:sldChg chg="del">
+        <pc:chgData name="Matan Ben-Chorin" userId="78171e99-aa04-4d93-b476-e6a5ed1a9ed0" providerId="ADAL" clId="{DD5287A3-F799-4952-BDD3-843D6A174400}" dt="2022-03-14T22:53:23.739" v="1361" actId="47"/>
+        <pc:sldMkLst>
+          <pc:docMk/>
+          <pc:sldMk cId="1279631384" sldId="274"/>
+        </pc:sldMkLst>
+      </pc:sldChg>
+      <pc:sldChg chg="del">
+        <pc:chgData name="Matan Ben-Chorin" userId="78171e99-aa04-4d93-b476-e6a5ed1a9ed0" providerId="ADAL" clId="{DD5287A3-F799-4952-BDD3-843D6A174400}" dt="2022-03-14T22:53:23.739" v="1361" actId="47"/>
+        <pc:sldMkLst>
+          <pc:docMk/>
+          <pc:sldMk cId="2523543484" sldId="279"/>
+        </pc:sldMkLst>
+      </pc:sldChg>
+      <pc:sldChg chg="del">
+        <pc:chgData name="Matan Ben-Chorin" userId="78171e99-aa04-4d93-b476-e6a5ed1a9ed0" providerId="ADAL" clId="{DD5287A3-F799-4952-BDD3-843D6A174400}" dt="2022-03-14T22:53:23.739" v="1361" actId="47"/>
+        <pc:sldMkLst>
+          <pc:docMk/>
+          <pc:sldMk cId="3856458895" sldId="281"/>
+        </pc:sldMkLst>
+      </pc:sldChg>
+      <pc:sldChg chg="del">
+        <pc:chgData name="Matan Ben-Chorin" userId="78171e99-aa04-4d93-b476-e6a5ed1a9ed0" providerId="ADAL" clId="{DD5287A3-F799-4952-BDD3-843D6A174400}" dt="2022-03-14T22:53:23.739" v="1361" actId="47"/>
+        <pc:sldMkLst>
+          <pc:docMk/>
+          <pc:sldMk cId="2728484633" sldId="283"/>
+        </pc:sldMkLst>
+      </pc:sldChg>
+      <pc:sldChg chg="addSp delSp modSp del mod modNotesTx">
+        <pc:chgData name="Matan Ben-Chorin" userId="78171e99-aa04-4d93-b476-e6a5ed1a9ed0" providerId="ADAL" clId="{DD5287A3-F799-4952-BDD3-843D6A174400}" dt="2022-03-14T21:29:45.299" v="343" actId="47"/>
+        <pc:sldMkLst>
+          <pc:docMk/>
+          <pc:sldMk cId="2106607413" sldId="284"/>
+        </pc:sldMkLst>
+        <pc:spChg chg="mod">
+          <ac:chgData name="Matan Ben-Chorin" userId="78171e99-aa04-4d93-b476-e6a5ed1a9ed0" providerId="ADAL" clId="{DD5287A3-F799-4952-BDD3-843D6A174400}" dt="2022-03-14T21:29:22.490" v="338"/>
+          <ac:spMkLst>
+            <pc:docMk/>
+            <pc:sldMk cId="2106607413" sldId="284"/>
+            <ac:spMk id="2" creationId="{5D8EEE8B-A7A3-4F5D-8605-387D75C277A8}"/>
+          </ac:spMkLst>
+        </pc:spChg>
+        <pc:spChg chg="add mod">
+          <ac:chgData name="Matan Ben-Chorin" userId="78171e99-aa04-4d93-b476-e6a5ed1a9ed0" providerId="ADAL" clId="{DD5287A3-F799-4952-BDD3-843D6A174400}" dt="2022-03-14T21:29:30.815" v="341" actId="478"/>
+          <ac:spMkLst>
+            <pc:docMk/>
+            <pc:sldMk cId="2106607413" sldId="284"/>
+            <ac:spMk id="4" creationId="{51791D9F-6B2D-4891-B9CB-115DD9561DE1}"/>
+          </ac:spMkLst>
+        </pc:spChg>
+        <pc:spChg chg="del">
+          <ac:chgData name="Matan Ben-Chorin" userId="78171e99-aa04-4d93-b476-e6a5ed1a9ed0" providerId="ADAL" clId="{DD5287A3-F799-4952-BDD3-843D6A174400}" dt="2022-03-14T21:29:30.815" v="341" actId="478"/>
+          <ac:spMkLst>
+            <pc:docMk/>
+            <pc:sldMk cId="2106607413" sldId="284"/>
+            <ac:spMk id="8" creationId="{380FCF01-2C6C-4785-8314-4C055AC12B77}"/>
+          </ac:spMkLst>
+        </pc:spChg>
+        <pc:spChg chg="del">
+          <ac:chgData name="Matan Ben-Chorin" userId="78171e99-aa04-4d93-b476-e6a5ed1a9ed0" providerId="ADAL" clId="{DD5287A3-F799-4952-BDD3-843D6A174400}" dt="2022-03-14T21:29:29.144" v="340" actId="478"/>
+          <ac:spMkLst>
+            <pc:docMk/>
+            <pc:sldMk cId="2106607413" sldId="284"/>
+            <ac:spMk id="11" creationId="{051ADF8A-EBC6-45E9-BAB7-A037AFECD0AF}"/>
+          </ac:spMkLst>
+        </pc:spChg>
+        <pc:picChg chg="del">
+          <ac:chgData name="Matan Ben-Chorin" userId="78171e99-aa04-4d93-b476-e6a5ed1a9ed0" providerId="ADAL" clId="{DD5287A3-F799-4952-BDD3-843D6A174400}" dt="2022-03-14T21:29:27.721" v="339" actId="478"/>
+          <ac:picMkLst>
+            <pc:docMk/>
+            <pc:sldMk cId="2106607413" sldId="284"/>
+            <ac:picMk id="10" creationId="{E62C3178-19D2-4B38-A55B-48CDE7514B4A}"/>
+          </ac:picMkLst>
+        </pc:picChg>
+      </pc:sldChg>
+      <pc:sldChg chg="del">
+        <pc:chgData name="Matan Ben-Chorin" userId="78171e99-aa04-4d93-b476-e6a5ed1a9ed0" providerId="ADAL" clId="{DD5287A3-F799-4952-BDD3-843D6A174400}" dt="2022-03-14T22:53:23.739" v="1361" actId="47"/>
+        <pc:sldMkLst>
+          <pc:docMk/>
+          <pc:sldMk cId="1558714496" sldId="285"/>
+        </pc:sldMkLst>
+      </pc:sldChg>
+      <pc:sldChg chg="del">
+        <pc:chgData name="Matan Ben-Chorin" userId="78171e99-aa04-4d93-b476-e6a5ed1a9ed0" providerId="ADAL" clId="{DD5287A3-F799-4952-BDD3-843D6A174400}" dt="2022-03-14T22:53:23.739" v="1361" actId="47"/>
+        <pc:sldMkLst>
+          <pc:docMk/>
+          <pc:sldMk cId="3090693650" sldId="286"/>
+        </pc:sldMkLst>
+      </pc:sldChg>
+      <pc:sldChg chg="del">
+        <pc:chgData name="Matan Ben-Chorin" userId="78171e99-aa04-4d93-b476-e6a5ed1a9ed0" providerId="ADAL" clId="{DD5287A3-F799-4952-BDD3-843D6A174400}" dt="2022-03-14T22:53:23.739" v="1361" actId="47"/>
+        <pc:sldMkLst>
+          <pc:docMk/>
+          <pc:sldMk cId="2783901478" sldId="287"/>
+        </pc:sldMkLst>
+      </pc:sldChg>
+      <pc:sldChg chg="delSp modSp mod modNotesTx">
+        <pc:chgData name="Matan Ben-Chorin" userId="78171e99-aa04-4d93-b476-e6a5ed1a9ed0" providerId="ADAL" clId="{DD5287A3-F799-4952-BDD3-843D6A174400}" dt="2022-03-14T21:24:18.844" v="247"/>
+        <pc:sldMkLst>
+          <pc:docMk/>
+          <pc:sldMk cId="3120796684" sldId="288"/>
+        </pc:sldMkLst>
+        <pc:spChg chg="mod">
+          <ac:chgData name="Matan Ben-Chorin" userId="78171e99-aa04-4d93-b476-e6a5ed1a9ed0" providerId="ADAL" clId="{DD5287A3-F799-4952-BDD3-843D6A174400}" dt="2022-03-14T21:23:58.833" v="245" actId="20577"/>
+          <ac:spMkLst>
+            <pc:docMk/>
+            <pc:sldMk cId="3120796684" sldId="288"/>
+            <ac:spMk id="2" creationId="{5D8EEE8B-A7A3-4F5D-8605-387D75C277A8}"/>
+          </ac:spMkLst>
+        </pc:spChg>
+        <pc:spChg chg="mod">
+          <ac:chgData name="Matan Ben-Chorin" userId="78171e99-aa04-4d93-b476-e6a5ed1a9ed0" providerId="ADAL" clId="{DD5287A3-F799-4952-BDD3-843D6A174400}" dt="2022-03-14T21:24:18.844" v="247"/>
+          <ac:spMkLst>
+            <pc:docMk/>
+            <pc:sldMk cId="3120796684" sldId="288"/>
+            <ac:spMk id="8" creationId="{380FCF01-2C6C-4785-8314-4C055AC12B77}"/>
+          </ac:spMkLst>
+        </pc:spChg>
+        <pc:spChg chg="del">
+          <ac:chgData name="Matan Ben-Chorin" userId="78171e99-aa04-4d93-b476-e6a5ed1a9ed0" providerId="ADAL" clId="{DD5287A3-F799-4952-BDD3-843D6A174400}" dt="2022-03-14T21:15:16.510" v="54" actId="478"/>
+          <ac:spMkLst>
+            <pc:docMk/>
+            <pc:sldMk cId="3120796684" sldId="288"/>
+            <ac:spMk id="9" creationId="{A5911B71-C7FE-475C-ADE4-AD3C2244CB50}"/>
+          </ac:spMkLst>
+        </pc:spChg>
+        <pc:picChg chg="del">
+          <ac:chgData name="Matan Ben-Chorin" userId="78171e99-aa04-4d93-b476-e6a5ed1a9ed0" providerId="ADAL" clId="{DD5287A3-F799-4952-BDD3-843D6A174400}" dt="2022-03-14T21:15:14.056" v="53" actId="478"/>
+          <ac:picMkLst>
+            <pc:docMk/>
+            <pc:sldMk cId="3120796684" sldId="288"/>
+            <ac:picMk id="6" creationId="{BE815623-D6A9-454F-88F2-9A7970E27987}"/>
+          </ac:picMkLst>
+        </pc:picChg>
+      </pc:sldChg>
+      <pc:sldChg chg="del">
+        <pc:chgData name="Matan Ben-Chorin" userId="78171e99-aa04-4d93-b476-e6a5ed1a9ed0" providerId="ADAL" clId="{DD5287A3-F799-4952-BDD3-843D6A174400}" dt="2022-03-14T22:53:23.739" v="1361" actId="47"/>
+        <pc:sldMkLst>
+          <pc:docMk/>
+          <pc:sldMk cId="677955986" sldId="289"/>
+        </pc:sldMkLst>
+      </pc:sldChg>
+      <pc:sldChg chg="del">
+        <pc:chgData name="Matan Ben-Chorin" userId="78171e99-aa04-4d93-b476-e6a5ed1a9ed0" providerId="ADAL" clId="{DD5287A3-F799-4952-BDD3-843D6A174400}" dt="2022-03-14T22:53:23.739" v="1361" actId="47"/>
+        <pc:sldMkLst>
+          <pc:docMk/>
+          <pc:sldMk cId="392728045" sldId="290"/>
+        </pc:sldMkLst>
+      </pc:sldChg>
+      <pc:sldChg chg="del">
+        <pc:chgData name="Matan Ben-Chorin" userId="78171e99-aa04-4d93-b476-e6a5ed1a9ed0" providerId="ADAL" clId="{DD5287A3-F799-4952-BDD3-843D6A174400}" dt="2022-03-14T22:53:23.739" v="1361" actId="47"/>
+        <pc:sldMkLst>
+          <pc:docMk/>
+          <pc:sldMk cId="2263177985" sldId="291"/>
+        </pc:sldMkLst>
+      </pc:sldChg>
+      <pc:sldChg chg="del">
+        <pc:chgData name="Matan Ben-Chorin" userId="78171e99-aa04-4d93-b476-e6a5ed1a9ed0" providerId="ADAL" clId="{DD5287A3-F799-4952-BDD3-843D6A174400}" dt="2022-03-14T22:53:23.739" v="1361" actId="47"/>
+        <pc:sldMkLst>
+          <pc:docMk/>
+          <pc:sldMk cId="3477057259" sldId="298"/>
+        </pc:sldMkLst>
+      </pc:sldChg>
+      <pc:sldChg chg="modSp mod">
+        <pc:chgData name="Matan Ben-Chorin" userId="78171e99-aa04-4d93-b476-e6a5ed1a9ed0" providerId="ADAL" clId="{DD5287A3-F799-4952-BDD3-843D6A174400}" dt="2022-03-14T23:52:27.241" v="2093" actId="6549"/>
+        <pc:sldMkLst>
+          <pc:docMk/>
+          <pc:sldMk cId="357147333" sldId="306"/>
+        </pc:sldMkLst>
+        <pc:spChg chg="mod">
+          <ac:chgData name="Matan Ben-Chorin" userId="78171e99-aa04-4d93-b476-e6a5ed1a9ed0" providerId="ADAL" clId="{DD5287A3-F799-4952-BDD3-843D6A174400}" dt="2022-03-14T23:52:27.241" v="2093" actId="6549"/>
+          <ac:spMkLst>
+            <pc:docMk/>
+            <pc:sldMk cId="357147333" sldId="306"/>
+            <ac:spMk id="5" creationId="{6A8B3CA4-4E39-4553-B807-EA701B158AB0}"/>
+          </ac:spMkLst>
+        </pc:spChg>
+      </pc:sldChg>
+      <pc:sldChg chg="addSp delSp modSp mod">
+        <pc:chgData name="Matan Ben-Chorin" userId="78171e99-aa04-4d93-b476-e6a5ed1a9ed0" providerId="ADAL" clId="{DD5287A3-F799-4952-BDD3-843D6A174400}" dt="2022-03-14T23:14:31.178" v="1633" actId="478"/>
+        <pc:sldMkLst>
+          <pc:docMk/>
+          <pc:sldMk cId="3708108423" sldId="308"/>
+        </pc:sldMkLst>
+        <pc:spChg chg="add del mod">
+          <ac:chgData name="Matan Ben-Chorin" userId="78171e99-aa04-4d93-b476-e6a5ed1a9ed0" providerId="ADAL" clId="{DD5287A3-F799-4952-BDD3-843D6A174400}" dt="2022-03-14T23:14:31.178" v="1633" actId="478"/>
+          <ac:spMkLst>
+            <pc:docMk/>
+            <pc:sldMk cId="3708108423" sldId="308"/>
+            <ac:spMk id="6" creationId="{0C9B218B-7DAE-4B76-B9C1-7FF8E173EB82}"/>
+          </ac:spMkLst>
+        </pc:spChg>
+        <pc:spChg chg="add del">
+          <ac:chgData name="Matan Ben-Chorin" userId="78171e99-aa04-4d93-b476-e6a5ed1a9ed0" providerId="ADAL" clId="{DD5287A3-F799-4952-BDD3-843D6A174400}" dt="2022-03-14T23:08:06.679" v="1567" actId="22"/>
+          <ac:spMkLst>
+            <pc:docMk/>
+            <pc:sldMk cId="3708108423" sldId="308"/>
+            <ac:spMk id="7" creationId="{C450029A-5DFB-4B10-A977-323FFC9BB22B}"/>
+          </ac:spMkLst>
+        </pc:spChg>
+        <pc:picChg chg="mod">
+          <ac:chgData name="Matan Ben-Chorin" userId="78171e99-aa04-4d93-b476-e6a5ed1a9ed0" providerId="ADAL" clId="{DD5287A3-F799-4952-BDD3-843D6A174400}" dt="2022-03-14T23:02:14.724" v="1562" actId="1076"/>
+          <ac:picMkLst>
+            <pc:docMk/>
+            <pc:sldMk cId="3708108423" sldId="308"/>
+            <ac:picMk id="1028" creationId="{CF601237-AC30-4D2F-A739-89C7204163F0}"/>
+          </ac:picMkLst>
+        </pc:picChg>
+      </pc:sldChg>
+      <pc:sldChg chg="del">
+        <pc:chgData name="Matan Ben-Chorin" userId="78171e99-aa04-4d93-b476-e6a5ed1a9ed0" providerId="ADAL" clId="{DD5287A3-F799-4952-BDD3-843D6A174400}" dt="2022-03-14T22:53:23.739" v="1361" actId="47"/>
+        <pc:sldMkLst>
+          <pc:docMk/>
+          <pc:sldMk cId="1572865274" sldId="312"/>
+        </pc:sldMkLst>
+      </pc:sldChg>
+      <pc:sldChg chg="del">
+        <pc:chgData name="Matan Ben-Chorin" userId="78171e99-aa04-4d93-b476-e6a5ed1a9ed0" providerId="ADAL" clId="{DD5287A3-F799-4952-BDD3-843D6A174400}" dt="2022-03-14T22:53:23.739" v="1361" actId="47"/>
+        <pc:sldMkLst>
+          <pc:docMk/>
+          <pc:sldMk cId="337720976" sldId="315"/>
+        </pc:sldMkLst>
+      </pc:sldChg>
+      <pc:sldChg chg="del">
+        <pc:chgData name="Matan Ben-Chorin" userId="78171e99-aa04-4d93-b476-e6a5ed1a9ed0" providerId="ADAL" clId="{DD5287A3-F799-4952-BDD3-843D6A174400}" dt="2022-03-14T22:53:23.739" v="1361" actId="47"/>
+        <pc:sldMkLst>
+          <pc:docMk/>
+          <pc:sldMk cId="99991049" sldId="316"/>
+        </pc:sldMkLst>
+      </pc:sldChg>
+      <pc:sldChg chg="del">
+        <pc:chgData name="Matan Ben-Chorin" userId="78171e99-aa04-4d93-b476-e6a5ed1a9ed0" providerId="ADAL" clId="{DD5287A3-F799-4952-BDD3-843D6A174400}" dt="2022-03-14T22:53:23.739" v="1361" actId="47"/>
+        <pc:sldMkLst>
+          <pc:docMk/>
+          <pc:sldMk cId="1567288038" sldId="317"/>
+        </pc:sldMkLst>
+      </pc:sldChg>
+      <pc:sldChg chg="del">
+        <pc:chgData name="Matan Ben-Chorin" userId="78171e99-aa04-4d93-b476-e6a5ed1a9ed0" providerId="ADAL" clId="{DD5287A3-F799-4952-BDD3-843D6A174400}" dt="2022-03-14T22:53:23.739" v="1361" actId="47"/>
+        <pc:sldMkLst>
+          <pc:docMk/>
+          <pc:sldMk cId="1166344669" sldId="318"/>
+        </pc:sldMkLst>
+      </pc:sldChg>
+      <pc:sldChg chg="del">
+        <pc:chgData name="Matan Ben-Chorin" userId="78171e99-aa04-4d93-b476-e6a5ed1a9ed0" providerId="ADAL" clId="{DD5287A3-F799-4952-BDD3-843D6A174400}" dt="2022-03-14T22:53:23.739" v="1361" actId="47"/>
+        <pc:sldMkLst>
+          <pc:docMk/>
+          <pc:sldMk cId="222255727" sldId="319"/>
+        </pc:sldMkLst>
+      </pc:sldChg>
+      <pc:sldChg chg="del">
+        <pc:chgData name="Matan Ben-Chorin" userId="78171e99-aa04-4d93-b476-e6a5ed1a9ed0" providerId="ADAL" clId="{DD5287A3-F799-4952-BDD3-843D6A174400}" dt="2022-03-14T22:53:23.739" v="1361" actId="47"/>
+        <pc:sldMkLst>
+          <pc:docMk/>
+          <pc:sldMk cId="417638705" sldId="320"/>
+        </pc:sldMkLst>
+      </pc:sldChg>
+      <pc:sldChg chg="del">
+        <pc:chgData name="Matan Ben-Chorin" userId="78171e99-aa04-4d93-b476-e6a5ed1a9ed0" providerId="ADAL" clId="{DD5287A3-F799-4952-BDD3-843D6A174400}" dt="2022-03-14T22:53:23.739" v="1361" actId="47"/>
+        <pc:sldMkLst>
+          <pc:docMk/>
+          <pc:sldMk cId="817220700" sldId="321"/>
+        </pc:sldMkLst>
+      </pc:sldChg>
+      <pc:sldChg chg="del">
+        <pc:chgData name="Matan Ben-Chorin" userId="78171e99-aa04-4d93-b476-e6a5ed1a9ed0" providerId="ADAL" clId="{DD5287A3-F799-4952-BDD3-843D6A174400}" dt="2022-03-14T22:53:23.739" v="1361" actId="47"/>
+        <pc:sldMkLst>
+          <pc:docMk/>
+          <pc:sldMk cId="3586442917" sldId="322"/>
+        </pc:sldMkLst>
+      </pc:sldChg>
+      <pc:sldChg chg="del">
+        <pc:chgData name="Matan Ben-Chorin" userId="78171e99-aa04-4d93-b476-e6a5ed1a9ed0" providerId="ADAL" clId="{DD5287A3-F799-4952-BDD3-843D6A174400}" dt="2022-03-14T22:53:23.739" v="1361" actId="47"/>
+        <pc:sldMkLst>
+          <pc:docMk/>
+          <pc:sldMk cId="1216671752" sldId="323"/>
+        </pc:sldMkLst>
+      </pc:sldChg>
+      <pc:sldChg chg="del">
+        <pc:chgData name="Matan Ben-Chorin" userId="78171e99-aa04-4d93-b476-e6a5ed1a9ed0" providerId="ADAL" clId="{DD5287A3-F799-4952-BDD3-843D6A174400}" dt="2022-03-14T22:53:23.739" v="1361" actId="47"/>
+        <pc:sldMkLst>
+          <pc:docMk/>
+          <pc:sldMk cId="2940247428" sldId="324"/>
+        </pc:sldMkLst>
+      </pc:sldChg>
+      <pc:sldChg chg="del">
+        <pc:chgData name="Matan Ben-Chorin" userId="78171e99-aa04-4d93-b476-e6a5ed1a9ed0" providerId="ADAL" clId="{DD5287A3-F799-4952-BDD3-843D6A174400}" dt="2022-03-14T22:53:23.739" v="1361" actId="47"/>
+        <pc:sldMkLst>
+          <pc:docMk/>
+          <pc:sldMk cId="10005671" sldId="325"/>
+        </pc:sldMkLst>
+      </pc:sldChg>
+      <pc:sldChg chg="del">
+        <pc:chgData name="Matan Ben-Chorin" userId="78171e99-aa04-4d93-b476-e6a5ed1a9ed0" providerId="ADAL" clId="{DD5287A3-F799-4952-BDD3-843D6A174400}" dt="2022-03-14T22:53:23.739" v="1361" actId="47"/>
+        <pc:sldMkLst>
+          <pc:docMk/>
+          <pc:sldMk cId="4137144713" sldId="327"/>
+        </pc:sldMkLst>
+      </pc:sldChg>
+      <pc:sldChg chg="del">
+        <pc:chgData name="Matan Ben-Chorin" userId="78171e99-aa04-4d93-b476-e6a5ed1a9ed0" providerId="ADAL" clId="{DD5287A3-F799-4952-BDD3-843D6A174400}" dt="2022-03-14T22:53:23.739" v="1361" actId="47"/>
+        <pc:sldMkLst>
+          <pc:docMk/>
+          <pc:sldMk cId="2220029861" sldId="328"/>
+        </pc:sldMkLst>
+      </pc:sldChg>
+      <pc:sldChg chg="addSp delSp modSp new mod">
+        <pc:chgData name="Matan Ben-Chorin" userId="78171e99-aa04-4d93-b476-e6a5ed1a9ed0" providerId="ADAL" clId="{DD5287A3-F799-4952-BDD3-843D6A174400}" dt="2022-03-14T21:28:49.610" v="336" actId="20577"/>
+        <pc:sldMkLst>
+          <pc:docMk/>
+          <pc:sldMk cId="204929761" sldId="329"/>
+        </pc:sldMkLst>
+        <pc:spChg chg="mod">
+          <ac:chgData name="Matan Ben-Chorin" userId="78171e99-aa04-4d93-b476-e6a5ed1a9ed0" providerId="ADAL" clId="{DD5287A3-F799-4952-BDD3-843D6A174400}" dt="2022-03-14T21:25:24.690" v="268" actId="255"/>
+          <ac:spMkLst>
+            <pc:docMk/>
+            <pc:sldMk cId="204929761" sldId="329"/>
+            <ac:spMk id="2" creationId="{5AF65BF0-4731-48AD-991F-EF4576B0C65F}"/>
+          </ac:spMkLst>
+        </pc:spChg>
+        <pc:spChg chg="mod">
+          <ac:chgData name="Matan Ben-Chorin" userId="78171e99-aa04-4d93-b476-e6a5ed1a9ed0" providerId="ADAL" clId="{DD5287A3-F799-4952-BDD3-843D6A174400}" dt="2022-03-14T21:28:49.610" v="336" actId="20577"/>
+          <ac:spMkLst>
+            <pc:docMk/>
+            <pc:sldMk cId="204929761" sldId="329"/>
+            <ac:spMk id="3" creationId="{E8EBFDBB-7724-40B1-9B49-4DD0323A3F1A}"/>
+          </ac:spMkLst>
+        </pc:spChg>
+        <pc:spChg chg="add mod">
+          <ac:chgData name="Matan Ben-Chorin" userId="78171e99-aa04-4d93-b476-e6a5ed1a9ed0" providerId="ADAL" clId="{DD5287A3-F799-4952-BDD3-843D6A174400}" dt="2022-03-14T21:25:36.742" v="271" actId="20577"/>
+          <ac:spMkLst>
+            <pc:docMk/>
+            <pc:sldMk cId="204929761" sldId="329"/>
+            <ac:spMk id="4" creationId="{C0ECC607-DD14-4B80-8AD6-94DA55DCB868}"/>
+          </ac:spMkLst>
+        </pc:spChg>
+        <pc:spChg chg="add del mod">
+          <ac:chgData name="Matan Ben-Chorin" userId="78171e99-aa04-4d93-b476-e6a5ed1a9ed0" providerId="ADAL" clId="{DD5287A3-F799-4952-BDD3-843D6A174400}" dt="2022-03-14T21:25:27.833" v="269" actId="478"/>
+          <ac:spMkLst>
+            <pc:docMk/>
+            <pc:sldMk cId="204929761" sldId="329"/>
+            <ac:spMk id="6" creationId="{3FC07648-E711-46B5-9361-4AB5D3EE8884}"/>
+          </ac:spMkLst>
+        </pc:spChg>
+      </pc:sldChg>
+      <pc:sldChg chg="modSp add mod">
+        <pc:chgData name="Matan Ben-Chorin" userId="78171e99-aa04-4d93-b476-e6a5ed1a9ed0" providerId="ADAL" clId="{DD5287A3-F799-4952-BDD3-843D6A174400}" dt="2022-03-14T21:24:33.602" v="250" actId="20577"/>
+        <pc:sldMkLst>
+          <pc:docMk/>
+          <pc:sldMk cId="2406974288" sldId="330"/>
+        </pc:sldMkLst>
+        <pc:spChg chg="mod">
+          <ac:chgData name="Matan Ben-Chorin" userId="78171e99-aa04-4d93-b476-e6a5ed1a9ed0" providerId="ADAL" clId="{DD5287A3-F799-4952-BDD3-843D6A174400}" dt="2022-03-14T21:24:28.106" v="248" actId="20577"/>
+          <ac:spMkLst>
+            <pc:docMk/>
+            <pc:sldMk cId="2406974288" sldId="330"/>
+            <ac:spMk id="2" creationId="{5D8EEE8B-A7A3-4F5D-8605-387D75C277A8}"/>
+          </ac:spMkLst>
+        </pc:spChg>
+        <pc:spChg chg="mod">
+          <ac:chgData name="Matan Ben-Chorin" userId="78171e99-aa04-4d93-b476-e6a5ed1a9ed0" providerId="ADAL" clId="{DD5287A3-F799-4952-BDD3-843D6A174400}" dt="2022-03-14T21:24:33.602" v="250" actId="20577"/>
+          <ac:spMkLst>
+            <pc:docMk/>
+            <pc:sldMk cId="2406974288" sldId="330"/>
+            <ac:spMk id="8" creationId="{380FCF01-2C6C-4785-8314-4C055AC12B77}"/>
+          </ac:spMkLst>
+        </pc:spChg>
+      </pc:sldChg>
+      <pc:sldChg chg="addSp delSp modSp add mod ord">
+        <pc:chgData name="Matan Ben-Chorin" userId="78171e99-aa04-4d93-b476-e6a5ed1a9ed0" providerId="ADAL" clId="{DD5287A3-F799-4952-BDD3-843D6A174400}" dt="2022-03-14T22:50:38.533" v="1344" actId="20577"/>
+        <pc:sldMkLst>
+          <pc:docMk/>
+          <pc:sldMk cId="2017518568" sldId="331"/>
+        </pc:sldMkLst>
+        <pc:spChg chg="del">
+          <ac:chgData name="Matan Ben-Chorin" userId="78171e99-aa04-4d93-b476-e6a5ed1a9ed0" providerId="ADAL" clId="{DD5287A3-F799-4952-BDD3-843D6A174400}" dt="2022-03-14T22:26:45.121" v="1071" actId="478"/>
+          <ac:spMkLst>
+            <pc:docMk/>
+            <pc:sldMk cId="2017518568" sldId="331"/>
+            <ac:spMk id="3" creationId="{E8EBFDBB-7724-40B1-9B49-4DD0323A3F1A}"/>
+          </ac:spMkLst>
+        </pc:spChg>
+        <pc:spChg chg="mod">
+          <ac:chgData name="Matan Ben-Chorin" userId="78171e99-aa04-4d93-b476-e6a5ed1a9ed0" providerId="ADAL" clId="{DD5287A3-F799-4952-BDD3-843D6A174400}" dt="2022-03-14T22:50:38.533" v="1344" actId="20577"/>
+          <ac:spMkLst>
+            <pc:docMk/>
+            <pc:sldMk cId="2017518568" sldId="331"/>
+            <ac:spMk id="4" creationId="{C0ECC607-DD14-4B80-8AD6-94DA55DCB868}"/>
+          </ac:spMkLst>
+        </pc:spChg>
+        <pc:spChg chg="add del mod">
+          <ac:chgData name="Matan Ben-Chorin" userId="78171e99-aa04-4d93-b476-e6a5ed1a9ed0" providerId="ADAL" clId="{DD5287A3-F799-4952-BDD3-843D6A174400}" dt="2022-03-14T22:26:47.141" v="1072" actId="478"/>
+          <ac:spMkLst>
+            <pc:docMk/>
+            <pc:sldMk cId="2017518568" sldId="331"/>
+            <ac:spMk id="6" creationId="{327FD2ED-104E-4159-879F-10AD748C63FD}"/>
+          </ac:spMkLst>
+        </pc:spChg>
+      </pc:sldChg>
+      <pc:sldChg chg="modSp add del mod ord">
+        <pc:chgData name="Matan Ben-Chorin" userId="78171e99-aa04-4d93-b476-e6a5ed1a9ed0" providerId="ADAL" clId="{DD5287A3-F799-4952-BDD3-843D6A174400}" dt="2022-03-14T22:25:57.784" v="1058" actId="2696"/>
+        <pc:sldMkLst>
+          <pc:docMk/>
+          <pc:sldMk cId="4044461498" sldId="331"/>
+        </pc:sldMkLst>
+        <pc:spChg chg="mod">
+          <ac:chgData name="Matan Ben-Chorin" userId="78171e99-aa04-4d93-b476-e6a5ed1a9ed0" providerId="ADAL" clId="{DD5287A3-F799-4952-BDD3-843D6A174400}" dt="2022-03-14T22:25:33.692" v="1053" actId="27636"/>
+          <ac:spMkLst>
+            <pc:docMk/>
+            <pc:sldMk cId="4044461498" sldId="331"/>
+            <ac:spMk id="2" creationId="{5AF65BF0-4731-48AD-991F-EF4576B0C65F}"/>
+          </ac:spMkLst>
+        </pc:spChg>
+        <pc:spChg chg="mod">
+          <ac:chgData name="Matan Ben-Chorin" userId="78171e99-aa04-4d93-b476-e6a5ed1a9ed0" providerId="ADAL" clId="{DD5287A3-F799-4952-BDD3-843D6A174400}" dt="2022-03-14T22:25:43.133" v="1054" actId="6549"/>
+          <ac:spMkLst>
+            <pc:docMk/>
+            <pc:sldMk cId="4044461498" sldId="331"/>
+            <ac:spMk id="3" creationId="{E8EBFDBB-7724-40B1-9B49-4DD0323A3F1A}"/>
+          </ac:spMkLst>
+        </pc:spChg>
+        <pc:spChg chg="mod">
+          <ac:chgData name="Matan Ben-Chorin" userId="78171e99-aa04-4d93-b476-e6a5ed1a9ed0" providerId="ADAL" clId="{DD5287A3-F799-4952-BDD3-843D6A174400}" dt="2022-03-14T22:25:44.469" v="1055" actId="6549"/>
+          <ac:spMkLst>
+            <pc:docMk/>
+            <pc:sldMk cId="4044461498" sldId="331"/>
+            <ac:spMk id="4" creationId="{C0ECC607-DD14-4B80-8AD6-94DA55DCB868}"/>
+          </ac:spMkLst>
+        </pc:spChg>
+      </pc:sldChg>
+      <pc:sldChg chg="addSp delSp modSp add mod">
+        <pc:chgData name="Matan Ben-Chorin" userId="78171e99-aa04-4d93-b476-e6a5ed1a9ed0" providerId="ADAL" clId="{DD5287A3-F799-4952-BDD3-843D6A174400}" dt="2022-03-14T22:23:06.526" v="1028" actId="5793"/>
+        <pc:sldMkLst>
+          <pc:docMk/>
+          <pc:sldMk cId="1808191184" sldId="332"/>
+        </pc:sldMkLst>
+        <pc:spChg chg="del">
+          <ac:chgData name="Matan Ben-Chorin" userId="78171e99-aa04-4d93-b476-e6a5ed1a9ed0" providerId="ADAL" clId="{DD5287A3-F799-4952-BDD3-843D6A174400}" dt="2022-03-14T21:32:55.427" v="399" actId="478"/>
+          <ac:spMkLst>
+            <pc:docMk/>
+            <pc:sldMk cId="1808191184" sldId="332"/>
+            <ac:spMk id="3" creationId="{E8EBFDBB-7724-40B1-9B49-4DD0323A3F1A}"/>
+          </ac:spMkLst>
+        </pc:spChg>
+        <pc:spChg chg="mod">
+          <ac:chgData name="Matan Ben-Chorin" userId="78171e99-aa04-4d93-b476-e6a5ed1a9ed0" providerId="ADAL" clId="{DD5287A3-F799-4952-BDD3-843D6A174400}" dt="2022-03-14T22:23:06.526" v="1028" actId="5793"/>
+          <ac:spMkLst>
+            <pc:docMk/>
+            <pc:sldMk cId="1808191184" sldId="332"/>
+            <ac:spMk id="4" creationId="{C0ECC607-DD14-4B80-8AD6-94DA55DCB868}"/>
+          </ac:spMkLst>
+        </pc:spChg>
+        <pc:spChg chg="add del mod">
+          <ac:chgData name="Matan Ben-Chorin" userId="78171e99-aa04-4d93-b476-e6a5ed1a9ed0" providerId="ADAL" clId="{DD5287A3-F799-4952-BDD3-843D6A174400}" dt="2022-03-14T21:32:58.113" v="400" actId="478"/>
+          <ac:spMkLst>
+            <pc:docMk/>
+            <pc:sldMk cId="1808191184" sldId="332"/>
+            <ac:spMk id="6" creationId="{07C20B1F-4366-49BF-A260-86516A700CB1}"/>
+          </ac:spMkLst>
+        </pc:spChg>
+      </pc:sldChg>
+      <pc:sldChg chg="add del">
+        <pc:chgData name="Matan Ben-Chorin" userId="78171e99-aa04-4d93-b476-e6a5ed1a9ed0" providerId="ADAL" clId="{DD5287A3-F799-4952-BDD3-843D6A174400}" dt="2022-03-14T21:31:39.310" v="368" actId="2890"/>
+        <pc:sldMkLst>
+          <pc:docMk/>
+          <pc:sldMk cId="2450909046" sldId="332"/>
+        </pc:sldMkLst>
+      </pc:sldChg>
+      <pc:sldChg chg="modSp add mod">
+        <pc:chgData name="Matan Ben-Chorin" userId="78171e99-aa04-4d93-b476-e6a5ed1a9ed0" providerId="ADAL" clId="{DD5287A3-F799-4952-BDD3-843D6A174400}" dt="2022-03-14T22:23:17.638" v="1032" actId="20577"/>
+        <pc:sldMkLst>
+          <pc:docMk/>
+          <pc:sldMk cId="4148277621" sldId="333"/>
+        </pc:sldMkLst>
+        <pc:spChg chg="mod">
+          <ac:chgData name="Matan Ben-Chorin" userId="78171e99-aa04-4d93-b476-e6a5ed1a9ed0" providerId="ADAL" clId="{DD5287A3-F799-4952-BDD3-843D6A174400}" dt="2022-03-14T22:23:17.638" v="1032" actId="20577"/>
+          <ac:spMkLst>
+            <pc:docMk/>
+            <pc:sldMk cId="4148277621" sldId="333"/>
+            <ac:spMk id="4" creationId="{C0ECC607-DD14-4B80-8AD6-94DA55DCB868}"/>
+          </ac:spMkLst>
+        </pc:spChg>
+      </pc:sldChg>
+      <pc:sldChg chg="addSp delSp modSp add mod">
+        <pc:chgData name="Matan Ben-Chorin" userId="78171e99-aa04-4d93-b476-e6a5ed1a9ed0" providerId="ADAL" clId="{DD5287A3-F799-4952-BDD3-843D6A174400}" dt="2022-03-14T22:23:46.054" v="1040" actId="5793"/>
+        <pc:sldMkLst>
+          <pc:docMk/>
+          <pc:sldMk cId="1085546348" sldId="334"/>
+        </pc:sldMkLst>
+        <pc:spChg chg="mod">
+          <ac:chgData name="Matan Ben-Chorin" userId="78171e99-aa04-4d93-b476-e6a5ed1a9ed0" providerId="ADAL" clId="{DD5287A3-F799-4952-BDD3-843D6A174400}" dt="2022-03-14T22:23:46.054" v="1040" actId="5793"/>
+          <ac:spMkLst>
+            <pc:docMk/>
+            <pc:sldMk cId="1085546348" sldId="334"/>
+            <ac:spMk id="4" creationId="{C0ECC607-DD14-4B80-8AD6-94DA55DCB868}"/>
+          </ac:spMkLst>
+        </pc:spChg>
+        <pc:picChg chg="add mod modCrop">
+          <ac:chgData name="Matan Ben-Chorin" userId="78171e99-aa04-4d93-b476-e6a5ed1a9ed0" providerId="ADAL" clId="{DD5287A3-F799-4952-BDD3-843D6A174400}" dt="2022-03-14T21:54:41.465" v="635" actId="1076"/>
+          <ac:picMkLst>
+            <pc:docMk/>
+            <pc:sldMk cId="1085546348" sldId="334"/>
+            <ac:picMk id="5" creationId="{8F823C03-3983-4F89-AFB8-649032314A61}"/>
+          </ac:picMkLst>
+        </pc:picChg>
+        <pc:picChg chg="add del mod modCrop">
+          <ac:chgData name="Matan Ben-Chorin" userId="78171e99-aa04-4d93-b476-e6a5ed1a9ed0" providerId="ADAL" clId="{DD5287A3-F799-4952-BDD3-843D6A174400}" dt="2022-03-14T21:55:11.454" v="644" actId="478"/>
+          <ac:picMkLst>
+            <pc:docMk/>
+            <pc:sldMk cId="1085546348" sldId="334"/>
+            <ac:picMk id="7" creationId="{8A94F3C5-3926-49DB-BBD9-B49CC608D557}"/>
+          </ac:picMkLst>
+        </pc:picChg>
+        <pc:picChg chg="add mod">
+          <ac:chgData name="Matan Ben-Chorin" userId="78171e99-aa04-4d93-b476-e6a5ed1a9ed0" providerId="ADAL" clId="{DD5287A3-F799-4952-BDD3-843D6A174400}" dt="2022-03-14T21:55:56.967" v="652" actId="1440"/>
+          <ac:picMkLst>
+            <pc:docMk/>
+            <pc:sldMk cId="1085546348" sldId="334"/>
+            <ac:picMk id="9" creationId="{499BF83F-F7DA-48FD-88C0-399764784A01}"/>
+          </ac:picMkLst>
+        </pc:picChg>
+      </pc:sldChg>
+      <pc:sldChg chg="addSp delSp modSp add mod">
+        <pc:chgData name="Matan Ben-Chorin" userId="78171e99-aa04-4d93-b476-e6a5ed1a9ed0" providerId="ADAL" clId="{DD5287A3-F799-4952-BDD3-843D6A174400}" dt="2022-03-14T22:23:43.479" v="1039" actId="5793"/>
+        <pc:sldMkLst>
+          <pc:docMk/>
+          <pc:sldMk cId="3010324051" sldId="335"/>
+        </pc:sldMkLst>
+        <pc:spChg chg="mod">
+          <ac:chgData name="Matan Ben-Chorin" userId="78171e99-aa04-4d93-b476-e6a5ed1a9ed0" providerId="ADAL" clId="{DD5287A3-F799-4952-BDD3-843D6A174400}" dt="2022-03-14T22:23:43.479" v="1039" actId="5793"/>
+          <ac:spMkLst>
+            <pc:docMk/>
+            <pc:sldMk cId="3010324051" sldId="335"/>
+            <ac:spMk id="4" creationId="{C0ECC607-DD14-4B80-8AD6-94DA55DCB868}"/>
+          </ac:spMkLst>
+        </pc:spChg>
+        <pc:spChg chg="add mod">
+          <ac:chgData name="Matan Ben-Chorin" userId="78171e99-aa04-4d93-b476-e6a5ed1a9ed0" providerId="ADAL" clId="{DD5287A3-F799-4952-BDD3-843D6A174400}" dt="2022-03-14T22:02:31.956" v="700" actId="208"/>
+          <ac:spMkLst>
+            <pc:docMk/>
+            <pc:sldMk cId="3010324051" sldId="335"/>
+            <ac:spMk id="7" creationId="{249978B1-9EF2-4410-9B18-FF13B3229C30}"/>
+          </ac:spMkLst>
+        </pc:spChg>
+        <pc:spChg chg="add mod">
+          <ac:chgData name="Matan Ben-Chorin" userId="78171e99-aa04-4d93-b476-e6a5ed1a9ed0" providerId="ADAL" clId="{DD5287A3-F799-4952-BDD3-843D6A174400}" dt="2022-03-14T22:02:23.894" v="697" actId="208"/>
+          <ac:spMkLst>
+            <pc:docMk/>
+            <pc:sldMk cId="3010324051" sldId="335"/>
+            <ac:spMk id="10" creationId="{92BCD9A8-EFAA-4F50-BBCE-75114B4A864B}"/>
+          </ac:spMkLst>
+        </pc:spChg>
+        <pc:spChg chg="add mod">
+          <ac:chgData name="Matan Ben-Chorin" userId="78171e99-aa04-4d93-b476-e6a5ed1a9ed0" providerId="ADAL" clId="{DD5287A3-F799-4952-BDD3-843D6A174400}" dt="2022-03-14T22:02:18.401" v="696" actId="208"/>
+          <ac:spMkLst>
+            <pc:docMk/>
+            <pc:sldMk cId="3010324051" sldId="335"/>
+            <ac:spMk id="11" creationId="{C122B03D-D3AB-4987-8ECE-7DB1B68651EC}"/>
+          </ac:spMkLst>
+        </pc:spChg>
+        <pc:spChg chg="add mod">
+          <ac:chgData name="Matan Ben-Chorin" userId="78171e99-aa04-4d93-b476-e6a5ed1a9ed0" providerId="ADAL" clId="{DD5287A3-F799-4952-BDD3-843D6A174400}" dt="2022-03-14T22:02:04.530" v="693" actId="1076"/>
+          <ac:spMkLst>
+            <pc:docMk/>
+            <pc:sldMk cId="3010324051" sldId="335"/>
+            <ac:spMk id="12" creationId="{78FAC1D8-ECAC-43E9-B375-AF337C0E8A99}"/>
+          </ac:spMkLst>
+        </pc:spChg>
+        <pc:spChg chg="add mod">
+          <ac:chgData name="Matan Ben-Chorin" userId="78171e99-aa04-4d93-b476-e6a5ed1a9ed0" providerId="ADAL" clId="{DD5287A3-F799-4952-BDD3-843D6A174400}" dt="2022-03-14T22:01:57.489" v="691" actId="571"/>
+          <ac:spMkLst>
+            <pc:docMk/>
+            <pc:sldMk cId="3010324051" sldId="335"/>
+            <ac:spMk id="13" creationId="{223AAADB-0DEA-4E84-B376-E4AE8EDD8523}"/>
+          </ac:spMkLst>
+        </pc:spChg>
+        <pc:spChg chg="add mod">
+          <ac:chgData name="Matan Ben-Chorin" userId="78171e99-aa04-4d93-b476-e6a5ed1a9ed0" providerId="ADAL" clId="{DD5287A3-F799-4952-BDD3-843D6A174400}" dt="2022-03-14T22:01:59.255" v="692" actId="571"/>
+          <ac:spMkLst>
+            <pc:docMk/>
+            <pc:sldMk cId="3010324051" sldId="335"/>
+            <ac:spMk id="14" creationId="{E0A92724-BEDC-4864-9225-6B5CA57AE13B}"/>
+          </ac:spMkLst>
+        </pc:spChg>
+        <pc:spChg chg="add mod">
+          <ac:chgData name="Matan Ben-Chorin" userId="78171e99-aa04-4d93-b476-e6a5ed1a9ed0" providerId="ADAL" clId="{DD5287A3-F799-4952-BDD3-843D6A174400}" dt="2022-03-14T22:02:42.499" v="702" actId="14100"/>
+          <ac:spMkLst>
+            <pc:docMk/>
+            <pc:sldMk cId="3010324051" sldId="335"/>
+            <ac:spMk id="15" creationId="{C4C93205-3A40-4FD6-BE56-829B7BBD95E8}"/>
+          </ac:spMkLst>
+        </pc:spChg>
+        <pc:spChg chg="add mod">
+          <ac:chgData name="Matan Ben-Chorin" userId="78171e99-aa04-4d93-b476-e6a5ed1a9ed0" providerId="ADAL" clId="{DD5287A3-F799-4952-BDD3-843D6A174400}" dt="2022-03-14T22:03:41.362" v="715" actId="368"/>
+          <ac:spMkLst>
+            <pc:docMk/>
+            <pc:sldMk cId="3010324051" sldId="335"/>
+            <ac:spMk id="16" creationId="{FD555DA4-409B-4F1E-9C58-B9D49094362E}"/>
+          </ac:spMkLst>
+        </pc:spChg>
+        <pc:picChg chg="del">
+          <ac:chgData name="Matan Ben-Chorin" userId="78171e99-aa04-4d93-b476-e6a5ed1a9ed0" providerId="ADAL" clId="{DD5287A3-F799-4952-BDD3-843D6A174400}" dt="2022-03-14T21:56:13.390" v="654" actId="478"/>
+          <ac:picMkLst>
+            <pc:docMk/>
+            <pc:sldMk cId="3010324051" sldId="335"/>
+            <ac:picMk id="5" creationId="{8F823C03-3983-4F89-AFB8-649032314A61}"/>
+          </ac:picMkLst>
+        </pc:picChg>
+        <pc:picChg chg="add mod">
+          <ac:chgData name="Matan Ben-Chorin" userId="78171e99-aa04-4d93-b476-e6a5ed1a9ed0" providerId="ADAL" clId="{DD5287A3-F799-4952-BDD3-843D6A174400}" dt="2022-03-14T22:02:27.777" v="699" actId="1076"/>
+          <ac:picMkLst>
+            <pc:docMk/>
+            <pc:sldMk cId="3010324051" sldId="335"/>
+            <ac:picMk id="6" creationId="{7946D01B-5C1D-4D24-936E-FFF048FC426C}"/>
+          </ac:picMkLst>
+        </pc:picChg>
+        <pc:picChg chg="mod">
+          <ac:chgData name="Matan Ben-Chorin" userId="78171e99-aa04-4d93-b476-e6a5ed1a9ed0" providerId="ADAL" clId="{DD5287A3-F799-4952-BDD3-843D6A174400}" dt="2022-03-14T21:56:16.463" v="656" actId="1076"/>
+          <ac:picMkLst>
+            <pc:docMk/>
+            <pc:sldMk cId="3010324051" sldId="335"/>
+            <ac:picMk id="9" creationId="{499BF83F-F7DA-48FD-88C0-399764784A01}"/>
+          </ac:picMkLst>
+        </pc:picChg>
+      </pc:sldChg>
+      <pc:sldChg chg="addSp delSp modSp add mod">
+        <pc:chgData name="Matan Ben-Chorin" userId="78171e99-aa04-4d93-b476-e6a5ed1a9ed0" providerId="ADAL" clId="{DD5287A3-F799-4952-BDD3-843D6A174400}" dt="2022-03-14T22:23:51.119" v="1044" actId="20577"/>
+        <pc:sldMkLst>
+          <pc:docMk/>
+          <pc:sldMk cId="3665471513" sldId="336"/>
+        </pc:sldMkLst>
+        <pc:spChg chg="mod">
+          <ac:chgData name="Matan Ben-Chorin" userId="78171e99-aa04-4d93-b476-e6a5ed1a9ed0" providerId="ADAL" clId="{DD5287A3-F799-4952-BDD3-843D6A174400}" dt="2022-03-14T22:23:51.119" v="1044" actId="20577"/>
+          <ac:spMkLst>
+            <pc:docMk/>
+            <pc:sldMk cId="3665471513" sldId="336"/>
+            <ac:spMk id="4" creationId="{C0ECC607-DD14-4B80-8AD6-94DA55DCB868}"/>
+          </ac:spMkLst>
+        </pc:spChg>
+        <pc:spChg chg="add mod">
+          <ac:chgData name="Matan Ben-Chorin" userId="78171e99-aa04-4d93-b476-e6a5ed1a9ed0" providerId="ADAL" clId="{DD5287A3-F799-4952-BDD3-843D6A174400}" dt="2022-03-14T22:05:22.372" v="754" actId="1076"/>
+          <ac:spMkLst>
+            <pc:docMk/>
+            <pc:sldMk cId="3665471513" sldId="336"/>
+            <ac:spMk id="10" creationId="{E42B4714-1690-4CB2-9E63-C5706C20F01C}"/>
+          </ac:spMkLst>
+        </pc:spChg>
+        <pc:picChg chg="add mod">
+          <ac:chgData name="Matan Ben-Chorin" userId="78171e99-aa04-4d93-b476-e6a5ed1a9ed0" providerId="ADAL" clId="{DD5287A3-F799-4952-BDD3-843D6A174400}" dt="2022-03-14T22:05:00.081" v="750" actId="1440"/>
+          <ac:picMkLst>
+            <pc:docMk/>
+            <pc:sldMk cId="3665471513" sldId="336"/>
+            <ac:picMk id="5" creationId="{0106DD6D-1DCA-4E6C-97DC-5ADE1FDA8717}"/>
+          </ac:picMkLst>
+        </pc:picChg>
+        <pc:picChg chg="mod">
+          <ac:chgData name="Matan Ben-Chorin" userId="78171e99-aa04-4d93-b476-e6a5ed1a9ed0" providerId="ADAL" clId="{DD5287A3-F799-4952-BDD3-843D6A174400}" dt="2022-03-14T22:03:56.227" v="717" actId="1076"/>
+          <ac:picMkLst>
+            <pc:docMk/>
+            <pc:sldMk cId="3665471513" sldId="336"/>
+            <ac:picMk id="6" creationId="{7946D01B-5C1D-4D24-936E-FFF048FC426C}"/>
+          </ac:picMkLst>
+        </pc:picChg>
+        <pc:picChg chg="add del">
+          <ac:chgData name="Matan Ben-Chorin" userId="78171e99-aa04-4d93-b476-e6a5ed1a9ed0" providerId="ADAL" clId="{DD5287A3-F799-4952-BDD3-843D6A174400}" dt="2022-03-14T22:05:14.951" v="752" actId="22"/>
+          <ac:picMkLst>
+            <pc:docMk/>
+            <pc:sldMk cId="3665471513" sldId="336"/>
+            <ac:picMk id="8" creationId="{6D0FC15F-BD0B-4BEB-88E0-3C9FCC288A61}"/>
+          </ac:picMkLst>
+        </pc:picChg>
+        <pc:picChg chg="del">
+          <ac:chgData name="Matan Ben-Chorin" userId="78171e99-aa04-4d93-b476-e6a5ed1a9ed0" providerId="ADAL" clId="{DD5287A3-F799-4952-BDD3-843D6A174400}" dt="2022-03-14T22:03:53.591" v="716" actId="478"/>
+          <ac:picMkLst>
+            <pc:docMk/>
+            <pc:sldMk cId="3665471513" sldId="336"/>
+            <ac:picMk id="9" creationId="{499BF83F-F7DA-48FD-88C0-399764784A01}"/>
+          </ac:picMkLst>
+        </pc:picChg>
+      </pc:sldChg>
+      <pc:sldChg chg="addSp delSp modSp add mod">
+        <pc:chgData name="Matan Ben-Chorin" userId="78171e99-aa04-4d93-b476-e6a5ed1a9ed0" providerId="ADAL" clId="{DD5287A3-F799-4952-BDD3-843D6A174400}" dt="2022-03-14T22:23:54.798" v="1048" actId="20577"/>
+        <pc:sldMkLst>
+          <pc:docMk/>
+          <pc:sldMk cId="1314939523" sldId="337"/>
+        </pc:sldMkLst>
+        <pc:spChg chg="mod">
+          <ac:chgData name="Matan Ben-Chorin" userId="78171e99-aa04-4d93-b476-e6a5ed1a9ed0" providerId="ADAL" clId="{DD5287A3-F799-4952-BDD3-843D6A174400}" dt="2022-03-14T22:10:41.682" v="784" actId="21"/>
+          <ac:spMkLst>
+            <pc:docMk/>
+            <pc:sldMk cId="1314939523" sldId="337"/>
+            <ac:spMk id="2" creationId="{5AF65BF0-4731-48AD-991F-EF4576B0C65F}"/>
+          </ac:spMkLst>
+        </pc:spChg>
+        <pc:spChg chg="mod">
+          <ac:chgData name="Matan Ben-Chorin" userId="78171e99-aa04-4d93-b476-e6a5ed1a9ed0" providerId="ADAL" clId="{DD5287A3-F799-4952-BDD3-843D6A174400}" dt="2022-03-14T22:23:54.798" v="1048" actId="20577"/>
+          <ac:spMkLst>
+            <pc:docMk/>
+            <pc:sldMk cId="1314939523" sldId="337"/>
+            <ac:spMk id="4" creationId="{C0ECC607-DD14-4B80-8AD6-94DA55DCB868}"/>
+          </ac:spMkLst>
+        </pc:spChg>
+        <pc:spChg chg="del">
+          <ac:chgData name="Matan Ben-Chorin" userId="78171e99-aa04-4d93-b476-e6a5ed1a9ed0" providerId="ADAL" clId="{DD5287A3-F799-4952-BDD3-843D6A174400}" dt="2022-03-14T22:06:49.262" v="759" actId="478"/>
+          <ac:spMkLst>
+            <pc:docMk/>
+            <pc:sldMk cId="1314939523" sldId="337"/>
+            <ac:spMk id="10" creationId="{E42B4714-1690-4CB2-9E63-C5706C20F01C}"/>
+          </ac:spMkLst>
+        </pc:spChg>
+        <pc:picChg chg="del mod">
+          <ac:chgData name="Matan Ben-Chorin" userId="78171e99-aa04-4d93-b476-e6a5ed1a9ed0" providerId="ADAL" clId="{DD5287A3-F799-4952-BDD3-843D6A174400}" dt="2022-03-14T22:09:39.071" v="773" actId="478"/>
+          <ac:picMkLst>
+            <pc:docMk/>
+            <pc:sldMk cId="1314939523" sldId="337"/>
+            <ac:picMk id="5" creationId="{0106DD6D-1DCA-4E6C-97DC-5ADE1FDA8717}"/>
+          </ac:picMkLst>
+        </pc:picChg>
+        <pc:picChg chg="del">
+          <ac:chgData name="Matan Ben-Chorin" userId="78171e99-aa04-4d93-b476-e6a5ed1a9ed0" providerId="ADAL" clId="{DD5287A3-F799-4952-BDD3-843D6A174400}" dt="2022-03-14T22:06:46.110" v="757" actId="478"/>
+          <ac:picMkLst>
+            <pc:docMk/>
+            <pc:sldMk cId="1314939523" sldId="337"/>
+            <ac:picMk id="6" creationId="{7946D01B-5C1D-4D24-936E-FFF048FC426C}"/>
+          </ac:picMkLst>
+        </pc:picChg>
+        <pc:picChg chg="add del mod">
+          <ac:chgData name="Matan Ben-Chorin" userId="78171e99-aa04-4d93-b476-e6a5ed1a9ed0" providerId="ADAL" clId="{DD5287A3-F799-4952-BDD3-843D6A174400}" dt="2022-03-14T22:09:02.413" v="768" actId="478"/>
+          <ac:picMkLst>
+            <pc:docMk/>
+            <pc:sldMk cId="1314939523" sldId="337"/>
+            <ac:picMk id="7" creationId="{59ADF591-8B25-41CE-9A53-1B6427B32291}"/>
+          </ac:picMkLst>
+        </pc:picChg>
+        <pc:picChg chg="add mod">
+          <ac:chgData name="Matan Ben-Chorin" userId="78171e99-aa04-4d93-b476-e6a5ed1a9ed0" providerId="ADAL" clId="{DD5287A3-F799-4952-BDD3-843D6A174400}" dt="2022-03-14T22:09:44.601" v="775" actId="1076"/>
+          <ac:picMkLst>
+            <pc:docMk/>
+            <pc:sldMk cId="1314939523" sldId="337"/>
+            <ac:picMk id="9" creationId="{F14DE895-CFB8-4109-A6FB-EC9116D383A3}"/>
+          </ac:picMkLst>
+        </pc:picChg>
+        <pc:picChg chg="add mod">
+          <ac:chgData name="Matan Ben-Chorin" userId="78171e99-aa04-4d93-b476-e6a5ed1a9ed0" providerId="ADAL" clId="{DD5287A3-F799-4952-BDD3-843D6A174400}" dt="2022-03-14T22:10:05.380" v="781" actId="1440"/>
+          <ac:picMkLst>
+            <pc:docMk/>
+            <pc:sldMk cId="1314939523" sldId="337"/>
+            <ac:picMk id="12" creationId="{942FA563-1965-46B1-848F-E6E606693E05}"/>
+          </ac:picMkLst>
+        </pc:picChg>
+      </pc:sldChg>
+      <pc:sldChg chg="add">
+        <pc:chgData name="Matan Ben-Chorin" userId="78171e99-aa04-4d93-b476-e6a5ed1a9ed0" providerId="ADAL" clId="{DD5287A3-F799-4952-BDD3-843D6A174400}" dt="2022-03-14T22:25:22.007" v="1049"/>
+        <pc:sldMkLst>
+          <pc:docMk/>
+          <pc:sldMk cId="1398813457" sldId="338"/>
+        </pc:sldMkLst>
+      </pc:sldChg>
+      <pc:sldChg chg="new del">
+        <pc:chgData name="Matan Ben-Chorin" userId="78171e99-aa04-4d93-b476-e6a5ed1a9ed0" providerId="ADAL" clId="{DD5287A3-F799-4952-BDD3-843D6A174400}" dt="2022-03-14T22:28:50.807" v="1100" actId="47"/>
+        <pc:sldMkLst>
+          <pc:docMk/>
+          <pc:sldMk cId="29254122" sldId="339"/>
+        </pc:sldMkLst>
+      </pc:sldChg>
+      <pc:sldChg chg="addSp delSp modSp add mod">
+        <pc:chgData name="Matan Ben-Chorin" userId="78171e99-aa04-4d93-b476-e6a5ed1a9ed0" providerId="ADAL" clId="{DD5287A3-F799-4952-BDD3-843D6A174400}" dt="2022-03-14T22:34:44.437" v="1225" actId="948"/>
+        <pc:sldMkLst>
+          <pc:docMk/>
+          <pc:sldMk cId="2539565044" sldId="340"/>
+        </pc:sldMkLst>
+        <pc:spChg chg="mod">
+          <ac:chgData name="Matan Ben-Chorin" userId="78171e99-aa04-4d93-b476-e6a5ed1a9ed0" providerId="ADAL" clId="{DD5287A3-F799-4952-BDD3-843D6A174400}" dt="2022-03-14T22:34:25.100" v="1224" actId="27636"/>
+          <ac:spMkLst>
+            <pc:docMk/>
+            <pc:sldMk cId="2539565044" sldId="340"/>
+            <ac:spMk id="2" creationId="{5AF65BF0-4731-48AD-991F-EF4576B0C65F}"/>
+          </ac:spMkLst>
+        </pc:spChg>
+        <pc:spChg chg="mod">
+          <ac:chgData name="Matan Ben-Chorin" userId="78171e99-aa04-4d93-b476-e6a5ed1a9ed0" providerId="ADAL" clId="{DD5287A3-F799-4952-BDD3-843D6A174400}" dt="2022-03-14T22:34:44.437" v="1225" actId="948"/>
+          <ac:spMkLst>
+            <pc:docMk/>
+            <pc:sldMk cId="2539565044" sldId="340"/>
+            <ac:spMk id="4" creationId="{C0ECC607-DD14-4B80-8AD6-94DA55DCB868}"/>
+          </ac:spMkLst>
+        </pc:spChg>
+        <pc:spChg chg="add del">
+          <ac:chgData name="Matan Ben-Chorin" userId="78171e99-aa04-4d93-b476-e6a5ed1a9ed0" providerId="ADAL" clId="{DD5287A3-F799-4952-BDD3-843D6A174400}" dt="2022-03-14T22:29:39.080" v="1161" actId="22"/>
+          <ac:spMkLst>
+            <pc:docMk/>
+            <pc:sldMk cId="2539565044" sldId="340"/>
+            <ac:spMk id="5" creationId="{3E1C099E-77AA-4AFE-95DD-9FE0F413EA2E}"/>
+          </ac:spMkLst>
+        </pc:spChg>
+      </pc:sldChg>
+      <pc:sldChg chg="new del">
+        <pc:chgData name="Matan Ben-Chorin" userId="78171e99-aa04-4d93-b476-e6a5ed1a9ed0" providerId="ADAL" clId="{DD5287A3-F799-4952-BDD3-843D6A174400}" dt="2022-03-14T22:53:23.739" v="1361" actId="47"/>
+        <pc:sldMkLst>
+          <pc:docMk/>
+          <pc:sldMk cId="1796750709" sldId="341"/>
+        </pc:sldMkLst>
+      </pc:sldChg>
+      <pc:sldChg chg="modSp add del mod ord">
+        <pc:chgData name="Matan Ben-Chorin" userId="78171e99-aa04-4d93-b476-e6a5ed1a9ed0" providerId="ADAL" clId="{DD5287A3-F799-4952-BDD3-843D6A174400}" dt="2022-03-14T23:14:19.143" v="1632" actId="47"/>
+        <pc:sldMkLst>
+          <pc:docMk/>
+          <pc:sldMk cId="466384523" sldId="342"/>
+        </pc:sldMkLst>
+        <pc:spChg chg="mod">
+          <ac:chgData name="Matan Ben-Chorin" userId="78171e99-aa04-4d93-b476-e6a5ed1a9ed0" providerId="ADAL" clId="{DD5287A3-F799-4952-BDD3-843D6A174400}" dt="2022-03-14T23:14:08.608" v="1629"/>
+          <ac:spMkLst>
+            <pc:docMk/>
+            <pc:sldMk cId="466384523" sldId="342"/>
+            <ac:spMk id="2" creationId="{5AF65BF0-4731-48AD-991F-EF4576B0C65F}"/>
+          </ac:spMkLst>
+        </pc:spChg>
+        <pc:spChg chg="mod">
+          <ac:chgData name="Matan Ben-Chorin" userId="78171e99-aa04-4d93-b476-e6a5ed1a9ed0" providerId="ADAL" clId="{DD5287A3-F799-4952-BDD3-843D6A174400}" dt="2022-03-14T22:31:29.131" v="1177" actId="21"/>
+          <ac:spMkLst>
+            <pc:docMk/>
+            <pc:sldMk cId="466384523" sldId="342"/>
+            <ac:spMk id="4" creationId="{C0ECC607-DD14-4B80-8AD6-94DA55DCB868}"/>
+          </ac:spMkLst>
+        </pc:spChg>
+      </pc:sldChg>
+      <pc:sldChg chg="addSp delSp modSp add mod">
+        <pc:chgData name="Matan Ben-Chorin" userId="78171e99-aa04-4d93-b476-e6a5ed1a9ed0" providerId="ADAL" clId="{DD5287A3-F799-4952-BDD3-843D6A174400}" dt="2022-03-14T22:50:27.246" v="1341" actId="1076"/>
+        <pc:sldMkLst>
+          <pc:docMk/>
+          <pc:sldMk cId="3772305355" sldId="343"/>
+        </pc:sldMkLst>
+        <pc:spChg chg="add del">
+          <ac:chgData name="Matan Ben-Chorin" userId="78171e99-aa04-4d93-b476-e6a5ed1a9ed0" providerId="ADAL" clId="{DD5287A3-F799-4952-BDD3-843D6A174400}" dt="2022-03-14T22:42:27.561" v="1237"/>
+          <ac:spMkLst>
+            <pc:docMk/>
+            <pc:sldMk cId="3772305355" sldId="343"/>
+            <ac:spMk id="3" creationId="{B90D55B9-C2AD-46D5-B6D4-B0E42CFAA425}"/>
+          </ac:spMkLst>
+        </pc:spChg>
+        <pc:spChg chg="mod">
+          <ac:chgData name="Matan Ben-Chorin" userId="78171e99-aa04-4d93-b476-e6a5ed1a9ed0" providerId="ADAL" clId="{DD5287A3-F799-4952-BDD3-843D6A174400}" dt="2022-03-14T22:50:18.932" v="1339" actId="1076"/>
+          <ac:spMkLst>
+            <pc:docMk/>
+            <pc:sldMk cId="3772305355" sldId="343"/>
+            <ac:spMk id="4" creationId="{C0ECC607-DD14-4B80-8AD6-94DA55DCB868}"/>
+          </ac:spMkLst>
+        </pc:spChg>
+        <pc:spChg chg="add del">
+          <ac:chgData name="Matan Ben-Chorin" userId="78171e99-aa04-4d93-b476-e6a5ed1a9ed0" providerId="ADAL" clId="{DD5287A3-F799-4952-BDD3-843D6A174400}" dt="2022-03-14T22:42:50.567" v="1245"/>
+          <ac:spMkLst>
+            <pc:docMk/>
+            <pc:sldMk cId="3772305355" sldId="343"/>
+            <ac:spMk id="5" creationId="{CA58BEC3-25A3-47B4-9700-6229DE502F71}"/>
+          </ac:spMkLst>
+        </pc:spChg>
+        <pc:spChg chg="add del mod">
+          <ac:chgData name="Matan Ben-Chorin" userId="78171e99-aa04-4d93-b476-e6a5ed1a9ed0" providerId="ADAL" clId="{DD5287A3-F799-4952-BDD3-843D6A174400}" dt="2022-03-14T22:42:59.198" v="1251"/>
+          <ac:spMkLst>
+            <pc:docMk/>
+            <pc:sldMk cId="3772305355" sldId="343"/>
+            <ac:spMk id="6" creationId="{83DC5386-2305-4076-B52C-E2AA1B55164F}"/>
+          </ac:spMkLst>
+        </pc:spChg>
+        <pc:spChg chg="add del">
+          <ac:chgData name="Matan Ben-Chorin" userId="78171e99-aa04-4d93-b476-e6a5ed1a9ed0" providerId="ADAL" clId="{DD5287A3-F799-4952-BDD3-843D6A174400}" dt="2022-03-14T22:43:07.375" v="1254"/>
+          <ac:spMkLst>
+            <pc:docMk/>
+            <pc:sldMk cId="3772305355" sldId="343"/>
+            <ac:spMk id="7" creationId="{EDD584BF-7671-4C3D-BB71-4BE5F9C07DF5}"/>
+          </ac:spMkLst>
+        </pc:spChg>
+        <pc:spChg chg="add del">
+          <ac:chgData name="Matan Ben-Chorin" userId="78171e99-aa04-4d93-b476-e6a5ed1a9ed0" providerId="ADAL" clId="{DD5287A3-F799-4952-BDD3-843D6A174400}" dt="2022-03-14T22:45:18.974" v="1285"/>
+          <ac:spMkLst>
+            <pc:docMk/>
+            <pc:sldMk cId="3772305355" sldId="343"/>
+            <ac:spMk id="8" creationId="{1ADE77C9-587B-41AD-BA68-71C0496AA7B0}"/>
+          </ac:spMkLst>
+        </pc:spChg>
+        <pc:spChg chg="add mod">
+          <ac:chgData name="Matan Ben-Chorin" userId="78171e99-aa04-4d93-b476-e6a5ed1a9ed0" providerId="ADAL" clId="{DD5287A3-F799-4952-BDD3-843D6A174400}" dt="2022-03-14T22:50:27.246" v="1341" actId="1076"/>
+          <ac:spMkLst>
+            <pc:docMk/>
+            <pc:sldMk cId="3772305355" sldId="343"/>
+            <ac:spMk id="11" creationId="{A1C43528-0B18-4650-A63F-9660F5D2D99E}"/>
+          </ac:spMkLst>
+        </pc:spChg>
+        <pc:picChg chg="add mod modCrop">
+          <ac:chgData name="Matan Ben-Chorin" userId="78171e99-aa04-4d93-b476-e6a5ed1a9ed0" providerId="ADAL" clId="{DD5287A3-F799-4952-BDD3-843D6A174400}" dt="2022-03-14T22:50:21.130" v="1340" actId="1076"/>
+          <ac:picMkLst>
+            <pc:docMk/>
+            <pc:sldMk cId="3772305355" sldId="343"/>
+            <ac:picMk id="10" creationId="{8A18614A-C136-4412-872D-92E1F669DB5B}"/>
+          </ac:picMkLst>
+        </pc:picChg>
+      </pc:sldChg>
+      <pc:sldChg chg="addSp delSp modSp add mod ord">
+        <pc:chgData name="Matan Ben-Chorin" userId="78171e99-aa04-4d93-b476-e6a5ed1a9ed0" providerId="ADAL" clId="{DD5287A3-F799-4952-BDD3-843D6A174400}" dt="2022-03-15T08:09:25.218" v="2100"/>
+        <pc:sldMkLst>
+          <pc:docMk/>
+          <pc:sldMk cId="3526531708" sldId="344"/>
+        </pc:sldMkLst>
+        <pc:spChg chg="del mod">
+          <ac:chgData name="Matan Ben-Chorin" userId="78171e99-aa04-4d93-b476-e6a5ed1a9ed0" providerId="ADAL" clId="{DD5287A3-F799-4952-BDD3-843D6A174400}" dt="2022-03-14T23:30:43.112" v="2015" actId="478"/>
+          <ac:spMkLst>
+            <pc:docMk/>
+            <pc:sldMk cId="3526531708" sldId="344"/>
+            <ac:spMk id="2" creationId="{5AF65BF0-4731-48AD-991F-EF4576B0C65F}"/>
+          </ac:spMkLst>
+        </pc:spChg>
+        <pc:spChg chg="del mod">
+          <ac:chgData name="Matan Ben-Chorin" userId="78171e99-aa04-4d93-b476-e6a5ed1a9ed0" providerId="ADAL" clId="{DD5287A3-F799-4952-BDD3-843D6A174400}" dt="2022-03-14T22:48:44.080" v="1314" actId="21"/>
+          <ac:spMkLst>
+            <pc:docMk/>
+            <pc:sldMk cId="3526531708" sldId="344"/>
+            <ac:spMk id="4" creationId="{C0ECC607-DD14-4B80-8AD6-94DA55DCB868}"/>
+          </ac:spMkLst>
+        </pc:spChg>
+        <pc:spChg chg="add del mod">
+          <ac:chgData name="Matan Ben-Chorin" userId="78171e99-aa04-4d93-b476-e6a5ed1a9ed0" providerId="ADAL" clId="{DD5287A3-F799-4952-BDD3-843D6A174400}" dt="2022-03-14T23:24:29.556" v="1892" actId="478"/>
+          <ac:spMkLst>
+            <pc:docMk/>
+            <pc:sldMk cId="3526531708" sldId="344"/>
+            <ac:spMk id="5" creationId="{F8AA7FB8-77C8-417F-B098-7B2797860280}"/>
+          </ac:spMkLst>
+        </pc:spChg>
+        <pc:spChg chg="add del mod">
+          <ac:chgData name="Matan Ben-Chorin" userId="78171e99-aa04-4d93-b476-e6a5ed1a9ed0" providerId="ADAL" clId="{DD5287A3-F799-4952-BDD3-843D6A174400}" dt="2022-03-14T23:21:37.397" v="1752"/>
+          <ac:spMkLst>
+            <pc:docMk/>
+            <pc:sldMk cId="3526531708" sldId="344"/>
+            <ac:spMk id="6" creationId="{CE5FC4DA-2A74-4D38-8AA4-26227759A7AA}"/>
+          </ac:spMkLst>
+        </pc:spChg>
+        <pc:spChg chg="add del mod">
+          <ac:chgData name="Matan Ben-Chorin" userId="78171e99-aa04-4d93-b476-e6a5ed1a9ed0" providerId="ADAL" clId="{DD5287A3-F799-4952-BDD3-843D6A174400}" dt="2022-03-14T23:30:45.926" v="2017" actId="478"/>
+          <ac:spMkLst>
+            <pc:docMk/>
+            <pc:sldMk cId="3526531708" sldId="344"/>
+            <ac:spMk id="7" creationId="{85DF76E6-8662-4646-8A23-C9F6B0FCA4CD}"/>
+          </ac:spMkLst>
+        </pc:spChg>
+        <pc:spChg chg="add del mod">
+          <ac:chgData name="Matan Ben-Chorin" userId="78171e99-aa04-4d93-b476-e6a5ed1a9ed0" providerId="ADAL" clId="{DD5287A3-F799-4952-BDD3-843D6A174400}" dt="2022-03-14T23:25:28.074" v="1902" actId="478"/>
+          <ac:spMkLst>
+            <pc:docMk/>
+            <pc:sldMk cId="3526531708" sldId="344"/>
+            <ac:spMk id="8" creationId="{2E1F6DF1-C30A-4879-8559-6388A14A94D3}"/>
+          </ac:spMkLst>
+        </pc:spChg>
+        <pc:spChg chg="add del mod">
+          <ac:chgData name="Matan Ben-Chorin" userId="78171e99-aa04-4d93-b476-e6a5ed1a9ed0" providerId="ADAL" clId="{DD5287A3-F799-4952-BDD3-843D6A174400}" dt="2022-03-14T23:30:44.588" v="2016" actId="478"/>
+          <ac:spMkLst>
+            <pc:docMk/>
+            <pc:sldMk cId="3526531708" sldId="344"/>
+            <ac:spMk id="11" creationId="{F73D9274-E0E2-444B-B04C-EB6B1A258F74}"/>
+          </ac:spMkLst>
+        </pc:spChg>
+        <pc:spChg chg="add del mod">
+          <ac:chgData name="Matan Ben-Chorin" userId="78171e99-aa04-4d93-b476-e6a5ed1a9ed0" providerId="ADAL" clId="{DD5287A3-F799-4952-BDD3-843D6A174400}" dt="2022-03-14T23:30:51.137" v="2020" actId="478"/>
+          <ac:spMkLst>
+            <pc:docMk/>
+            <pc:sldMk cId="3526531708" sldId="344"/>
+            <ac:spMk id="13" creationId="{317B7E6C-3D8F-416A-A36D-A43D87CA467A}"/>
+          </ac:spMkLst>
+        </pc:spChg>
+        <pc:picChg chg="del">
+          <ac:chgData name="Matan Ben-Chorin" userId="78171e99-aa04-4d93-b476-e6a5ed1a9ed0" providerId="ADAL" clId="{DD5287A3-F799-4952-BDD3-843D6A174400}" dt="2022-03-14T22:46:51.068" v="1302" actId="478"/>
+          <ac:picMkLst>
+            <pc:docMk/>
+            <pc:sldMk cId="3526531708" sldId="344"/>
+            <ac:picMk id="10" creationId="{8A18614A-C136-4412-872D-92E1F669DB5B}"/>
+          </ac:picMkLst>
+        </pc:picChg>
+      </pc:sldChg>
+      <pc:sldChg chg="delSp modSp add mod">
+        <pc:chgData name="Matan Ben-Chorin" userId="78171e99-aa04-4d93-b476-e6a5ed1a9ed0" providerId="ADAL" clId="{DD5287A3-F799-4952-BDD3-843D6A174400}" dt="2022-03-14T23:29:29.365" v="2013"/>
+        <pc:sldMkLst>
+          <pc:docMk/>
+          <pc:sldMk cId="1350942322" sldId="345"/>
+        </pc:sldMkLst>
+        <pc:spChg chg="mod">
+          <ac:chgData name="Matan Ben-Chorin" userId="78171e99-aa04-4d93-b476-e6a5ed1a9ed0" providerId="ADAL" clId="{DD5287A3-F799-4952-BDD3-843D6A174400}" dt="2022-03-14T23:29:29.365" v="2013"/>
+          <ac:spMkLst>
+            <pc:docMk/>
+            <pc:sldMk cId="1350942322" sldId="345"/>
+            <ac:spMk id="7" creationId="{85DF76E6-8662-4646-8A23-C9F6B0FCA4CD}"/>
+          </ac:spMkLst>
+        </pc:spChg>
+        <pc:spChg chg="del">
+          <ac:chgData name="Matan Ben-Chorin" userId="78171e99-aa04-4d93-b476-e6a5ed1a9ed0" providerId="ADAL" clId="{DD5287A3-F799-4952-BDD3-843D6A174400}" dt="2022-03-14T23:25:36.449" v="1903" actId="478"/>
+          <ac:spMkLst>
+            <pc:docMk/>
+            <pc:sldMk cId="1350942322" sldId="345"/>
+            <ac:spMk id="8" creationId="{2E1F6DF1-C30A-4879-8559-6388A14A94D3}"/>
+          </ac:spMkLst>
+        </pc:spChg>
+      </pc:sldChg>
+      <pc:sldChg chg="modSp add mod">
+        <pc:chgData name="Matan Ben-Chorin" userId="78171e99-aa04-4d93-b476-e6a5ed1a9ed0" providerId="ADAL" clId="{DD5287A3-F799-4952-BDD3-843D6A174400}" dt="2022-03-15T08:09:10.102" v="2098"/>
+        <pc:sldMkLst>
+          <pc:docMk/>
+          <pc:sldMk cId="768504045" sldId="346"/>
+        </pc:sldMkLst>
+        <pc:spChg chg="mod">
+          <ac:chgData name="Matan Ben-Chorin" userId="78171e99-aa04-4d93-b476-e6a5ed1a9ed0" providerId="ADAL" clId="{DD5287A3-F799-4952-BDD3-843D6A174400}" dt="2022-03-15T08:09:10.102" v="2098"/>
+          <ac:spMkLst>
+            <pc:docMk/>
+            <pc:sldMk cId="768504045" sldId="346"/>
+            <ac:spMk id="7" creationId="{85DF76E6-8662-4646-8A23-C9F6B0FCA4CD}"/>
+          </ac:spMkLst>
+        </pc:spChg>
+      </pc:sldChg>
+      <pc:sldChg chg="add">
+        <pc:chgData name="Matan Ben-Chorin" userId="78171e99-aa04-4d93-b476-e6a5ed1a9ed0" providerId="ADAL" clId="{DD5287A3-F799-4952-BDD3-843D6A174400}" dt="2022-03-14T23:30:55.532" v="2021"/>
+        <pc:sldMkLst>
+          <pc:docMk/>
+          <pc:sldMk cId="944400554" sldId="347"/>
+        </pc:sldMkLst>
+      </pc:sldChg>
+    </pc:docChg>
+  </pc:docChgLst>
+</pc:chgInfo>
+</file>
+
 <file path=ppt/comments/comment1.xml><?xml version="1.0" encoding="utf-8"?>
 <p:cmLst xmlns:a="http://schemas.openxmlformats.org/drawingml/2006/main" xmlns:r="http://schemas.openxmlformats.org/officeDocument/2006/relationships" xmlns:p="http://schemas.openxmlformats.org/presentationml/2006/main">
   <p:cm authorId="1" dt="2021-05-02T00:55:47.073" idx="1">
@@ -258,7 +1480,7 @@
           <a:p>
             <a:fld id="{CDB54FA3-7910-481A-A1B9-179C05557E77}" type="datetimeFigureOut">
               <a:rPr lang="en-US" smtClean="0"/>
-              <a:t>3/19/2022</a:t>
+              <a:t>3/20/2022</a:t>
             </a:fld>
             <a:endParaRPr lang="en-US"/>
           </a:p>
@@ -981,7 +2203,7 @@
       </p:grpSpPr>
       <p:sp>
         <p:nvSpPr>
-          <p:cNvPr id="2" name="Slide Image Placeholder 1"/>
+          <p:cNvPr id="2" name="מציין מיקום של תמונת שקופית 1"/>
           <p:cNvSpPr>
             <a:spLocks noGrp="1" noRot="1" noChangeAspect="1"/>
           </p:cNvSpPr>
@@ -993,7 +2215,7 @@
       </p:sp>
       <p:sp>
         <p:nvSpPr>
-          <p:cNvPr id="3" name="Notes Placeholder 2"/>
+          <p:cNvPr id="3" name="מציין מיקום של הערות 2"/>
           <p:cNvSpPr>
             <a:spLocks noGrp="1"/>
           </p:cNvSpPr>
@@ -1006,17 +2228,13 @@
           <a:bodyPr/>
           <a:lstStyle/>
           <a:p>
-            <a:pPr marL="0" indent="0">
-              <a:buFontTx/>
-              <a:buNone/>
-            </a:pPr>
-            <a:endParaRPr lang="en-US" dirty="0"/>
-          </a:p>
-        </p:txBody>
-      </p:sp>
-      <p:sp>
-        <p:nvSpPr>
-          <p:cNvPr id="4" name="Slide Number Placeholder 3"/>
+            <a:endParaRPr lang="he-IL" dirty="0"/>
+          </a:p>
+        </p:txBody>
+      </p:sp>
+      <p:sp>
+        <p:nvSpPr>
+          <p:cNvPr id="4" name="מציין מיקום של מספר שקופית 3"/>
           <p:cNvSpPr>
             <a:spLocks noGrp="1"/>
           </p:cNvSpPr>
@@ -1031,7 +2249,7 @@
           <a:p>
             <a:fld id="{2F9EE738-FDC8-4E0A-96E5-B2B9EB014516}" type="slidenum">
               <a:rPr lang="en-US" smtClean="0"/>
-              <a:t>24</a:t>
+              <a:t>22</a:t>
             </a:fld>
             <a:endParaRPr lang="en-US"/>
           </a:p>
@@ -1040,7 +2258,7 @@
     </p:spTree>
     <p:extLst>
       <p:ext uri="{BB962C8B-B14F-4D97-AF65-F5344CB8AC3E}">
-        <p14:creationId xmlns:p14="http://schemas.microsoft.com/office/powerpoint/2010/main" val="1723323245"/>
+        <p14:creationId xmlns:p14="http://schemas.microsoft.com/office/powerpoint/2010/main" val="528534604"/>
       </p:ext>
     </p:extLst>
   </p:cSld>
@@ -1094,6 +2312,10 @@
           <a:bodyPr/>
           <a:lstStyle/>
           <a:p>
+            <a:pPr marL="0" indent="0">
+              <a:buFontTx/>
+              <a:buNone/>
+            </a:pPr>
             <a:endParaRPr lang="en-US" dirty="0"/>
           </a:p>
         </p:txBody>
@@ -1115,7 +2337,7 @@
           <a:p>
             <a:fld id="{2F9EE738-FDC8-4E0A-96E5-B2B9EB014516}" type="slidenum">
               <a:rPr lang="en-US" smtClean="0"/>
-              <a:t>25</a:t>
+              <a:t>23</a:t>
             </a:fld>
             <a:endParaRPr lang="en-US"/>
           </a:p>
@@ -1124,7 +2346,7 @@
     </p:spTree>
     <p:extLst>
       <p:ext uri="{BB962C8B-B14F-4D97-AF65-F5344CB8AC3E}">
-        <p14:creationId xmlns:p14="http://schemas.microsoft.com/office/powerpoint/2010/main" val="515167080"/>
+        <p14:creationId xmlns:p14="http://schemas.microsoft.com/office/powerpoint/2010/main" val="1723323245"/>
       </p:ext>
     </p:extLst>
   </p:cSld>
@@ -1153,6 +2375,90 @@
       </p:grpSpPr>
       <p:sp>
         <p:nvSpPr>
+          <p:cNvPr id="2" name="Slide Image Placeholder 1"/>
+          <p:cNvSpPr>
+            <a:spLocks noGrp="1" noRot="1" noChangeAspect="1"/>
+          </p:cNvSpPr>
+          <p:nvPr>
+            <p:ph type="sldImg"/>
+          </p:nvPr>
+        </p:nvSpPr>
+        <p:spPr/>
+      </p:sp>
+      <p:sp>
+        <p:nvSpPr>
+          <p:cNvPr id="3" name="Notes Placeholder 2"/>
+          <p:cNvSpPr>
+            <a:spLocks noGrp="1"/>
+          </p:cNvSpPr>
+          <p:nvPr>
+            <p:ph type="body" idx="1"/>
+          </p:nvPr>
+        </p:nvSpPr>
+        <p:spPr/>
+        <p:txBody>
+          <a:bodyPr/>
+          <a:lstStyle/>
+          <a:p>
+            <a:endParaRPr lang="en-US" dirty="0"/>
+          </a:p>
+        </p:txBody>
+      </p:sp>
+      <p:sp>
+        <p:nvSpPr>
+          <p:cNvPr id="4" name="Slide Number Placeholder 3"/>
+          <p:cNvSpPr>
+            <a:spLocks noGrp="1"/>
+          </p:cNvSpPr>
+          <p:nvPr>
+            <p:ph type="sldNum" sz="quarter" idx="5"/>
+          </p:nvPr>
+        </p:nvSpPr>
+        <p:spPr/>
+        <p:txBody>
+          <a:bodyPr/>
+          <a:lstStyle/>
+          <a:p>
+            <a:fld id="{2F9EE738-FDC8-4E0A-96E5-B2B9EB014516}" type="slidenum">
+              <a:rPr lang="en-US" smtClean="0"/>
+              <a:t>24</a:t>
+            </a:fld>
+            <a:endParaRPr lang="en-US"/>
+          </a:p>
+        </p:txBody>
+      </p:sp>
+    </p:spTree>
+    <p:extLst>
+      <p:ext uri="{BB962C8B-B14F-4D97-AF65-F5344CB8AC3E}">
+        <p14:creationId xmlns:p14="http://schemas.microsoft.com/office/powerpoint/2010/main" val="515167080"/>
+      </p:ext>
+    </p:extLst>
+  </p:cSld>
+  <p:clrMapOvr>
+    <a:masterClrMapping/>
+  </p:clrMapOvr>
+</p:notes>
+</file>
+
+<file path=ppt/notesSlides/notesSlide17.xml><?xml version="1.0" encoding="utf-8"?>
+<p:notes xmlns:a="http://schemas.openxmlformats.org/drawingml/2006/main" xmlns:r="http://schemas.openxmlformats.org/officeDocument/2006/relationships" xmlns:p="http://schemas.openxmlformats.org/presentationml/2006/main">
+  <p:cSld>
+    <p:spTree>
+      <p:nvGrpSpPr>
+        <p:cNvPr id="1" name=""/>
+        <p:cNvGrpSpPr/>
+        <p:nvPr/>
+      </p:nvGrpSpPr>
+      <p:grpSpPr>
+        <a:xfrm>
+          <a:off x="0" y="0"/>
+          <a:ext cx="0" cy="0"/>
+          <a:chOff x="0" y="0"/>
+          <a:chExt cx="0" cy="0"/>
+        </a:xfrm>
+      </p:grpSpPr>
+      <p:sp>
+        <p:nvSpPr>
           <p:cNvPr id="2" name="מציין מיקום של תמונת שקופית 1"/>
           <p:cNvSpPr>
             <a:spLocks noGrp="1" noRot="1" noChangeAspect="1"/>
@@ -1199,7 +2505,7 @@
           <a:p>
             <a:fld id="{2F9EE738-FDC8-4E0A-96E5-B2B9EB014516}" type="slidenum">
               <a:rPr lang="en-US" smtClean="0"/>
-              <a:t>28</a:t>
+              <a:t>27</a:t>
             </a:fld>
             <a:endParaRPr lang="en-US"/>
           </a:p>
@@ -2078,7 +3384,7 @@
           <a:p>
             <a:fld id="{AAACCC80-DF8C-490D-A13B-AACE7168B10B}" type="datetime1">
               <a:rPr lang="en-US" smtClean="0"/>
-              <a:t>3/19/2022</a:t>
+              <a:t>3/20/2022</a:t>
             </a:fld>
             <a:endParaRPr lang="en-US" dirty="0"/>
           </a:p>
@@ -2412,7 +3718,7 @@
           <a:p>
             <a:fld id="{CE91A2D5-EE52-45A4-9F93-829F22AF2C11}" type="datetime1">
               <a:rPr lang="en-US" smtClean="0"/>
-              <a:t>3/19/2022</a:t>
+              <a:t>3/20/2022</a:t>
             </a:fld>
             <a:endParaRPr lang="en-US" dirty="0"/>
           </a:p>
@@ -2809,7 +4115,7 @@
           <a:p>
             <a:fld id="{94106230-D532-4250-A91C-D97007123698}" type="datetime1">
               <a:rPr lang="en-US" smtClean="0"/>
-              <a:t>3/19/2022</a:t>
+              <a:t>3/20/2022</a:t>
             </a:fld>
             <a:endParaRPr lang="en-US" dirty="0"/>
           </a:p>
@@ -3140,7 +4446,7 @@
           <a:p>
             <a:fld id="{478DB539-5271-4024-9F9D-DD05B63F78F9}" type="datetime1">
               <a:rPr lang="en-US" smtClean="0"/>
-              <a:t>3/19/2022</a:t>
+              <a:t>3/20/2022</a:t>
             </a:fld>
             <a:endParaRPr lang="en-US" dirty="0"/>
           </a:p>
@@ -3456,7 +4762,7 @@
           <a:p>
             <a:fld id="{8A08FA68-4719-47F4-BCEF-827E61489CA0}" type="datetime1">
               <a:rPr lang="en-US" smtClean="0"/>
-              <a:t>3/19/2022</a:t>
+              <a:t>3/20/2022</a:t>
             </a:fld>
             <a:endParaRPr lang="en-US" dirty="0"/>
           </a:p>
@@ -3848,7 +5154,7 @@
           <a:p>
             <a:fld id="{5DF68AC2-6EF7-43BC-AD03-190FB7AEEF83}" type="datetime1">
               <a:rPr lang="en-US" smtClean="0"/>
-              <a:t>3/19/2022</a:t>
+              <a:t>3/20/2022</a:t>
             </a:fld>
             <a:endParaRPr lang="en-US" dirty="0"/>
           </a:p>
@@ -4101,7 +5407,7 @@
           <a:p>
             <a:fld id="{CD28E16A-C827-4957-B281-CDA1F791A057}" type="datetime1">
               <a:rPr lang="en-US" smtClean="0"/>
-              <a:t>3/19/2022</a:t>
+              <a:t>3/20/2022</a:t>
             </a:fld>
             <a:endParaRPr lang="en-US" dirty="0"/>
           </a:p>
@@ -4359,7 +5665,7 @@
           <a:p>
             <a:fld id="{2032C01B-E48B-492B-AE44-0B3E5EE8BCD9}" type="datetime1">
               <a:rPr lang="en-US" smtClean="0"/>
-              <a:t>3/19/2022</a:t>
+              <a:t>3/20/2022</a:t>
             </a:fld>
             <a:endParaRPr lang="en-US" dirty="0"/>
           </a:p>
@@ -4617,7 +5923,7 @@
           <a:p>
             <a:fld id="{25F4B3C0-7005-48B4-B0FF-EE9483C34D19}" type="datetime1">
               <a:rPr lang="en-US" smtClean="0"/>
-              <a:t>3/19/2022</a:t>
+              <a:t>3/20/2022</a:t>
             </a:fld>
             <a:endParaRPr lang="en-US" dirty="0"/>
           </a:p>
@@ -4942,7 +6248,7 @@
           <a:p>
             <a:fld id="{DF1F1728-A19D-4441-8705-955351F5018F}" type="datetime1">
               <a:rPr lang="en-US" smtClean="0"/>
-              <a:t>3/19/2022</a:t>
+              <a:t>3/20/2022</a:t>
             </a:fld>
             <a:endParaRPr lang="en-US" dirty="0"/>
           </a:p>
@@ -5261,7 +6567,7 @@
           <a:p>
             <a:fld id="{19CCC66E-5725-49F2-8E4E-A1309B9AF108}" type="datetime1">
               <a:rPr lang="en-US" smtClean="0"/>
-              <a:t>3/19/2022</a:t>
+              <a:t>3/20/2022</a:t>
             </a:fld>
             <a:endParaRPr lang="en-US" dirty="0"/>
           </a:p>
@@ -5714,7 +7020,7 @@
           <a:p>
             <a:fld id="{1BA0B93E-F5C4-487D-A5E9-2A44BA03A9C3}" type="datetime1">
               <a:rPr lang="en-US" smtClean="0"/>
-              <a:t>3/19/2022</a:t>
+              <a:t>3/20/2022</a:t>
             </a:fld>
             <a:endParaRPr lang="en-US" dirty="0"/>
           </a:p>
@@ -5915,7 +7221,7 @@
           <a:p>
             <a:fld id="{F0B4B268-7CCC-4E83-BA29-241837CE802E}" type="datetime1">
               <a:rPr lang="en-US" smtClean="0"/>
-              <a:t>3/19/2022</a:t>
+              <a:t>3/20/2022</a:t>
             </a:fld>
             <a:endParaRPr lang="en-US" dirty="0"/>
           </a:p>
@@ -6088,7 +7394,7 @@
           <a:p>
             <a:fld id="{FA386076-4E3C-401D-BCCD-B89BB1B3E61B}" type="datetime1">
               <a:rPr lang="en-US" smtClean="0"/>
-              <a:t>3/19/2022</a:t>
+              <a:t>3/20/2022</a:t>
             </a:fld>
             <a:endParaRPr lang="en-US" dirty="0"/>
           </a:p>
@@ -6417,7 +7723,7 @@
           <a:p>
             <a:fld id="{E9A44FC6-DFCF-4838-9DD7-014472C6A685}" type="datetime1">
               <a:rPr lang="en-US" smtClean="0"/>
-              <a:t>3/19/2022</a:t>
+              <a:t>3/20/2022</a:t>
             </a:fld>
             <a:endParaRPr lang="en-US" dirty="0"/>
           </a:p>
@@ -6758,7 +8064,7 @@
           <a:p>
             <a:fld id="{8F2F87F2-763B-46F7-AB62-EC6B8367DF97}" type="datetime1">
               <a:rPr lang="en-US" smtClean="0"/>
-              <a:t>3/19/2022</a:t>
+              <a:t>3/20/2022</a:t>
             </a:fld>
             <a:endParaRPr lang="en-US" dirty="0"/>
           </a:p>
@@ -8871,7 +10177,7 @@
           <a:p>
             <a:fld id="{AC504DFB-74C6-48D5-B2E3-2F1329743A10}" type="datetime1">
               <a:rPr lang="en-US" smtClean="0"/>
-              <a:t>3/19/2022</a:t>
+              <a:t>3/20/2022</a:t>
             </a:fld>
             <a:endParaRPr lang="en-US" dirty="0"/>
           </a:p>
@@ -13822,7 +15128,7 @@
         </p:nvSpPr>
         <p:spPr>
           <a:xfrm>
-            <a:off x="1986669" y="1678127"/>
+            <a:off x="2169549" y="1643837"/>
             <a:ext cx="10965321" cy="4589195"/>
           </a:xfrm>
           <a:prstGeom prst="rect">
@@ -14054,31 +15360,6 @@
           <a:p>
             <a:pPr algn="l" rtl="0"/>
             <a:r>
-              <a:rPr lang="en-US" sz="2800" dirty="0"/>
-              <a:t>Our work based on Hugging Face course – </a:t>
-            </a:r>
-            <a:r>
-              <a:rPr lang="en-US" sz="2800" dirty="0" err="1"/>
-              <a:t>Qusetion</a:t>
-            </a:r>
-            <a:r>
-              <a:rPr lang="en-US" sz="2800" dirty="0"/>
-              <a:t>- answering tutorial – </a:t>
-            </a:r>
-            <a:r>
-              <a:rPr lang="en-US" sz="2800" dirty="0">
-                <a:hlinkClick r:id="rId2"/>
-              </a:rPr>
-              <a:t>link</a:t>
-            </a:r>
-            <a:r>
-              <a:rPr lang="en-US" sz="2800" dirty="0"/>
-              <a:t>   </a:t>
-            </a:r>
-          </a:p>
-          <a:p>
-            <a:pPr algn="l" rtl="0"/>
-            <a:r>
               <a:rPr lang="en-US" sz="3600" dirty="0"/>
               <a:t>Steps</a:t>
             </a:r>
@@ -14185,36 +15466,6 @@
           </a:p>
         </p:txBody>
       </p:sp>
-      <p:pic>
-        <p:nvPicPr>
-          <p:cNvPr id="5" name="תמונה 4">
-            <a:extLst>
-              <a:ext uri="{FF2B5EF4-FFF2-40B4-BE49-F238E27FC236}">
-                <a16:creationId xmlns:a16="http://schemas.microsoft.com/office/drawing/2014/main" id="{38731A4B-4EC7-4198-82B7-21022DDA5A38}"/>
-              </a:ext>
-            </a:extLst>
-          </p:cNvPr>
-          <p:cNvPicPr>
-            <a:picLocks noChangeAspect="1"/>
-          </p:cNvPicPr>
-          <p:nvPr/>
-        </p:nvPicPr>
-        <p:blipFill>
-          <a:blip r:embed="rId3"/>
-          <a:stretch>
-            <a:fillRect/>
-          </a:stretch>
-        </p:blipFill>
-        <p:spPr>
-          <a:xfrm>
-            <a:off x="8119356" y="2776926"/>
-            <a:ext cx="2085975" cy="2314575"/>
-          </a:xfrm>
-          <a:prstGeom prst="rect">
-            <a:avLst/>
-          </a:prstGeom>
-        </p:spPr>
-      </p:pic>
     </p:spTree>
     <p:extLst>
       <p:ext uri="{BB962C8B-B14F-4D97-AF65-F5344CB8AC3E}">
@@ -14574,7 +15825,15 @@
             </a:pPr>
             <a:r>
               <a:rPr lang="en-US" sz="3400" dirty="0"/>
-              <a:t>Load a pre-trained model from Hugging face hub. We chose </a:t>
+              <a:t>Load a pre-trained model from </a:t>
+            </a:r>
+            <a:r>
+              <a:rPr lang="en-US" sz="3400" dirty="0" err="1"/>
+              <a:t>Huggingface</a:t>
+            </a:r>
+            <a:r>
+              <a:rPr lang="en-US" sz="3400" dirty="0"/>
+              <a:t> hub. We chose </a:t>
             </a:r>
             <a:r>
               <a:rPr lang="en-US" sz="3400" dirty="0" err="1"/>
@@ -16682,7 +17941,7 @@
               <a:rPr lang="en-US" dirty="0">
                 <a:hlinkClick r:id="rId2"/>
               </a:rPr>
-              <a:t>https://github.com/TechnionTDK/hebwiki-qa/blob/master/finetuning_hebert/example.py</a:t>
+              <a:t>https://github.com/TechnionTDK/hebwiki-qa-old/blob/master/finetuning_hebert/example.py</a:t>
             </a:r>
             <a:endParaRPr lang="en-US" dirty="0"/>
           </a:p>
@@ -16788,7 +18047,15 @@
             </a:br>
             <a:r>
               <a:rPr lang="en-US" dirty="0"/>
-              <a:t>Our Model on Hugging face Hub</a:t>
+              <a:t>Our Model on </a:t>
+            </a:r>
+            <a:r>
+              <a:rPr lang="en-US" dirty="0" err="1"/>
+              <a:t>Huggingface</a:t>
+            </a:r>
+            <a:r>
+              <a:rPr lang="en-US" dirty="0"/>
+              <a:t> Hub</a:t>
             </a:r>
             <a:endParaRPr lang="en-IL" dirty="0"/>
           </a:p>
@@ -16812,7 +18079,7 @@
         </p:nvSpPr>
         <p:spPr>
           <a:xfrm>
-            <a:off x="1849318" y="2208929"/>
+            <a:off x="1849318" y="1818636"/>
             <a:ext cx="8915400" cy="3777622"/>
           </a:xfrm>
         </p:spPr>
@@ -16827,7 +18094,7 @@
             </a:r>
             <a:r>
               <a:rPr lang="en-US" dirty="0">
-                <a:hlinkClick r:id="rId2"/>
+                <a:hlinkClick r:id="rId3"/>
               </a:rPr>
               <a:t>https://huggingface.co/tdklab/hebert-finetuned-hebrew-squad</a:t>
             </a:r>
@@ -16887,540 +18154,27 @@
           </p:cNvPicPr>
           <p:nvPr/>
         </p:nvPicPr>
-        <p:blipFill>
-          <a:blip r:embed="rId3"/>
-          <a:stretch>
-            <a:fillRect/>
-          </a:stretch>
+        <p:blipFill rotWithShape="1">
+          <a:blip r:embed="rId4"/>
+          <a:srcRect t="7022"/>
+          <a:stretch/>
         </p:blipFill>
         <p:spPr>
           <a:xfrm>
-            <a:off x="3657602" y="2911693"/>
-            <a:ext cx="5298832" cy="3793717"/>
+            <a:off x="3791416" y="2185639"/>
+            <a:ext cx="5298832" cy="3527312"/>
           </a:xfrm>
           <a:prstGeom prst="rect">
             <a:avLst/>
           </a:prstGeom>
         </p:spPr>
       </p:pic>
-      <p:pic>
-        <p:nvPicPr>
-          <p:cNvPr id="5" name="תמונה 4">
+      <p:sp>
+        <p:nvSpPr>
+          <p:cNvPr id="7" name="Content Placeholder 2">
             <a:extLst>
               <a:ext uri="{FF2B5EF4-FFF2-40B4-BE49-F238E27FC236}">
-                <a16:creationId xmlns:a16="http://schemas.microsoft.com/office/drawing/2014/main" id="{DC180556-CCEF-422F-B59C-39721B5E96E5}"/>
-              </a:ext>
-            </a:extLst>
-          </p:cNvPr>
-          <p:cNvPicPr>
-            <a:picLocks noChangeAspect="1"/>
-          </p:cNvPicPr>
-          <p:nvPr/>
-        </p:nvPicPr>
-        <p:blipFill>
-          <a:blip r:embed="rId4">
-            <a:clrChange>
-              <a:clrFrom>
-                <a:srgbClr val="FFFFFF"/>
-              </a:clrFrom>
-              <a:clrTo>
-                <a:srgbClr val="FFFFFF">
-                  <a:alpha val="0"/>
-                </a:srgbClr>
-              </a:clrTo>
-            </a:clrChange>
-          </a:blip>
-          <a:stretch>
-            <a:fillRect/>
-          </a:stretch>
-        </p:blipFill>
-        <p:spPr>
-          <a:xfrm>
-            <a:off x="9599075" y="431117"/>
-            <a:ext cx="1666875" cy="1666875"/>
-          </a:xfrm>
-          <a:prstGeom prst="rect">
-            <a:avLst/>
-          </a:prstGeom>
-        </p:spPr>
-      </p:pic>
-    </p:spTree>
-    <p:extLst>
-      <p:ext uri="{BB962C8B-B14F-4D97-AF65-F5344CB8AC3E}">
-        <p14:creationId xmlns:p14="http://schemas.microsoft.com/office/powerpoint/2010/main" val="1120710931"/>
-      </p:ext>
-    </p:extLst>
-  </p:cSld>
-  <p:clrMapOvr>
-    <a:masterClrMapping/>
-  </p:clrMapOvr>
-</p:sld>
-</file>
-
-<file path=ppt/slides/slide23.xml><?xml version="1.0" encoding="utf-8"?>
-<p:sld xmlns:a="http://schemas.openxmlformats.org/drawingml/2006/main" xmlns:r="http://schemas.openxmlformats.org/officeDocument/2006/relationships" xmlns:p="http://schemas.openxmlformats.org/presentationml/2006/main">
-  <p:cSld>
-    <p:spTree>
-      <p:nvGrpSpPr>
-        <p:cNvPr id="1" name=""/>
-        <p:cNvGrpSpPr/>
-        <p:nvPr/>
-      </p:nvGrpSpPr>
-      <p:grpSpPr>
-        <a:xfrm>
-          <a:off x="0" y="0"/>
-          <a:ext cx="0" cy="0"/>
-          <a:chOff x="0" y="0"/>
-          <a:chExt cx="0" cy="0"/>
-        </a:xfrm>
-      </p:grpSpPr>
-      <p:sp>
-        <p:nvSpPr>
-          <p:cNvPr id="2" name="Title 1">
-            <a:extLst>
-              <a:ext uri="{FF2B5EF4-FFF2-40B4-BE49-F238E27FC236}">
-                <a16:creationId xmlns:a16="http://schemas.microsoft.com/office/drawing/2014/main" id="{81E5F888-91FD-40A0-AB25-C47222F3E168}"/>
-              </a:ext>
-            </a:extLst>
-          </p:cNvPr>
-          <p:cNvSpPr>
-            <a:spLocks noGrp="1"/>
-          </p:cNvSpPr>
-          <p:nvPr>
-            <p:ph type="title"/>
-          </p:nvPr>
-        </p:nvSpPr>
-        <p:spPr/>
-        <p:txBody>
-          <a:bodyPr>
-            <a:normAutofit/>
-          </a:bodyPr>
-          <a:lstStyle/>
-          <a:p>
-            <a:r>
-              <a:rPr lang="en-US" dirty="0"/>
-              <a:t>Hebrew </a:t>
-            </a:r>
-            <a:r>
-              <a:rPr lang="en-US" dirty="0" err="1"/>
-              <a:t>SQuAD</a:t>
-            </a:r>
-            <a:r>
-              <a:rPr lang="en-US" dirty="0"/>
-              <a:t> on Hugging face Hub</a:t>
-            </a:r>
-            <a:endParaRPr lang="en-IL" dirty="0"/>
-          </a:p>
-        </p:txBody>
-      </p:sp>
-      <p:sp>
-        <p:nvSpPr>
-          <p:cNvPr id="3" name="Content Placeholder 2">
-            <a:extLst>
-              <a:ext uri="{FF2B5EF4-FFF2-40B4-BE49-F238E27FC236}">
-                <a16:creationId xmlns:a16="http://schemas.microsoft.com/office/drawing/2014/main" id="{05DCAE8E-84CA-4AF2-8132-16B7033842A5}"/>
-              </a:ext>
-            </a:extLst>
-          </p:cNvPr>
-          <p:cNvSpPr>
-            <a:spLocks noGrp="1"/>
-          </p:cNvSpPr>
-          <p:nvPr>
-            <p:ph idx="1"/>
-          </p:nvPr>
-        </p:nvSpPr>
-        <p:spPr>
-          <a:xfrm>
-            <a:off x="2413366" y="1905000"/>
-            <a:ext cx="8915400" cy="3777622"/>
-          </a:xfrm>
-        </p:spPr>
-        <p:txBody>
-          <a:bodyPr/>
-          <a:lstStyle/>
-          <a:p>
-            <a:pPr algn="l" rtl="0"/>
-            <a:r>
-              <a:rPr lang="en-US" dirty="0"/>
-              <a:t>Link: </a:t>
-            </a:r>
-            <a:r>
-              <a:rPr lang="en-US" dirty="0">
-                <a:hlinkClick r:id="rId2"/>
-              </a:rPr>
-              <a:t>https://huggingface.co/datasets/tdklab/Hebrew_Squad_v1.1</a:t>
-            </a:r>
-            <a:endParaRPr lang="en-US" dirty="0"/>
-          </a:p>
-          <a:p>
-            <a:pPr algn="l" rtl="0"/>
-            <a:r>
-              <a:rPr lang="en-US" dirty="0"/>
-              <a:t>** TODO - image from dataset preview  </a:t>
-            </a:r>
-            <a:endParaRPr lang="en-IL" dirty="0"/>
-          </a:p>
-        </p:txBody>
-      </p:sp>
-      <p:sp>
-        <p:nvSpPr>
-          <p:cNvPr id="4" name="Slide Number Placeholder 3">
-            <a:extLst>
-              <a:ext uri="{FF2B5EF4-FFF2-40B4-BE49-F238E27FC236}">
-                <a16:creationId xmlns:a16="http://schemas.microsoft.com/office/drawing/2014/main" id="{665A7671-B69E-4E47-B32D-4BD4E03AB585}"/>
-              </a:ext>
-            </a:extLst>
-          </p:cNvPr>
-          <p:cNvSpPr>
-            <a:spLocks noGrp="1"/>
-          </p:cNvSpPr>
-          <p:nvPr>
-            <p:ph type="sldNum" sz="quarter" idx="12"/>
-          </p:nvPr>
-        </p:nvSpPr>
-        <p:spPr/>
-        <p:txBody>
-          <a:bodyPr/>
-          <a:lstStyle/>
-          <a:p>
-            <a:fld id="{D57F1E4F-1CFF-5643-939E-217C01CDF565}" type="slidenum">
-              <a:rPr lang="en-US" smtClean="0"/>
-              <a:pPr/>
-              <a:t>23</a:t>
-            </a:fld>
-            <a:endParaRPr lang="en-US" dirty="0"/>
-          </a:p>
-        </p:txBody>
-      </p:sp>
-    </p:spTree>
-    <p:extLst>
-      <p:ext uri="{BB962C8B-B14F-4D97-AF65-F5344CB8AC3E}">
-        <p14:creationId xmlns:p14="http://schemas.microsoft.com/office/powerpoint/2010/main" val="284074055"/>
-      </p:ext>
-    </p:extLst>
-  </p:cSld>
-  <p:clrMapOvr>
-    <a:masterClrMapping/>
-  </p:clrMapOvr>
-</p:sld>
-</file>
-
-<file path=ppt/slides/slide24.xml><?xml version="1.0" encoding="utf-8"?>
-<p:sld xmlns:a="http://schemas.openxmlformats.org/drawingml/2006/main" xmlns:r="http://schemas.openxmlformats.org/officeDocument/2006/relationships" xmlns:p="http://schemas.openxmlformats.org/presentationml/2006/main">
-  <p:cSld>
-    <p:spTree>
-      <p:nvGrpSpPr>
-        <p:cNvPr id="1" name=""/>
-        <p:cNvGrpSpPr/>
-        <p:nvPr/>
-      </p:nvGrpSpPr>
-      <p:grpSpPr>
-        <a:xfrm>
-          <a:off x="0" y="0"/>
-          <a:ext cx="0" cy="0"/>
-          <a:chOff x="0" y="0"/>
-          <a:chExt cx="0" cy="0"/>
-        </a:xfrm>
-      </p:grpSpPr>
-      <p:sp>
-        <p:nvSpPr>
-          <p:cNvPr id="2" name="Title 1">
-            <a:extLst>
-              <a:ext uri="{FF2B5EF4-FFF2-40B4-BE49-F238E27FC236}">
-                <a16:creationId xmlns:a16="http://schemas.microsoft.com/office/drawing/2014/main" id="{87189A70-F14C-477C-8118-800EBEBD6429}"/>
-              </a:ext>
-            </a:extLst>
-          </p:cNvPr>
-          <p:cNvSpPr>
-            <a:spLocks noGrp="1"/>
-          </p:cNvSpPr>
-          <p:nvPr>
-            <p:ph type="title"/>
-          </p:nvPr>
-        </p:nvSpPr>
-        <p:spPr>
-          <a:xfrm>
-            <a:off x="1912699" y="570402"/>
-            <a:ext cx="8911687" cy="1280890"/>
-          </a:xfrm>
-        </p:spPr>
-        <p:txBody>
-          <a:bodyPr>
-            <a:normAutofit/>
-          </a:bodyPr>
-          <a:lstStyle/>
-          <a:p>
-            <a:pPr algn="l" rtl="0"/>
-            <a:r>
-              <a:rPr lang="en-US" sz="4400" dirty="0"/>
-              <a:t>Future work</a:t>
-            </a:r>
-          </a:p>
-        </p:txBody>
-      </p:sp>
-      <p:sp>
-        <p:nvSpPr>
-          <p:cNvPr id="5" name="Content Placeholder 4">
-            <a:extLst>
-              <a:ext uri="{FF2B5EF4-FFF2-40B4-BE49-F238E27FC236}">
-                <a16:creationId xmlns:a16="http://schemas.microsoft.com/office/drawing/2014/main" id="{6A8B3CA4-4E39-4553-B807-EA701B158AB0}"/>
-              </a:ext>
-            </a:extLst>
-          </p:cNvPr>
-          <p:cNvSpPr>
-            <a:spLocks noGrp="1"/>
-          </p:cNvSpPr>
-          <p:nvPr>
-            <p:ph idx="1"/>
-          </p:nvPr>
-        </p:nvSpPr>
-        <p:spPr>
-          <a:xfrm>
-            <a:off x="2035362" y="1851292"/>
-            <a:ext cx="9483847" cy="5493057"/>
-          </a:xfrm>
-        </p:spPr>
-        <p:txBody>
-          <a:bodyPr>
-            <a:normAutofit/>
-          </a:bodyPr>
-          <a:lstStyle/>
-          <a:p>
-            <a:pPr marL="612000" algn="l" rtl="0">
-              <a:spcBef>
-                <a:spcPts val="2400"/>
-              </a:spcBef>
-            </a:pPr>
-            <a:r>
-              <a:rPr lang="en-US" sz="3000" dirty="0"/>
-              <a:t>Improve the dataset Including manual testing and adding question-answer pairs that originally written in Hebrew and not translated.  </a:t>
-            </a:r>
-          </a:p>
-          <a:p>
-            <a:pPr marL="612000" algn="l" rtl="0">
-              <a:spcBef>
-                <a:spcPts val="2400"/>
-              </a:spcBef>
-            </a:pPr>
-            <a:r>
-              <a:rPr lang="en-US" sz="3000" dirty="0"/>
-              <a:t>Examine more parameters of training and try to improve the model performance.</a:t>
-            </a:r>
-          </a:p>
-          <a:p>
-            <a:pPr marL="612000" algn="l" rtl="0">
-              <a:spcBef>
-                <a:spcPts val="2400"/>
-              </a:spcBef>
-            </a:pPr>
-            <a:r>
-              <a:rPr lang="en-US" sz="3000" dirty="0"/>
-              <a:t>Examine more pre-trained Hebrew models when they are available </a:t>
-            </a:r>
-          </a:p>
-        </p:txBody>
-      </p:sp>
-      <p:sp>
-        <p:nvSpPr>
-          <p:cNvPr id="3" name="Slide Number Placeholder 2">
-            <a:extLst>
-              <a:ext uri="{FF2B5EF4-FFF2-40B4-BE49-F238E27FC236}">
-                <a16:creationId xmlns:a16="http://schemas.microsoft.com/office/drawing/2014/main" id="{2A964537-E99F-4D04-B54A-4151FB71F224}"/>
-              </a:ext>
-            </a:extLst>
-          </p:cNvPr>
-          <p:cNvSpPr>
-            <a:spLocks noGrp="1"/>
-          </p:cNvSpPr>
-          <p:nvPr>
-            <p:ph type="sldNum" sz="quarter" idx="12"/>
-          </p:nvPr>
-        </p:nvSpPr>
-        <p:spPr/>
-        <p:txBody>
-          <a:bodyPr/>
-          <a:lstStyle/>
-          <a:p>
-            <a:fld id="{D57F1E4F-1CFF-5643-939E-217C01CDF565}" type="slidenum">
-              <a:rPr lang="en-US" smtClean="0"/>
-              <a:pPr/>
-              <a:t>24</a:t>
-            </a:fld>
-            <a:endParaRPr lang="en-US" dirty="0"/>
-          </a:p>
-        </p:txBody>
-      </p:sp>
-    </p:spTree>
-    <p:extLst>
-      <p:ext uri="{BB962C8B-B14F-4D97-AF65-F5344CB8AC3E}">
-        <p14:creationId xmlns:p14="http://schemas.microsoft.com/office/powerpoint/2010/main" val="3503797914"/>
-      </p:ext>
-    </p:extLst>
-  </p:cSld>
-  <p:clrMapOvr>
-    <a:masterClrMapping/>
-  </p:clrMapOvr>
-</p:sld>
-</file>
-
-<file path=ppt/slides/slide25.xml><?xml version="1.0" encoding="utf-8"?>
-<p:sld xmlns:a="http://schemas.openxmlformats.org/drawingml/2006/main" xmlns:r="http://schemas.openxmlformats.org/officeDocument/2006/relationships" xmlns:p="http://schemas.openxmlformats.org/presentationml/2006/main">
-  <p:cSld>
-    <p:spTree>
-      <p:nvGrpSpPr>
-        <p:cNvPr id="1" name=""/>
-        <p:cNvGrpSpPr/>
-        <p:nvPr/>
-      </p:nvGrpSpPr>
-      <p:grpSpPr>
-        <a:xfrm>
-          <a:off x="0" y="0"/>
-          <a:ext cx="0" cy="0"/>
-          <a:chOff x="0" y="0"/>
-          <a:chExt cx="0" cy="0"/>
-        </a:xfrm>
-      </p:grpSpPr>
-      <p:sp>
-        <p:nvSpPr>
-          <p:cNvPr id="2" name="Title 1">
-            <a:extLst>
-              <a:ext uri="{FF2B5EF4-FFF2-40B4-BE49-F238E27FC236}">
-                <a16:creationId xmlns:a16="http://schemas.microsoft.com/office/drawing/2014/main" id="{87189A70-F14C-477C-8118-800EBEBD6429}"/>
-              </a:ext>
-            </a:extLst>
-          </p:cNvPr>
-          <p:cNvSpPr>
-            <a:spLocks noGrp="1"/>
-          </p:cNvSpPr>
-          <p:nvPr>
-            <p:ph type="title"/>
-          </p:nvPr>
-        </p:nvSpPr>
-        <p:spPr>
-          <a:xfrm>
-            <a:off x="2592924" y="213563"/>
-            <a:ext cx="8911687" cy="1280890"/>
-          </a:xfrm>
-        </p:spPr>
-        <p:txBody>
-          <a:bodyPr/>
-          <a:lstStyle/>
-          <a:p>
-            <a:r>
-              <a:rPr lang="en-US" sz="4400" dirty="0"/>
-              <a:t>Conclusions</a:t>
-            </a:r>
-            <a:endParaRPr lang="en-US" dirty="0"/>
-          </a:p>
-        </p:txBody>
-      </p:sp>
-      <p:sp>
-        <p:nvSpPr>
-          <p:cNvPr id="5" name="Content Placeholder 4">
-            <a:extLst>
-              <a:ext uri="{FF2B5EF4-FFF2-40B4-BE49-F238E27FC236}">
-                <a16:creationId xmlns:a16="http://schemas.microsoft.com/office/drawing/2014/main" id="{6A8B3CA4-4E39-4553-B807-EA701B158AB0}"/>
-              </a:ext>
-            </a:extLst>
-          </p:cNvPr>
-          <p:cNvSpPr>
-            <a:spLocks noGrp="1"/>
-          </p:cNvSpPr>
-          <p:nvPr>
-            <p:ph idx="1"/>
-          </p:nvPr>
-        </p:nvSpPr>
-        <p:spPr>
-          <a:xfrm>
-            <a:off x="1918010" y="1176956"/>
-            <a:ext cx="10273989" cy="5452111"/>
-          </a:xfrm>
-        </p:spPr>
-        <p:txBody>
-          <a:bodyPr>
-            <a:normAutofit fontScale="92500" lnSpcReduction="10000"/>
-          </a:bodyPr>
-          <a:lstStyle/>
-          <a:p>
-            <a:pPr algn="l" rtl="0"/>
-            <a:r>
-              <a:rPr lang="en-US" sz="3200" dirty="0"/>
-              <a:t>This project provided an </a:t>
-            </a:r>
-            <a:r>
-              <a:rPr lang="en-US" sz="3200" b="1" dirty="0"/>
-              <a:t>excellent learning </a:t>
-            </a:r>
-            <a:r>
-              <a:rPr lang="en-US" sz="3200" dirty="0"/>
-              <a:t>opportunity in the fields of </a:t>
-            </a:r>
-            <a:r>
-              <a:rPr lang="en-US" sz="3200" b="1" dirty="0"/>
-              <a:t>machine learning and data science.</a:t>
-            </a:r>
-          </a:p>
-          <a:p>
-            <a:pPr algn="l" rtl="0"/>
-            <a:r>
-              <a:rPr lang="en-US" sz="3200" dirty="0"/>
-              <a:t>We became familiar with Python and new tools such as </a:t>
-            </a:r>
-            <a:r>
-              <a:rPr lang="en-US" sz="3200" dirty="0" err="1"/>
-              <a:t>hpc</a:t>
-            </a:r>
-            <a:r>
-              <a:rPr lang="en-US" sz="3200" dirty="0"/>
-              <a:t>, the Hugging face platform, transformers, and etc.</a:t>
-            </a:r>
-          </a:p>
-          <a:p>
-            <a:pPr algn="l" rtl="0"/>
-            <a:r>
-              <a:rPr lang="en-US" sz="3200" dirty="0"/>
-              <a:t>We learnt how to deal with the many obstacles that come with processing data in </a:t>
-            </a:r>
-            <a:r>
-              <a:rPr lang="en-US" sz="3200" b="1" dirty="0"/>
-              <a:t>Hebrew language</a:t>
-            </a:r>
-            <a:r>
-              <a:rPr lang="en-US" sz="3200" dirty="0"/>
-              <a:t>.</a:t>
-            </a:r>
-          </a:p>
-          <a:p>
-            <a:pPr algn="l" rtl="0"/>
-            <a:r>
-              <a:rPr lang="en-US" sz="3200" dirty="0"/>
-              <a:t>We have developed a product that works from end to end and achieves an </a:t>
-            </a:r>
-            <a:r>
-              <a:rPr lang="en-US" sz="3200" b="1" dirty="0"/>
-              <a:t>amazing outcome </a:t>
-            </a:r>
-            <a:r>
-              <a:rPr lang="en-US" sz="3200" dirty="0"/>
-              <a:t>that </a:t>
-            </a:r>
-            <a:r>
-              <a:rPr lang="en-US" sz="3200" b="1" dirty="0"/>
-              <a:t>exceeds our expectations</a:t>
-            </a:r>
-            <a:r>
-              <a:rPr lang="en-US" sz="3200" dirty="0"/>
-              <a:t>.</a:t>
-            </a:r>
-          </a:p>
-        </p:txBody>
-      </p:sp>
-      <p:sp>
-        <p:nvSpPr>
-          <p:cNvPr id="4" name="Content Placeholder 4">
-            <a:extLst>
-              <a:ext uri="{FF2B5EF4-FFF2-40B4-BE49-F238E27FC236}">
-                <a16:creationId xmlns:a16="http://schemas.microsoft.com/office/drawing/2014/main" id="{9BD9BDFA-0DA3-4897-9986-E2D49F0EA310}"/>
+                <a16:creationId xmlns:a16="http://schemas.microsoft.com/office/drawing/2014/main" id="{20846079-9C69-493C-8B94-5EC8B638D35E}"/>
               </a:ext>
             </a:extLst>
           </p:cNvPr>
@@ -17431,8 +18185,8 @@
         </p:nvSpPr>
         <p:spPr>
           <a:xfrm>
-            <a:off x="1640156" y="1446560"/>
-            <a:ext cx="8911687" cy="5182507"/>
+            <a:off x="1849318" y="5876897"/>
+            <a:ext cx="8915400" cy="3777622"/>
           </a:xfrm>
           <a:prstGeom prst="rect">
             <a:avLst/>
@@ -17661,44 +18415,17 @@
             </a:lvl9pPr>
           </a:lstStyle>
           <a:p>
-            <a:pPr marL="0" indent="0" algn="l" rtl="0">
-              <a:buFont typeface="Wingdings 3" charset="2"/>
-              <a:buNone/>
-            </a:pPr>
-            <a:endParaRPr lang="en-US" sz="3600" dirty="0"/>
-          </a:p>
-          <a:p>
             <a:pPr algn="l" rtl="0"/>
-            <a:endParaRPr lang="en-US" sz="3200" dirty="0"/>
-          </a:p>
-        </p:txBody>
-      </p:sp>
-      <p:sp>
-        <p:nvSpPr>
-          <p:cNvPr id="3" name="Slide Number Placeholder 2">
-            <a:extLst>
-              <a:ext uri="{FF2B5EF4-FFF2-40B4-BE49-F238E27FC236}">
-                <a16:creationId xmlns:a16="http://schemas.microsoft.com/office/drawing/2014/main" id="{1ED073AA-654A-4ABF-9EE2-13AD98D858AE}"/>
-              </a:ext>
-            </a:extLst>
-          </p:cNvPr>
-          <p:cNvSpPr>
-            <a:spLocks noGrp="1"/>
-          </p:cNvSpPr>
-          <p:nvPr>
-            <p:ph type="sldNum" sz="quarter" idx="12"/>
-          </p:nvPr>
-        </p:nvSpPr>
-        <p:spPr/>
-        <p:txBody>
-          <a:bodyPr/>
-          <a:lstStyle/>
-          <a:p>
-            <a:fld id="{D57F1E4F-1CFF-5643-939E-217C01CDF565}" type="slidenum">
-              <a:rPr lang="en-US" smtClean="0"/>
-              <a:pPr/>
-              <a:t>25</a:t>
-            </a:fld>
+            <a:r>
+              <a:rPr lang="en-US" dirty="0"/>
+              <a:t>Link to our Hebrew_Squad_v1.1 dataset: </a:t>
+            </a:r>
+            <a:r>
+              <a:rPr lang="en-US" dirty="0">
+                <a:hlinkClick r:id="rId5"/>
+              </a:rPr>
+              <a:t>https://huggingface.co/datasets/tdklab/Hebrew_Squad_v1.1</a:t>
+            </a:r>
             <a:endParaRPr lang="en-US" dirty="0"/>
           </a:p>
         </p:txBody>
@@ -17706,7 +18433,7 @@
     </p:spTree>
     <p:extLst>
       <p:ext uri="{BB962C8B-B14F-4D97-AF65-F5344CB8AC3E}">
-        <p14:creationId xmlns:p14="http://schemas.microsoft.com/office/powerpoint/2010/main" val="357147333"/>
+        <p14:creationId xmlns:p14="http://schemas.microsoft.com/office/powerpoint/2010/main" val="1120710931"/>
       </p:ext>
     </p:extLst>
   </p:cSld>
@@ -17716,7 +18443,7 @@
 </p:sld>
 </file>
 
-<file path=ppt/slides/slide26.xml><?xml version="1.0" encoding="utf-8"?>
+<file path=ppt/slides/slide23.xml><?xml version="1.0" encoding="utf-8"?>
 <p:sld xmlns:a="http://schemas.openxmlformats.org/drawingml/2006/main" xmlns:r="http://schemas.openxmlformats.org/officeDocument/2006/relationships" xmlns:p="http://schemas.openxmlformats.org/presentationml/2006/main">
   <p:cSld>
     <p:spTree>
@@ -17738,6 +18465,625 @@
           <p:cNvPr id="2" name="Title 1">
             <a:extLst>
               <a:ext uri="{FF2B5EF4-FFF2-40B4-BE49-F238E27FC236}">
+                <a16:creationId xmlns:a16="http://schemas.microsoft.com/office/drawing/2014/main" id="{87189A70-F14C-477C-8118-800EBEBD6429}"/>
+              </a:ext>
+            </a:extLst>
+          </p:cNvPr>
+          <p:cNvSpPr>
+            <a:spLocks noGrp="1"/>
+          </p:cNvSpPr>
+          <p:nvPr>
+            <p:ph type="title"/>
+          </p:nvPr>
+        </p:nvSpPr>
+        <p:spPr>
+          <a:xfrm>
+            <a:off x="1912699" y="570402"/>
+            <a:ext cx="8911687" cy="1280890"/>
+          </a:xfrm>
+        </p:spPr>
+        <p:txBody>
+          <a:bodyPr>
+            <a:normAutofit/>
+          </a:bodyPr>
+          <a:lstStyle/>
+          <a:p>
+            <a:pPr algn="l" rtl="0"/>
+            <a:r>
+              <a:rPr lang="en-US" sz="4400" dirty="0"/>
+              <a:t>Future work</a:t>
+            </a:r>
+          </a:p>
+        </p:txBody>
+      </p:sp>
+      <p:sp>
+        <p:nvSpPr>
+          <p:cNvPr id="5" name="Content Placeholder 4">
+            <a:extLst>
+              <a:ext uri="{FF2B5EF4-FFF2-40B4-BE49-F238E27FC236}">
+                <a16:creationId xmlns:a16="http://schemas.microsoft.com/office/drawing/2014/main" id="{6A8B3CA4-4E39-4553-B807-EA701B158AB0}"/>
+              </a:ext>
+            </a:extLst>
+          </p:cNvPr>
+          <p:cNvSpPr>
+            <a:spLocks noGrp="1"/>
+          </p:cNvSpPr>
+          <p:nvPr>
+            <p:ph idx="1"/>
+          </p:nvPr>
+        </p:nvSpPr>
+        <p:spPr>
+          <a:xfrm>
+            <a:off x="2035362" y="1851292"/>
+            <a:ext cx="9483847" cy="5493057"/>
+          </a:xfrm>
+        </p:spPr>
+        <p:txBody>
+          <a:bodyPr>
+            <a:normAutofit/>
+          </a:bodyPr>
+          <a:lstStyle/>
+          <a:p>
+            <a:pPr marL="612000" algn="l" rtl="0">
+              <a:spcBef>
+                <a:spcPts val="2400"/>
+              </a:spcBef>
+            </a:pPr>
+            <a:r>
+              <a:rPr lang="en-US" sz="3000" dirty="0"/>
+              <a:t>Improve the dataset Including manual testing and adding question-answer pairs that originally written in Hebrew and not translated.  </a:t>
+            </a:r>
+          </a:p>
+          <a:p>
+            <a:pPr marL="612000" algn="l" rtl="0">
+              <a:spcBef>
+                <a:spcPts val="2400"/>
+              </a:spcBef>
+            </a:pPr>
+            <a:r>
+              <a:rPr lang="en-US" sz="3000" dirty="0"/>
+              <a:t>Examine more parameters of training and try to improve the model performance.</a:t>
+            </a:r>
+          </a:p>
+          <a:p>
+            <a:pPr marL="612000" algn="l" rtl="0">
+              <a:spcBef>
+                <a:spcPts val="2400"/>
+              </a:spcBef>
+            </a:pPr>
+            <a:r>
+              <a:rPr lang="en-US" sz="3000" dirty="0"/>
+              <a:t>Examine more pre-trained Hebrew models when they are available </a:t>
+            </a:r>
+          </a:p>
+        </p:txBody>
+      </p:sp>
+      <p:sp>
+        <p:nvSpPr>
+          <p:cNvPr id="3" name="Slide Number Placeholder 2">
+            <a:extLst>
+              <a:ext uri="{FF2B5EF4-FFF2-40B4-BE49-F238E27FC236}">
+                <a16:creationId xmlns:a16="http://schemas.microsoft.com/office/drawing/2014/main" id="{2A964537-E99F-4D04-B54A-4151FB71F224}"/>
+              </a:ext>
+            </a:extLst>
+          </p:cNvPr>
+          <p:cNvSpPr>
+            <a:spLocks noGrp="1"/>
+          </p:cNvSpPr>
+          <p:nvPr>
+            <p:ph type="sldNum" sz="quarter" idx="12"/>
+          </p:nvPr>
+        </p:nvSpPr>
+        <p:spPr/>
+        <p:txBody>
+          <a:bodyPr/>
+          <a:lstStyle/>
+          <a:p>
+            <a:fld id="{D57F1E4F-1CFF-5643-939E-217C01CDF565}" type="slidenum">
+              <a:rPr lang="en-US" smtClean="0"/>
+              <a:pPr/>
+              <a:t>23</a:t>
+            </a:fld>
+            <a:endParaRPr lang="en-US" dirty="0"/>
+          </a:p>
+        </p:txBody>
+      </p:sp>
+    </p:spTree>
+    <p:extLst>
+      <p:ext uri="{BB962C8B-B14F-4D97-AF65-F5344CB8AC3E}">
+        <p14:creationId xmlns:p14="http://schemas.microsoft.com/office/powerpoint/2010/main" val="3503797914"/>
+      </p:ext>
+    </p:extLst>
+  </p:cSld>
+  <p:clrMapOvr>
+    <a:masterClrMapping/>
+  </p:clrMapOvr>
+</p:sld>
+</file>
+
+<file path=ppt/slides/slide24.xml><?xml version="1.0" encoding="utf-8"?>
+<p:sld xmlns:a="http://schemas.openxmlformats.org/drawingml/2006/main" xmlns:r="http://schemas.openxmlformats.org/officeDocument/2006/relationships" xmlns:p="http://schemas.openxmlformats.org/presentationml/2006/main">
+  <p:cSld>
+    <p:spTree>
+      <p:nvGrpSpPr>
+        <p:cNvPr id="1" name=""/>
+        <p:cNvGrpSpPr/>
+        <p:nvPr/>
+      </p:nvGrpSpPr>
+      <p:grpSpPr>
+        <a:xfrm>
+          <a:off x="0" y="0"/>
+          <a:ext cx="0" cy="0"/>
+          <a:chOff x="0" y="0"/>
+          <a:chExt cx="0" cy="0"/>
+        </a:xfrm>
+      </p:grpSpPr>
+      <p:sp>
+        <p:nvSpPr>
+          <p:cNvPr id="2" name="Title 1">
+            <a:extLst>
+              <a:ext uri="{FF2B5EF4-FFF2-40B4-BE49-F238E27FC236}">
+                <a16:creationId xmlns:a16="http://schemas.microsoft.com/office/drawing/2014/main" id="{87189A70-F14C-477C-8118-800EBEBD6429}"/>
+              </a:ext>
+            </a:extLst>
+          </p:cNvPr>
+          <p:cNvSpPr>
+            <a:spLocks noGrp="1"/>
+          </p:cNvSpPr>
+          <p:nvPr>
+            <p:ph type="title"/>
+          </p:nvPr>
+        </p:nvSpPr>
+        <p:spPr>
+          <a:xfrm>
+            <a:off x="2592924" y="213563"/>
+            <a:ext cx="8911687" cy="1280890"/>
+          </a:xfrm>
+        </p:spPr>
+        <p:txBody>
+          <a:bodyPr/>
+          <a:lstStyle/>
+          <a:p>
+            <a:r>
+              <a:rPr lang="en-US" sz="4400" dirty="0"/>
+              <a:t>Conclusions</a:t>
+            </a:r>
+            <a:endParaRPr lang="en-US" dirty="0"/>
+          </a:p>
+        </p:txBody>
+      </p:sp>
+      <p:sp>
+        <p:nvSpPr>
+          <p:cNvPr id="5" name="Content Placeholder 4">
+            <a:extLst>
+              <a:ext uri="{FF2B5EF4-FFF2-40B4-BE49-F238E27FC236}">
+                <a16:creationId xmlns:a16="http://schemas.microsoft.com/office/drawing/2014/main" id="{6A8B3CA4-4E39-4553-B807-EA701B158AB0}"/>
+              </a:ext>
+            </a:extLst>
+          </p:cNvPr>
+          <p:cNvSpPr>
+            <a:spLocks noGrp="1"/>
+          </p:cNvSpPr>
+          <p:nvPr>
+            <p:ph idx="1"/>
+          </p:nvPr>
+        </p:nvSpPr>
+        <p:spPr>
+          <a:xfrm>
+            <a:off x="1918010" y="1176956"/>
+            <a:ext cx="10273989" cy="5452111"/>
+          </a:xfrm>
+        </p:spPr>
+        <p:txBody>
+          <a:bodyPr>
+            <a:normAutofit fontScale="92500" lnSpcReduction="10000"/>
+          </a:bodyPr>
+          <a:lstStyle/>
+          <a:p>
+            <a:pPr algn="l" rtl="0"/>
+            <a:r>
+              <a:rPr lang="en-US" sz="3200" dirty="0"/>
+              <a:t>This project provided an </a:t>
+            </a:r>
+            <a:r>
+              <a:rPr lang="en-US" sz="3200" b="1" dirty="0"/>
+              <a:t>excellent learning </a:t>
+            </a:r>
+            <a:r>
+              <a:rPr lang="en-US" sz="3200" dirty="0"/>
+              <a:t>opportunity in the fields of </a:t>
+            </a:r>
+            <a:r>
+              <a:rPr lang="en-US" sz="3200" b="1" dirty="0"/>
+              <a:t>machine learning and data science.</a:t>
+            </a:r>
+          </a:p>
+          <a:p>
+            <a:pPr algn="l" rtl="0"/>
+            <a:r>
+              <a:rPr lang="en-US" sz="3200" dirty="0"/>
+              <a:t>We became familiar with Python and new tools such as </a:t>
+            </a:r>
+            <a:r>
+              <a:rPr lang="en-US" sz="3200" dirty="0" err="1"/>
+              <a:t>hpc</a:t>
+            </a:r>
+            <a:r>
+              <a:rPr lang="en-US" sz="3200" dirty="0"/>
+              <a:t>, the </a:t>
+            </a:r>
+            <a:r>
+              <a:rPr lang="en-US" sz="3200" dirty="0" err="1"/>
+              <a:t>Huggingface</a:t>
+            </a:r>
+            <a:r>
+              <a:rPr lang="en-US" sz="3200" dirty="0"/>
+              <a:t> platform, transformers, and etc.</a:t>
+            </a:r>
+          </a:p>
+          <a:p>
+            <a:pPr algn="l" rtl="0"/>
+            <a:r>
+              <a:rPr lang="en-US" sz="3200" dirty="0"/>
+              <a:t>We learnt how to deal with the many obstacles that come with processing data in </a:t>
+            </a:r>
+            <a:r>
+              <a:rPr lang="en-US" sz="3200" b="1" dirty="0"/>
+              <a:t>Hebrew language</a:t>
+            </a:r>
+            <a:r>
+              <a:rPr lang="en-US" sz="3200" dirty="0"/>
+              <a:t>.</a:t>
+            </a:r>
+          </a:p>
+          <a:p>
+            <a:pPr algn="l" rtl="0"/>
+            <a:r>
+              <a:rPr lang="en-US" sz="3200" dirty="0"/>
+              <a:t>We have developed a product that works from end to end and achieves an </a:t>
+            </a:r>
+            <a:r>
+              <a:rPr lang="en-US" sz="3200" b="1" dirty="0"/>
+              <a:t>amazing outcome </a:t>
+            </a:r>
+            <a:r>
+              <a:rPr lang="en-US" sz="3200" dirty="0"/>
+              <a:t>that </a:t>
+            </a:r>
+            <a:r>
+              <a:rPr lang="en-US" sz="3200" b="1" dirty="0"/>
+              <a:t>exceeds our expectations</a:t>
+            </a:r>
+            <a:r>
+              <a:rPr lang="en-US" sz="3200" dirty="0"/>
+              <a:t>.</a:t>
+            </a:r>
+          </a:p>
+        </p:txBody>
+      </p:sp>
+      <p:sp>
+        <p:nvSpPr>
+          <p:cNvPr id="4" name="Content Placeholder 4">
+            <a:extLst>
+              <a:ext uri="{FF2B5EF4-FFF2-40B4-BE49-F238E27FC236}">
+                <a16:creationId xmlns:a16="http://schemas.microsoft.com/office/drawing/2014/main" id="{9BD9BDFA-0DA3-4897-9986-E2D49F0EA310}"/>
+              </a:ext>
+            </a:extLst>
+          </p:cNvPr>
+          <p:cNvSpPr txBox="1">
+            <a:spLocks/>
+          </p:cNvSpPr>
+          <p:nvPr/>
+        </p:nvSpPr>
+        <p:spPr>
+          <a:xfrm>
+            <a:off x="1640156" y="1446560"/>
+            <a:ext cx="8911687" cy="5182507"/>
+          </a:xfrm>
+          <a:prstGeom prst="rect">
+            <a:avLst/>
+          </a:prstGeom>
+        </p:spPr>
+        <p:txBody>
+          <a:bodyPr vert="horz" lIns="91440" tIns="45720" rIns="91440" bIns="45720" rtlCol="0">
+            <a:normAutofit/>
+          </a:bodyPr>
+          <a:lstStyle>
+            <a:lvl1pPr marL="342900" indent="-342900" algn="r" defTabSz="457200" rtl="1" eaLnBrk="1" latinLnBrk="0" hangingPunct="1">
+              <a:spcBef>
+                <a:spcPts val="1000"/>
+              </a:spcBef>
+              <a:spcAft>
+                <a:spcPts val="0"/>
+              </a:spcAft>
+              <a:buClr>
+                <a:schemeClr val="accent1"/>
+              </a:buClr>
+              <a:buFont typeface="Wingdings 3" charset="2"/>
+              <a:buChar char=""/>
+              <a:defRPr sz="1800" kern="1200">
+                <a:solidFill>
+                  <a:schemeClr val="tx1">
+                    <a:lumMod val="75000"/>
+                    <a:lumOff val="25000"/>
+                  </a:schemeClr>
+                </a:solidFill>
+                <a:latin typeface="+mn-lt"/>
+                <a:ea typeface="+mn-ea"/>
+                <a:cs typeface="+mn-cs"/>
+              </a:defRPr>
+            </a:lvl1pPr>
+            <a:lvl2pPr marL="742950" indent="-285750" algn="r" defTabSz="457200" rtl="1" eaLnBrk="1" latinLnBrk="0" hangingPunct="1">
+              <a:spcBef>
+                <a:spcPts val="1000"/>
+              </a:spcBef>
+              <a:spcAft>
+                <a:spcPts val="0"/>
+              </a:spcAft>
+              <a:buClr>
+                <a:schemeClr val="accent1"/>
+              </a:buClr>
+              <a:buFont typeface="Wingdings 3" charset="2"/>
+              <a:buChar char=""/>
+              <a:defRPr sz="1600" kern="1200">
+                <a:solidFill>
+                  <a:schemeClr val="tx1">
+                    <a:lumMod val="75000"/>
+                    <a:lumOff val="25000"/>
+                  </a:schemeClr>
+                </a:solidFill>
+                <a:latin typeface="+mn-lt"/>
+                <a:ea typeface="+mn-ea"/>
+                <a:cs typeface="+mn-cs"/>
+              </a:defRPr>
+            </a:lvl2pPr>
+            <a:lvl3pPr marL="1143000" indent="-228600" algn="r" defTabSz="457200" rtl="1" eaLnBrk="1" latinLnBrk="0" hangingPunct="1">
+              <a:spcBef>
+                <a:spcPts val="1000"/>
+              </a:spcBef>
+              <a:spcAft>
+                <a:spcPts val="0"/>
+              </a:spcAft>
+              <a:buClr>
+                <a:schemeClr val="accent1"/>
+              </a:buClr>
+              <a:buFont typeface="Wingdings 3" charset="2"/>
+              <a:buChar char=""/>
+              <a:defRPr sz="1400" kern="1200">
+                <a:solidFill>
+                  <a:schemeClr val="tx1">
+                    <a:lumMod val="75000"/>
+                    <a:lumOff val="25000"/>
+                  </a:schemeClr>
+                </a:solidFill>
+                <a:latin typeface="+mn-lt"/>
+                <a:ea typeface="+mn-ea"/>
+                <a:cs typeface="+mn-cs"/>
+              </a:defRPr>
+            </a:lvl3pPr>
+            <a:lvl4pPr marL="1600200" indent="-228600" algn="r" defTabSz="457200" rtl="1" eaLnBrk="1" latinLnBrk="0" hangingPunct="1">
+              <a:spcBef>
+                <a:spcPts val="1000"/>
+              </a:spcBef>
+              <a:spcAft>
+                <a:spcPts val="0"/>
+              </a:spcAft>
+              <a:buClr>
+                <a:schemeClr val="accent1"/>
+              </a:buClr>
+              <a:buFont typeface="Wingdings 3" charset="2"/>
+              <a:buChar char=""/>
+              <a:defRPr sz="1200" kern="1200">
+                <a:solidFill>
+                  <a:schemeClr val="tx1">
+                    <a:lumMod val="75000"/>
+                    <a:lumOff val="25000"/>
+                  </a:schemeClr>
+                </a:solidFill>
+                <a:latin typeface="+mn-lt"/>
+                <a:ea typeface="+mn-ea"/>
+                <a:cs typeface="+mn-cs"/>
+              </a:defRPr>
+            </a:lvl4pPr>
+            <a:lvl5pPr marL="2057400" indent="-228600" algn="r" defTabSz="457200" rtl="1" eaLnBrk="1" latinLnBrk="0" hangingPunct="1">
+              <a:spcBef>
+                <a:spcPts val="1000"/>
+              </a:spcBef>
+              <a:spcAft>
+                <a:spcPts val="0"/>
+              </a:spcAft>
+              <a:buClr>
+                <a:schemeClr val="accent1"/>
+              </a:buClr>
+              <a:buFont typeface="Wingdings 3" charset="2"/>
+              <a:buChar char=""/>
+              <a:defRPr sz="1200" kern="1200">
+                <a:solidFill>
+                  <a:schemeClr val="tx1">
+                    <a:lumMod val="75000"/>
+                    <a:lumOff val="25000"/>
+                  </a:schemeClr>
+                </a:solidFill>
+                <a:latin typeface="+mn-lt"/>
+                <a:ea typeface="+mn-ea"/>
+                <a:cs typeface="+mn-cs"/>
+              </a:defRPr>
+            </a:lvl5pPr>
+            <a:lvl6pPr marL="2514600" indent="-228600" algn="r" defTabSz="457200" rtl="1" eaLnBrk="1" latinLnBrk="0" hangingPunct="1">
+              <a:spcBef>
+                <a:spcPts val="1000"/>
+              </a:spcBef>
+              <a:spcAft>
+                <a:spcPts val="0"/>
+              </a:spcAft>
+              <a:buClr>
+                <a:schemeClr val="accent1"/>
+              </a:buClr>
+              <a:buFont typeface="Wingdings 3" charset="2"/>
+              <a:buChar char=""/>
+              <a:defRPr sz="1200" kern="1200">
+                <a:solidFill>
+                  <a:schemeClr val="tx1">
+                    <a:lumMod val="75000"/>
+                    <a:lumOff val="25000"/>
+                  </a:schemeClr>
+                </a:solidFill>
+                <a:latin typeface="+mn-lt"/>
+                <a:ea typeface="+mn-ea"/>
+                <a:cs typeface="+mn-cs"/>
+              </a:defRPr>
+            </a:lvl6pPr>
+            <a:lvl7pPr marL="2971800" indent="-228600" algn="r" defTabSz="457200" rtl="1" eaLnBrk="1" latinLnBrk="0" hangingPunct="1">
+              <a:spcBef>
+                <a:spcPts val="1000"/>
+              </a:spcBef>
+              <a:spcAft>
+                <a:spcPts val="0"/>
+              </a:spcAft>
+              <a:buClr>
+                <a:schemeClr val="accent1"/>
+              </a:buClr>
+              <a:buFont typeface="Wingdings 3" charset="2"/>
+              <a:buChar char=""/>
+              <a:defRPr sz="1200" kern="1200">
+                <a:solidFill>
+                  <a:schemeClr val="tx1">
+                    <a:lumMod val="75000"/>
+                    <a:lumOff val="25000"/>
+                  </a:schemeClr>
+                </a:solidFill>
+                <a:latin typeface="+mn-lt"/>
+                <a:ea typeface="+mn-ea"/>
+                <a:cs typeface="+mn-cs"/>
+              </a:defRPr>
+            </a:lvl7pPr>
+            <a:lvl8pPr marL="3429000" indent="-228600" algn="r" defTabSz="457200" rtl="1" eaLnBrk="1" latinLnBrk="0" hangingPunct="1">
+              <a:spcBef>
+                <a:spcPts val="1000"/>
+              </a:spcBef>
+              <a:spcAft>
+                <a:spcPts val="0"/>
+              </a:spcAft>
+              <a:buClr>
+                <a:schemeClr val="accent1"/>
+              </a:buClr>
+              <a:buFont typeface="Wingdings 3" charset="2"/>
+              <a:buChar char=""/>
+              <a:defRPr sz="1200" kern="1200">
+                <a:solidFill>
+                  <a:schemeClr val="tx1">
+                    <a:lumMod val="75000"/>
+                    <a:lumOff val="25000"/>
+                  </a:schemeClr>
+                </a:solidFill>
+                <a:latin typeface="+mn-lt"/>
+                <a:ea typeface="+mn-ea"/>
+                <a:cs typeface="+mn-cs"/>
+              </a:defRPr>
+            </a:lvl8pPr>
+            <a:lvl9pPr marL="3886200" indent="-228600" algn="r" defTabSz="457200" rtl="1" eaLnBrk="1" latinLnBrk="0" hangingPunct="1">
+              <a:spcBef>
+                <a:spcPts val="1000"/>
+              </a:spcBef>
+              <a:spcAft>
+                <a:spcPts val="0"/>
+              </a:spcAft>
+              <a:buClr>
+                <a:schemeClr val="accent1"/>
+              </a:buClr>
+              <a:buFont typeface="Wingdings 3" charset="2"/>
+              <a:buChar char=""/>
+              <a:defRPr sz="1200" kern="1200">
+                <a:solidFill>
+                  <a:schemeClr val="tx1">
+                    <a:lumMod val="75000"/>
+                    <a:lumOff val="25000"/>
+                  </a:schemeClr>
+                </a:solidFill>
+                <a:latin typeface="+mn-lt"/>
+                <a:ea typeface="+mn-ea"/>
+                <a:cs typeface="+mn-cs"/>
+              </a:defRPr>
+            </a:lvl9pPr>
+          </a:lstStyle>
+          <a:p>
+            <a:pPr marL="0" indent="0" algn="l" rtl="0">
+              <a:buFont typeface="Wingdings 3" charset="2"/>
+              <a:buNone/>
+            </a:pPr>
+            <a:endParaRPr lang="en-US" sz="3600" dirty="0"/>
+          </a:p>
+          <a:p>
+            <a:pPr algn="l" rtl="0"/>
+            <a:endParaRPr lang="en-US" sz="3200" dirty="0"/>
+          </a:p>
+        </p:txBody>
+      </p:sp>
+      <p:sp>
+        <p:nvSpPr>
+          <p:cNvPr id="3" name="Slide Number Placeholder 2">
+            <a:extLst>
+              <a:ext uri="{FF2B5EF4-FFF2-40B4-BE49-F238E27FC236}">
+                <a16:creationId xmlns:a16="http://schemas.microsoft.com/office/drawing/2014/main" id="{1ED073AA-654A-4ABF-9EE2-13AD98D858AE}"/>
+              </a:ext>
+            </a:extLst>
+          </p:cNvPr>
+          <p:cNvSpPr>
+            <a:spLocks noGrp="1"/>
+          </p:cNvSpPr>
+          <p:nvPr>
+            <p:ph type="sldNum" sz="quarter" idx="12"/>
+          </p:nvPr>
+        </p:nvSpPr>
+        <p:spPr/>
+        <p:txBody>
+          <a:bodyPr/>
+          <a:lstStyle/>
+          <a:p>
+            <a:fld id="{D57F1E4F-1CFF-5643-939E-217C01CDF565}" type="slidenum">
+              <a:rPr lang="en-US" smtClean="0"/>
+              <a:pPr/>
+              <a:t>24</a:t>
+            </a:fld>
+            <a:endParaRPr lang="en-US" dirty="0"/>
+          </a:p>
+        </p:txBody>
+      </p:sp>
+    </p:spTree>
+    <p:extLst>
+      <p:ext uri="{BB962C8B-B14F-4D97-AF65-F5344CB8AC3E}">
+        <p14:creationId xmlns:p14="http://schemas.microsoft.com/office/powerpoint/2010/main" val="357147333"/>
+      </p:ext>
+    </p:extLst>
+  </p:cSld>
+  <p:clrMapOvr>
+    <a:masterClrMapping/>
+  </p:clrMapOvr>
+</p:sld>
+</file>
+
+<file path=ppt/slides/slide25.xml><?xml version="1.0" encoding="utf-8"?>
+<p:sld xmlns:a="http://schemas.openxmlformats.org/drawingml/2006/main" xmlns:r="http://schemas.openxmlformats.org/officeDocument/2006/relationships" xmlns:p="http://schemas.openxmlformats.org/presentationml/2006/main">
+  <p:cSld>
+    <p:spTree>
+      <p:nvGrpSpPr>
+        <p:cNvPr id="1" name=""/>
+        <p:cNvGrpSpPr/>
+        <p:nvPr/>
+      </p:nvGrpSpPr>
+      <p:grpSpPr>
+        <a:xfrm>
+          <a:off x="0" y="0"/>
+          <a:ext cx="0" cy="0"/>
+          <a:chOff x="0" y="0"/>
+          <a:chExt cx="0" cy="0"/>
+        </a:xfrm>
+      </p:grpSpPr>
+      <p:sp>
+        <p:nvSpPr>
+          <p:cNvPr id="2" name="Title 1">
+            <a:extLst>
+              <a:ext uri="{FF2B5EF4-FFF2-40B4-BE49-F238E27FC236}">
                 <a16:creationId xmlns:a16="http://schemas.microsoft.com/office/drawing/2014/main" id="{ADDCA23F-48A5-4A97-8AD8-B2A82E1FFE14}"/>
               </a:ext>
             </a:extLst>
@@ -17826,7 +19172,7 @@
             <a:fld id="{D57F1E4F-1CFF-5643-939E-217C01CDF565}" type="slidenum">
               <a:rPr lang="en-US" smtClean="0"/>
               <a:pPr/>
-              <a:t>26</a:t>
+              <a:t>25</a:t>
             </a:fld>
             <a:endParaRPr lang="en-US" dirty="0"/>
           </a:p>
@@ -17845,7 +19191,7 @@
 </p:sld>
 </file>
 
-<file path=ppt/slides/slide27.xml><?xml version="1.0" encoding="utf-8"?>
+<file path=ppt/slides/slide26.xml><?xml version="1.0" encoding="utf-8"?>
 <p:sld xmlns:a="http://schemas.openxmlformats.org/drawingml/2006/main" xmlns:r="http://schemas.openxmlformats.org/officeDocument/2006/relationships" xmlns:p="http://schemas.openxmlformats.org/presentationml/2006/main">
   <p:cSld>
     <p:spTree>
@@ -17968,7 +19314,7 @@
             <a:fld id="{D57F1E4F-1CFF-5643-939E-217C01CDF565}" type="slidenum">
               <a:rPr lang="en-US" smtClean="0"/>
               <a:pPr/>
-              <a:t>27</a:t>
+              <a:t>26</a:t>
             </a:fld>
             <a:endParaRPr lang="en-US" dirty="0"/>
           </a:p>
@@ -17987,7 +19333,7 @@
 </p:sld>
 </file>
 
-<file path=ppt/slides/slide28.xml><?xml version="1.0" encoding="utf-8"?>
+<file path=ppt/slides/slide27.xml><?xml version="1.0" encoding="utf-8"?>
 <p:sld xmlns:a="http://schemas.openxmlformats.org/drawingml/2006/main" xmlns:r="http://schemas.openxmlformats.org/officeDocument/2006/relationships" xmlns:p="http://schemas.openxmlformats.org/presentationml/2006/main">
   <p:cSld>
     <p:spTree>
@@ -18126,7 +19472,7 @@
             <a:fld id="{D57F1E4F-1CFF-5643-939E-217C01CDF565}" type="slidenum">
               <a:rPr lang="en-US" smtClean="0"/>
               <a:pPr/>
-              <a:t>28</a:t>
+              <a:t>27</a:t>
             </a:fld>
             <a:endParaRPr lang="en-US" dirty="0"/>
           </a:p>

--- a/Project Final Presentation .pptx
+++ b/Project Final Presentation .pptx
@@ -1480,7 +1480,7 @@
           <a:p>
             <a:fld id="{CDB54FA3-7910-481A-A1B9-179C05557E77}" type="datetimeFigureOut">
               <a:rPr lang="en-US" smtClean="0"/>
-              <a:t>3/20/2022</a:t>
+              <a:t>3/21/2022</a:t>
             </a:fld>
             <a:endParaRPr lang="en-US"/>
           </a:p>
@@ -3384,7 +3384,7 @@
           <a:p>
             <a:fld id="{AAACCC80-DF8C-490D-A13B-AACE7168B10B}" type="datetime1">
               <a:rPr lang="en-US" smtClean="0"/>
-              <a:t>3/20/2022</a:t>
+              <a:t>3/21/2022</a:t>
             </a:fld>
             <a:endParaRPr lang="en-US" dirty="0"/>
           </a:p>
@@ -3718,7 +3718,7 @@
           <a:p>
             <a:fld id="{CE91A2D5-EE52-45A4-9F93-829F22AF2C11}" type="datetime1">
               <a:rPr lang="en-US" smtClean="0"/>
-              <a:t>3/20/2022</a:t>
+              <a:t>3/21/2022</a:t>
             </a:fld>
             <a:endParaRPr lang="en-US" dirty="0"/>
           </a:p>
@@ -4115,7 +4115,7 @@
           <a:p>
             <a:fld id="{94106230-D532-4250-A91C-D97007123698}" type="datetime1">
               <a:rPr lang="en-US" smtClean="0"/>
-              <a:t>3/20/2022</a:t>
+              <a:t>3/21/2022</a:t>
             </a:fld>
             <a:endParaRPr lang="en-US" dirty="0"/>
           </a:p>
@@ -4446,7 +4446,7 @@
           <a:p>
             <a:fld id="{478DB539-5271-4024-9F9D-DD05B63F78F9}" type="datetime1">
               <a:rPr lang="en-US" smtClean="0"/>
-              <a:t>3/20/2022</a:t>
+              <a:t>3/21/2022</a:t>
             </a:fld>
             <a:endParaRPr lang="en-US" dirty="0"/>
           </a:p>
@@ -4762,7 +4762,7 @@
           <a:p>
             <a:fld id="{8A08FA68-4719-47F4-BCEF-827E61489CA0}" type="datetime1">
               <a:rPr lang="en-US" smtClean="0"/>
-              <a:t>3/20/2022</a:t>
+              <a:t>3/21/2022</a:t>
             </a:fld>
             <a:endParaRPr lang="en-US" dirty="0"/>
           </a:p>
@@ -5154,7 +5154,7 @@
           <a:p>
             <a:fld id="{5DF68AC2-6EF7-43BC-AD03-190FB7AEEF83}" type="datetime1">
               <a:rPr lang="en-US" smtClean="0"/>
-              <a:t>3/20/2022</a:t>
+              <a:t>3/21/2022</a:t>
             </a:fld>
             <a:endParaRPr lang="en-US" dirty="0"/>
           </a:p>
@@ -5407,7 +5407,7 @@
           <a:p>
             <a:fld id="{CD28E16A-C827-4957-B281-CDA1F791A057}" type="datetime1">
               <a:rPr lang="en-US" smtClean="0"/>
-              <a:t>3/20/2022</a:t>
+              <a:t>3/21/2022</a:t>
             </a:fld>
             <a:endParaRPr lang="en-US" dirty="0"/>
           </a:p>
@@ -5665,7 +5665,7 @@
           <a:p>
             <a:fld id="{2032C01B-E48B-492B-AE44-0B3E5EE8BCD9}" type="datetime1">
               <a:rPr lang="en-US" smtClean="0"/>
-              <a:t>3/20/2022</a:t>
+              <a:t>3/21/2022</a:t>
             </a:fld>
             <a:endParaRPr lang="en-US" dirty="0"/>
           </a:p>
@@ -5923,7 +5923,7 @@
           <a:p>
             <a:fld id="{25F4B3C0-7005-48B4-B0FF-EE9483C34D19}" type="datetime1">
               <a:rPr lang="en-US" smtClean="0"/>
-              <a:t>3/20/2022</a:t>
+              <a:t>3/21/2022</a:t>
             </a:fld>
             <a:endParaRPr lang="en-US" dirty="0"/>
           </a:p>
@@ -6248,7 +6248,7 @@
           <a:p>
             <a:fld id="{DF1F1728-A19D-4441-8705-955351F5018F}" type="datetime1">
               <a:rPr lang="en-US" smtClean="0"/>
-              <a:t>3/20/2022</a:t>
+              <a:t>3/21/2022</a:t>
             </a:fld>
             <a:endParaRPr lang="en-US" dirty="0"/>
           </a:p>
@@ -6567,7 +6567,7 @@
           <a:p>
             <a:fld id="{19CCC66E-5725-49F2-8E4E-A1309B9AF108}" type="datetime1">
               <a:rPr lang="en-US" smtClean="0"/>
-              <a:t>3/20/2022</a:t>
+              <a:t>3/21/2022</a:t>
             </a:fld>
             <a:endParaRPr lang="en-US" dirty="0"/>
           </a:p>
@@ -7020,7 +7020,7 @@
           <a:p>
             <a:fld id="{1BA0B93E-F5C4-487D-A5E9-2A44BA03A9C3}" type="datetime1">
               <a:rPr lang="en-US" smtClean="0"/>
-              <a:t>3/20/2022</a:t>
+              <a:t>3/21/2022</a:t>
             </a:fld>
             <a:endParaRPr lang="en-US" dirty="0"/>
           </a:p>
@@ -7221,7 +7221,7 @@
           <a:p>
             <a:fld id="{F0B4B268-7CCC-4E83-BA29-241837CE802E}" type="datetime1">
               <a:rPr lang="en-US" smtClean="0"/>
-              <a:t>3/20/2022</a:t>
+              <a:t>3/21/2022</a:t>
             </a:fld>
             <a:endParaRPr lang="en-US" dirty="0"/>
           </a:p>
@@ -7394,7 +7394,7 @@
           <a:p>
             <a:fld id="{FA386076-4E3C-401D-BCCD-B89BB1B3E61B}" type="datetime1">
               <a:rPr lang="en-US" smtClean="0"/>
-              <a:t>3/20/2022</a:t>
+              <a:t>3/21/2022</a:t>
             </a:fld>
             <a:endParaRPr lang="en-US" dirty="0"/>
           </a:p>
@@ -7723,7 +7723,7 @@
           <a:p>
             <a:fld id="{E9A44FC6-DFCF-4838-9DD7-014472C6A685}" type="datetime1">
               <a:rPr lang="en-US" smtClean="0"/>
-              <a:t>3/20/2022</a:t>
+              <a:t>3/21/2022</a:t>
             </a:fld>
             <a:endParaRPr lang="en-US" dirty="0"/>
           </a:p>
@@ -8064,7 +8064,7 @@
           <a:p>
             <a:fld id="{8F2F87F2-763B-46F7-AB62-EC6B8367DF97}" type="datetime1">
               <a:rPr lang="en-US" smtClean="0"/>
-              <a:t>3/20/2022</a:t>
+              <a:t>3/21/2022</a:t>
             </a:fld>
             <a:endParaRPr lang="en-US" dirty="0"/>
           </a:p>
@@ -10177,7 +10177,7 @@
           <a:p>
             <a:fld id="{AC504DFB-74C6-48D5-B2E3-2F1329743A10}" type="datetime1">
               <a:rPr lang="en-US" smtClean="0"/>
-              <a:t>3/20/2022</a:t>
+              <a:t>3/21/2022</a:t>
             </a:fld>
             <a:endParaRPr lang="en-US" dirty="0"/>
           </a:p>
@@ -18424,8 +18424,12 @@
               <a:rPr lang="en-US" dirty="0">
                 <a:hlinkClick r:id="rId5"/>
               </a:rPr>
-              <a:t>https://huggingface.co/datasets/tdklab/Hebrew_Squad_v1.1</a:t>
-            </a:r>
+              <a:t>https://huggingface.co/datasets/tdklab/Hebrew_Squad_v1</a:t>
+            </a:r>
+            <a:endParaRPr lang="en-US" dirty="0"/>
+          </a:p>
+          <a:p>
+            <a:pPr algn="l" rtl="0"/>
             <a:endParaRPr lang="en-US" dirty="0"/>
           </a:p>
         </p:txBody>
